--- a/PPT Hospital Management System.pptx
+++ b/PPT Hospital Management System.pptx
@@ -1,36 +1,46 @@
 
 <file path=ppt/presentation.xml><?xml version="1.0" encoding="utf-8"?>
-<p:presentation xmlns:a="http://schemas.openxmlformats.org/drawingml/2006/main" xmlns:r="http://schemas.openxmlformats.org/officeDocument/2006/relationships" xmlns:mc="http://schemas.openxmlformats.org/markup-compatibility/2006" xmlns:mv="urn:schemas-microsoft-com:mac:vml" xmlns:p="http://schemas.openxmlformats.org/presentationml/2006/main" xmlns:c="http://schemas.openxmlformats.org/drawingml/2006/chart" xmlns:dgm="http://schemas.openxmlformats.org/drawingml/2006/diagram" xmlns:o="urn:schemas-microsoft-com:office:office" xmlns:v="urn:schemas-microsoft-com:vml" xmlns:pvml="urn:schemas-microsoft-com:office:powerpoint" xmlns:com="http://schemas.openxmlformats.org/drawingml/2006/compatibility" xmlns:p14="http://schemas.microsoft.com/office/powerpoint/2010/main" xmlns:p15="http://schemas.microsoft.com/office/powerpoint/2012/main" xmlns:ahyp="http://schemas.microsoft.com/office/drawing/2018/hyperlinkcolor" autoCompressPictures="0" embedTrueTypeFonts="1" strictFirstAndLastChars="0" saveSubsetFonts="1">
+<p:presentation xmlns:a="http://schemas.openxmlformats.org/drawingml/2006/main" xmlns:r="http://schemas.openxmlformats.org/officeDocument/2006/relationships" xmlns:p="http://schemas.openxmlformats.org/presentationml/2006/main" strictFirstAndLastChars="0" embedTrueTypeFonts="1" saveSubsetFonts="1" autoCompressPictures="0">
   <p:sldMasterIdLst>
-    <p:sldMasterId id="2147483659" r:id="rId4"/>
+    <p:sldMasterId id="2147483659" r:id="rId1"/>
   </p:sldMasterIdLst>
   <p:notesMasterIdLst>
-    <p:notesMasterId r:id="rId5"/>
+    <p:notesMasterId r:id="rId12"/>
   </p:notesMasterIdLst>
   <p:sldIdLst>
-    <p:sldId id="256" r:id="rId6"/>
-    <p:sldId id="257" r:id="rId7"/>
-    <p:sldId id="258" r:id="rId8"/>
-    <p:sldId id="259" r:id="rId9"/>
-    <p:sldId id="260" r:id="rId10"/>
-    <p:sldId id="261" r:id="rId11"/>
-    <p:sldId id="262" r:id="rId12"/>
+    <p:sldId id="256" r:id="rId2"/>
+    <p:sldId id="257" r:id="rId3"/>
+    <p:sldId id="265" r:id="rId4"/>
+    <p:sldId id="258" r:id="rId5"/>
+    <p:sldId id="264" r:id="rId6"/>
+    <p:sldId id="259" r:id="rId7"/>
+    <p:sldId id="260" r:id="rId8"/>
+    <p:sldId id="263" r:id="rId9"/>
+    <p:sldId id="261" r:id="rId10"/>
+    <p:sldId id="262" r:id="rId11"/>
   </p:sldIdLst>
-  <p:sldSz cy="5143500" cx="9144000"/>
+  <p:sldSz cx="9144000" cy="5143500" type="screen16x9"/>
   <p:notesSz cx="6858000" cy="9144000"/>
   <p:embeddedFontLst>
     <p:embeddedFont>
-      <p:font typeface="Average"/>
+      <p:font typeface="Average" panose="020B0604020202020204" charset="0"/>
       <p:regular r:id="rId13"/>
     </p:embeddedFont>
     <p:embeddedFont>
-      <p:font typeface="Oswald"/>
+      <p:font typeface="Comic Sans MS" panose="030F0702030302020204" pitchFamily="66" charset="0"/>
       <p:regular r:id="rId14"/>
       <p:bold r:id="rId15"/>
+      <p:italic r:id="rId16"/>
+      <p:boldItalic r:id="rId17"/>
+    </p:embeddedFont>
+    <p:embeddedFont>
+      <p:font typeface="Oswald" panose="00000500000000000000" pitchFamily="2" charset="0"/>
+      <p:regular r:id="rId18"/>
+      <p:bold r:id="rId19"/>
     </p:embeddedFont>
   </p:embeddedFontLst>
   <p:defaultTextStyle>
-    <a:defPPr lvl="0" marR="0" rtl="0" algn="l">
+    <a:defPPr marR="0" lvl="0" algn="l" rtl="0">
       <a:lnSpc>
         <a:spcPct val="100000"/>
       </a:lnSpc>
@@ -41,7 +51,7 @@
         <a:spcPts val="0"/>
       </a:spcAft>
     </a:defPPr>
-    <a:lvl1pPr lvl="0" marR="0" rtl="0" algn="l">
+    <a:lvl1pPr marR="0" lvl="0" algn="l" rtl="0">
       <a:lnSpc>
         <a:spcPct val="100000"/>
       </a:lnSpc>
@@ -55,7 +65,7 @@
         <a:srgbClr val="000000"/>
       </a:buClr>
       <a:buFont typeface="Arial"/>
-      <a:defRPr b="0" i="0" sz="1400" u="none" cap="none" strike="noStrike">
+      <a:defRPr sz="1400" b="0" i="0" u="none" strike="noStrike" cap="none">
         <a:solidFill>
           <a:srgbClr val="000000"/>
         </a:solidFill>
@@ -65,7 +75,7 @@
         <a:sym typeface="Arial"/>
       </a:defRPr>
     </a:lvl1pPr>
-    <a:lvl2pPr lvl="1" marR="0" rtl="0" algn="l">
+    <a:lvl2pPr marR="0" lvl="1" algn="l" rtl="0">
       <a:lnSpc>
         <a:spcPct val="100000"/>
       </a:lnSpc>
@@ -79,7 +89,7 @@
         <a:srgbClr val="000000"/>
       </a:buClr>
       <a:buFont typeface="Arial"/>
-      <a:defRPr b="0" i="0" sz="1400" u="none" cap="none" strike="noStrike">
+      <a:defRPr sz="1400" b="0" i="0" u="none" strike="noStrike" cap="none">
         <a:solidFill>
           <a:srgbClr val="000000"/>
         </a:solidFill>
@@ -89,7 +99,7 @@
         <a:sym typeface="Arial"/>
       </a:defRPr>
     </a:lvl2pPr>
-    <a:lvl3pPr lvl="2" marR="0" rtl="0" algn="l">
+    <a:lvl3pPr marR="0" lvl="2" algn="l" rtl="0">
       <a:lnSpc>
         <a:spcPct val="100000"/>
       </a:lnSpc>
@@ -103,7 +113,7 @@
         <a:srgbClr val="000000"/>
       </a:buClr>
       <a:buFont typeface="Arial"/>
-      <a:defRPr b="0" i="0" sz="1400" u="none" cap="none" strike="noStrike">
+      <a:defRPr sz="1400" b="0" i="0" u="none" strike="noStrike" cap="none">
         <a:solidFill>
           <a:srgbClr val="000000"/>
         </a:solidFill>
@@ -113,7 +123,7 @@
         <a:sym typeface="Arial"/>
       </a:defRPr>
     </a:lvl3pPr>
-    <a:lvl4pPr lvl="3" marR="0" rtl="0" algn="l">
+    <a:lvl4pPr marR="0" lvl="3" algn="l" rtl="0">
       <a:lnSpc>
         <a:spcPct val="100000"/>
       </a:lnSpc>
@@ -127,7 +137,7 @@
         <a:srgbClr val="000000"/>
       </a:buClr>
       <a:buFont typeface="Arial"/>
-      <a:defRPr b="0" i="0" sz="1400" u="none" cap="none" strike="noStrike">
+      <a:defRPr sz="1400" b="0" i="0" u="none" strike="noStrike" cap="none">
         <a:solidFill>
           <a:srgbClr val="000000"/>
         </a:solidFill>
@@ -137,7 +147,7 @@
         <a:sym typeface="Arial"/>
       </a:defRPr>
     </a:lvl4pPr>
-    <a:lvl5pPr lvl="4" marR="0" rtl="0" algn="l">
+    <a:lvl5pPr marR="0" lvl="4" algn="l" rtl="0">
       <a:lnSpc>
         <a:spcPct val="100000"/>
       </a:lnSpc>
@@ -151,7 +161,7 @@
         <a:srgbClr val="000000"/>
       </a:buClr>
       <a:buFont typeface="Arial"/>
-      <a:defRPr b="0" i="0" sz="1400" u="none" cap="none" strike="noStrike">
+      <a:defRPr sz="1400" b="0" i="0" u="none" strike="noStrike" cap="none">
         <a:solidFill>
           <a:srgbClr val="000000"/>
         </a:solidFill>
@@ -161,7 +171,7 @@
         <a:sym typeface="Arial"/>
       </a:defRPr>
     </a:lvl5pPr>
-    <a:lvl6pPr lvl="5" marR="0" rtl="0" algn="l">
+    <a:lvl6pPr marR="0" lvl="5" algn="l" rtl="0">
       <a:lnSpc>
         <a:spcPct val="100000"/>
       </a:lnSpc>
@@ -175,7 +185,7 @@
         <a:srgbClr val="000000"/>
       </a:buClr>
       <a:buFont typeface="Arial"/>
-      <a:defRPr b="0" i="0" sz="1400" u="none" cap="none" strike="noStrike">
+      <a:defRPr sz="1400" b="0" i="0" u="none" strike="noStrike" cap="none">
         <a:solidFill>
           <a:srgbClr val="000000"/>
         </a:solidFill>
@@ -185,7 +195,7 @@
         <a:sym typeface="Arial"/>
       </a:defRPr>
     </a:lvl6pPr>
-    <a:lvl7pPr lvl="6" marR="0" rtl="0" algn="l">
+    <a:lvl7pPr marR="0" lvl="6" algn="l" rtl="0">
       <a:lnSpc>
         <a:spcPct val="100000"/>
       </a:lnSpc>
@@ -199,7 +209,7 @@
         <a:srgbClr val="000000"/>
       </a:buClr>
       <a:buFont typeface="Arial"/>
-      <a:defRPr b="0" i="0" sz="1400" u="none" cap="none" strike="noStrike">
+      <a:defRPr sz="1400" b="0" i="0" u="none" strike="noStrike" cap="none">
         <a:solidFill>
           <a:srgbClr val="000000"/>
         </a:solidFill>
@@ -209,7 +219,7 @@
         <a:sym typeface="Arial"/>
       </a:defRPr>
     </a:lvl7pPr>
-    <a:lvl8pPr lvl="7" marR="0" rtl="0" algn="l">
+    <a:lvl8pPr marR="0" lvl="7" algn="l" rtl="0">
       <a:lnSpc>
         <a:spcPct val="100000"/>
       </a:lnSpc>
@@ -223,7 +233,7 @@
         <a:srgbClr val="000000"/>
       </a:buClr>
       <a:buFont typeface="Arial"/>
-      <a:defRPr b="0" i="0" sz="1400" u="none" cap="none" strike="noStrike">
+      <a:defRPr sz="1400" b="0" i="0" u="none" strike="noStrike" cap="none">
         <a:solidFill>
           <a:srgbClr val="000000"/>
         </a:solidFill>
@@ -233,7 +243,7 @@
         <a:sym typeface="Arial"/>
       </a:defRPr>
     </a:lvl8pPr>
-    <a:lvl9pPr lvl="8" marR="0" rtl="0" algn="l">
+    <a:lvl9pPr marR="0" lvl="8" algn="l" rtl="0">
       <a:lnSpc>
         <a:spcPct val="100000"/>
       </a:lnSpc>
@@ -247,7 +257,7 @@
         <a:srgbClr val="000000"/>
       </a:buClr>
       <a:buFont typeface="Arial"/>
-      <a:defRPr b="0" i="0" sz="1400" u="none" cap="none" strike="noStrike">
+      <a:defRPr sz="1400" b="0" i="0" u="none" strike="noStrike" cap="none">
         <a:solidFill>
           <a:srgbClr val="000000"/>
         </a:solidFill>
@@ -260,7 +270,7 @@
   </p:defaultTextStyle>
   <p:extLst>
     <p:ext uri="{EFAFB233-063F-42B5-8137-9DF3F51BA10A}">
-      <p15:sldGuideLst>
+      <p15:sldGuideLst xmlns:p15="http://schemas.microsoft.com/office/powerpoint/2012/main">
         <p15:guide id="1" orient="horz" pos="1620">
           <p15:clr>
             <a:srgbClr val="747775"/>
@@ -278,11 +288,16 @@
 </file>
 
 <file path=ppt/notesMasters/notesMaster1.xml><?xml version="1.0" encoding="utf-8"?>
-<p:notesMaster xmlns:a="http://schemas.openxmlformats.org/drawingml/2006/main" xmlns:r="http://schemas.openxmlformats.org/officeDocument/2006/relationships" xmlns:mc="http://schemas.openxmlformats.org/markup-compatibility/2006" xmlns:mv="urn:schemas-microsoft-com:mac:vml" xmlns:p="http://schemas.openxmlformats.org/presentationml/2006/main" xmlns:c="http://schemas.openxmlformats.org/drawingml/2006/chart" xmlns:dgm="http://schemas.openxmlformats.org/drawingml/2006/diagram" xmlns:o="urn:schemas-microsoft-com:office:office" xmlns:v="urn:schemas-microsoft-com:vml" xmlns:pvml="urn:schemas-microsoft-com:office:powerpoint" xmlns:com="http://schemas.openxmlformats.org/drawingml/2006/compatibility" xmlns:p14="http://schemas.microsoft.com/office/powerpoint/2010/main" xmlns:p15="http://schemas.microsoft.com/office/powerpoint/2012/main" xmlns:ahyp="http://schemas.microsoft.com/office/drawing/2018/hyperlinkcolor">
+<p:notesMaster xmlns:a="http://schemas.openxmlformats.org/drawingml/2006/main" xmlns:r="http://schemas.openxmlformats.org/officeDocument/2006/relationships" xmlns:p="http://schemas.openxmlformats.org/presentationml/2006/main">
   <p:cSld>
+    <p:bg>
+      <p:bgRef idx="1001">
+        <a:schemeClr val="bg1"/>
+      </p:bgRef>
+    </p:bg>
     <p:spTree>
       <p:nvGrpSpPr>
-        <p:cNvPr id="2" name="Shape 2"/>
+        <p:cNvPr id="1" name="Shape 2"/>
         <p:cNvGrpSpPr/>
         <p:nvPr/>
       </p:nvGrpSpPr>
@@ -297,9 +312,11 @@
       <p:sp>
         <p:nvSpPr>
           <p:cNvPr id="3" name="Google Shape;3;n"/>
-          <p:cNvSpPr/>
+          <p:cNvSpPr>
+            <a:spLocks noGrp="1" noRot="1" noChangeAspect="1"/>
+          </p:cNvSpPr>
           <p:nvPr>
-            <p:ph idx="2" type="sldImg"/>
+            <p:ph type="sldImg" idx="2"/>
           </p:nvPr>
         </p:nvSpPr>
         <p:spPr>
@@ -308,9 +325,13 @@
             <a:ext cx="6096075" cy="3429000"/>
           </a:xfrm>
           <a:custGeom>
-            <a:rect b="b" l="l" r="r" t="t"/>
+            <a:avLst/>
+            <a:gdLst/>
+            <a:ahLst/>
+            <a:cxnLst/>
+            <a:rect l="l" t="t" r="r" b="b"/>
             <a:pathLst>
-              <a:path extrusionOk="0" h="120000" w="120000">
+              <a:path w="120000" h="120000" extrusionOk="0">
                 <a:moveTo>
                   <a:pt x="0" y="0"/>
                 </a:moveTo>
@@ -328,23 +349,25 @@
             </a:pathLst>
           </a:custGeom>
           <a:noFill/>
-          <a:ln cap="flat" cmpd="sng" w="9525">
+          <a:ln w="9525" cap="flat" cmpd="sng">
             <a:solidFill>
               <a:srgbClr val="000000"/>
             </a:solidFill>
             <a:prstDash val="solid"/>
             <a:round/>
-            <a:headEnd len="sm" w="sm" type="none"/>
-            <a:tailEnd len="sm" w="sm" type="none"/>
+            <a:headEnd type="none" w="sm" len="sm"/>
+            <a:tailEnd type="none" w="sm" len="sm"/>
           </a:ln>
         </p:spPr>
       </p:sp>
       <p:sp>
         <p:nvSpPr>
           <p:cNvPr id="4" name="Google Shape;4;n"/>
-          <p:cNvSpPr txBox="1"/>
+          <p:cNvSpPr txBox="1">
+            <a:spLocks noGrp="1"/>
+          </p:cNvSpPr>
           <p:nvPr>
-            <p:ph idx="1" type="body"/>
+            <p:ph type="body" idx="1"/>
           </p:nvPr>
         </p:nvSpPr>
         <p:spPr>
@@ -361,11 +384,11 @@
           </a:ln>
         </p:spPr>
         <p:txBody>
-          <a:bodyPr anchorCtr="0" anchor="t" bIns="91425" lIns="91425" spcFirstLastPara="1" rIns="91425" wrap="square" tIns="91425">
+          <a:bodyPr spcFirstLastPara="1" wrap="square" lIns="91425" tIns="91425" rIns="91425" bIns="91425" anchor="t" anchorCtr="0">
             <a:noAutofit/>
           </a:bodyPr>
           <a:lstStyle>
-            <a:lvl1pPr indent="-298450" lvl="0" marL="457200">
+            <a:lvl1pPr marL="457200" lvl="0" indent="-298450">
               <a:spcBef>
                 <a:spcPts val="0"/>
               </a:spcBef>
@@ -376,7 +399,7 @@
               <a:buChar char="●"/>
               <a:defRPr sz="1100"/>
             </a:lvl1pPr>
-            <a:lvl2pPr indent="-298450" lvl="1" marL="914400">
+            <a:lvl2pPr marL="914400" lvl="1" indent="-298450">
               <a:spcBef>
                 <a:spcPts val="0"/>
               </a:spcBef>
@@ -387,7 +410,7 @@
               <a:buChar char="○"/>
               <a:defRPr sz="1100"/>
             </a:lvl2pPr>
-            <a:lvl3pPr indent="-298450" lvl="2" marL="1371600">
+            <a:lvl3pPr marL="1371600" lvl="2" indent="-298450">
               <a:spcBef>
                 <a:spcPts val="0"/>
               </a:spcBef>
@@ -398,7 +421,7 @@
               <a:buChar char="■"/>
               <a:defRPr sz="1100"/>
             </a:lvl3pPr>
-            <a:lvl4pPr indent="-298450" lvl="3" marL="1828800">
+            <a:lvl4pPr marL="1828800" lvl="3" indent="-298450">
               <a:spcBef>
                 <a:spcPts val="0"/>
               </a:spcBef>
@@ -409,7 +432,7 @@
               <a:buChar char="●"/>
               <a:defRPr sz="1100"/>
             </a:lvl4pPr>
-            <a:lvl5pPr indent="-298450" lvl="4" marL="2286000">
+            <a:lvl5pPr marL="2286000" lvl="4" indent="-298450">
               <a:spcBef>
                 <a:spcPts val="0"/>
               </a:spcBef>
@@ -420,7 +443,7 @@
               <a:buChar char="○"/>
               <a:defRPr sz="1100"/>
             </a:lvl5pPr>
-            <a:lvl6pPr indent="-298450" lvl="5" marL="2743200">
+            <a:lvl6pPr marL="2743200" lvl="5" indent="-298450">
               <a:spcBef>
                 <a:spcPts val="0"/>
               </a:spcBef>
@@ -431,7 +454,7 @@
               <a:buChar char="■"/>
               <a:defRPr sz="1100"/>
             </a:lvl6pPr>
-            <a:lvl7pPr indent="-298450" lvl="6" marL="3200400">
+            <a:lvl7pPr marL="3200400" lvl="6" indent="-298450">
               <a:spcBef>
                 <a:spcPts val="0"/>
               </a:spcBef>
@@ -442,7 +465,7 @@
               <a:buChar char="●"/>
               <a:defRPr sz="1100"/>
             </a:lvl7pPr>
-            <a:lvl8pPr indent="-298450" lvl="7" marL="3657600">
+            <a:lvl8pPr marL="3657600" lvl="7" indent="-298450">
               <a:spcBef>
                 <a:spcPts val="0"/>
               </a:spcBef>
@@ -453,7 +476,7 @@
               <a:buChar char="○"/>
               <a:defRPr sz="1100"/>
             </a:lvl8pPr>
-            <a:lvl9pPr indent="-298450" lvl="8" marL="4114800">
+            <a:lvl9pPr marL="4114800" lvl="8" indent="-298450">
               <a:spcBef>
                 <a:spcPts val="0"/>
               </a:spcBef>
@@ -465,14 +488,16 @@
               <a:defRPr sz="1100"/>
             </a:lvl9pPr>
           </a:lstStyle>
-          <a:p/>
+          <a:p>
+            <a:endParaRPr/>
+          </a:p>
         </p:txBody>
       </p:sp>
     </p:spTree>
   </p:cSld>
-  <p:clrMap accent1="accent1" accent2="accent2" accent3="accent3" accent4="accent4" accent5="accent5" accent6="accent6" bg1="lt1" bg2="dk2" tx1="dk1" tx2="lt2" folHlink="folHlink" hlink="hlink"/>
+  <p:clrMap bg1="lt1" tx1="dk1" bg2="dk2" tx2="lt2" accent1="accent1" accent2="accent2" accent3="accent3" accent4="accent4" accent5="accent5" accent6="accent6" hlink="hlink" folHlink="folHlink"/>
   <p:notesStyle>
-    <a:defPPr lvl="0" marR="0" rtl="0" algn="l">
+    <a:defPPr marR="0" lvl="0" algn="l" rtl="0">
       <a:lnSpc>
         <a:spcPct val="100000"/>
       </a:lnSpc>
@@ -483,7 +508,7 @@
         <a:spcPts val="0"/>
       </a:spcAft>
     </a:defPPr>
-    <a:lvl1pPr lvl="0" marR="0" rtl="0" algn="l">
+    <a:lvl1pPr marR="0" lvl="0" algn="l" rtl="0">
       <a:lnSpc>
         <a:spcPct val="100000"/>
       </a:lnSpc>
@@ -497,7 +522,7 @@
         <a:srgbClr val="000000"/>
       </a:buClr>
       <a:buFont typeface="Arial"/>
-      <a:defRPr b="0" i="0" sz="1400" u="none" cap="none" strike="noStrike">
+      <a:defRPr sz="1400" b="0" i="0" u="none" strike="noStrike" cap="none">
         <a:solidFill>
           <a:srgbClr val="000000"/>
         </a:solidFill>
@@ -507,7 +532,7 @@
         <a:sym typeface="Arial"/>
       </a:defRPr>
     </a:lvl1pPr>
-    <a:lvl2pPr lvl="1" marR="0" rtl="0" algn="l">
+    <a:lvl2pPr marR="0" lvl="1" algn="l" rtl="0">
       <a:lnSpc>
         <a:spcPct val="100000"/>
       </a:lnSpc>
@@ -521,7 +546,7 @@
         <a:srgbClr val="000000"/>
       </a:buClr>
       <a:buFont typeface="Arial"/>
-      <a:defRPr b="0" i="0" sz="1400" u="none" cap="none" strike="noStrike">
+      <a:defRPr sz="1400" b="0" i="0" u="none" strike="noStrike" cap="none">
         <a:solidFill>
           <a:srgbClr val="000000"/>
         </a:solidFill>
@@ -531,7 +556,7 @@
         <a:sym typeface="Arial"/>
       </a:defRPr>
     </a:lvl2pPr>
-    <a:lvl3pPr lvl="2" marR="0" rtl="0" algn="l">
+    <a:lvl3pPr marR="0" lvl="2" algn="l" rtl="0">
       <a:lnSpc>
         <a:spcPct val="100000"/>
       </a:lnSpc>
@@ -545,7 +570,7 @@
         <a:srgbClr val="000000"/>
       </a:buClr>
       <a:buFont typeface="Arial"/>
-      <a:defRPr b="0" i="0" sz="1400" u="none" cap="none" strike="noStrike">
+      <a:defRPr sz="1400" b="0" i="0" u="none" strike="noStrike" cap="none">
         <a:solidFill>
           <a:srgbClr val="000000"/>
         </a:solidFill>
@@ -555,7 +580,7 @@
         <a:sym typeface="Arial"/>
       </a:defRPr>
     </a:lvl3pPr>
-    <a:lvl4pPr lvl="3" marR="0" rtl="0" algn="l">
+    <a:lvl4pPr marR="0" lvl="3" algn="l" rtl="0">
       <a:lnSpc>
         <a:spcPct val="100000"/>
       </a:lnSpc>
@@ -569,7 +594,7 @@
         <a:srgbClr val="000000"/>
       </a:buClr>
       <a:buFont typeface="Arial"/>
-      <a:defRPr b="0" i="0" sz="1400" u="none" cap="none" strike="noStrike">
+      <a:defRPr sz="1400" b="0" i="0" u="none" strike="noStrike" cap="none">
         <a:solidFill>
           <a:srgbClr val="000000"/>
         </a:solidFill>
@@ -579,7 +604,7 @@
         <a:sym typeface="Arial"/>
       </a:defRPr>
     </a:lvl4pPr>
-    <a:lvl5pPr lvl="4" marR="0" rtl="0" algn="l">
+    <a:lvl5pPr marR="0" lvl="4" algn="l" rtl="0">
       <a:lnSpc>
         <a:spcPct val="100000"/>
       </a:lnSpc>
@@ -593,7 +618,7 @@
         <a:srgbClr val="000000"/>
       </a:buClr>
       <a:buFont typeface="Arial"/>
-      <a:defRPr b="0" i="0" sz="1400" u="none" cap="none" strike="noStrike">
+      <a:defRPr sz="1400" b="0" i="0" u="none" strike="noStrike" cap="none">
         <a:solidFill>
           <a:srgbClr val="000000"/>
         </a:solidFill>
@@ -603,7 +628,7 @@
         <a:sym typeface="Arial"/>
       </a:defRPr>
     </a:lvl5pPr>
-    <a:lvl6pPr lvl="5" marR="0" rtl="0" algn="l">
+    <a:lvl6pPr marR="0" lvl="5" algn="l" rtl="0">
       <a:lnSpc>
         <a:spcPct val="100000"/>
       </a:lnSpc>
@@ -617,7 +642,7 @@
         <a:srgbClr val="000000"/>
       </a:buClr>
       <a:buFont typeface="Arial"/>
-      <a:defRPr b="0" i="0" sz="1400" u="none" cap="none" strike="noStrike">
+      <a:defRPr sz="1400" b="0" i="0" u="none" strike="noStrike" cap="none">
         <a:solidFill>
           <a:srgbClr val="000000"/>
         </a:solidFill>
@@ -627,7 +652,7 @@
         <a:sym typeface="Arial"/>
       </a:defRPr>
     </a:lvl6pPr>
-    <a:lvl7pPr lvl="6" marR="0" rtl="0" algn="l">
+    <a:lvl7pPr marR="0" lvl="6" algn="l" rtl="0">
       <a:lnSpc>
         <a:spcPct val="100000"/>
       </a:lnSpc>
@@ -641,7 +666,7 @@
         <a:srgbClr val="000000"/>
       </a:buClr>
       <a:buFont typeface="Arial"/>
-      <a:defRPr b="0" i="0" sz="1400" u="none" cap="none" strike="noStrike">
+      <a:defRPr sz="1400" b="0" i="0" u="none" strike="noStrike" cap="none">
         <a:solidFill>
           <a:srgbClr val="000000"/>
         </a:solidFill>
@@ -651,7 +676,7 @@
         <a:sym typeface="Arial"/>
       </a:defRPr>
     </a:lvl7pPr>
-    <a:lvl8pPr lvl="7" marR="0" rtl="0" algn="l">
+    <a:lvl8pPr marR="0" lvl="7" algn="l" rtl="0">
       <a:lnSpc>
         <a:spcPct val="100000"/>
       </a:lnSpc>
@@ -665,7 +690,7 @@
         <a:srgbClr val="000000"/>
       </a:buClr>
       <a:buFont typeface="Arial"/>
-      <a:defRPr b="0" i="0" sz="1400" u="none" cap="none" strike="noStrike">
+      <a:defRPr sz="1400" b="0" i="0" u="none" strike="noStrike" cap="none">
         <a:solidFill>
           <a:srgbClr val="000000"/>
         </a:solidFill>
@@ -675,7 +700,7 @@
         <a:sym typeface="Arial"/>
       </a:defRPr>
     </a:lvl8pPr>
-    <a:lvl9pPr lvl="8" marR="0" rtl="0" algn="l">
+    <a:lvl9pPr marR="0" lvl="8" algn="l" rtl="0">
       <a:lnSpc>
         <a:spcPct val="100000"/>
       </a:lnSpc>
@@ -689,7 +714,7 @@
         <a:srgbClr val="000000"/>
       </a:buClr>
       <a:buFont typeface="Arial"/>
-      <a:defRPr b="0" i="0" sz="1400" u="none" cap="none" strike="noStrike">
+      <a:defRPr sz="1400" b="0" i="0" u="none" strike="noStrike" cap="none">
         <a:solidFill>
           <a:srgbClr val="000000"/>
         </a:solidFill>
@@ -704,11 +729,11 @@
 </file>
 
 <file path=ppt/notesSlides/notesSlide1.xml><?xml version="1.0" encoding="utf-8"?>
-<p:notes xmlns:a="http://schemas.openxmlformats.org/drawingml/2006/main" xmlns:r="http://schemas.openxmlformats.org/officeDocument/2006/relationships" xmlns:mc="http://schemas.openxmlformats.org/markup-compatibility/2006" xmlns:mv="urn:schemas-microsoft-com:mac:vml" xmlns:p="http://schemas.openxmlformats.org/presentationml/2006/main" xmlns:c="http://schemas.openxmlformats.org/drawingml/2006/chart" xmlns:dgm="http://schemas.openxmlformats.org/drawingml/2006/diagram" xmlns:o="urn:schemas-microsoft-com:office:office" xmlns:v="urn:schemas-microsoft-com:vml" xmlns:pvml="urn:schemas-microsoft-com:office:powerpoint" xmlns:com="http://schemas.openxmlformats.org/drawingml/2006/compatibility" xmlns:p14="http://schemas.microsoft.com/office/powerpoint/2010/main" xmlns:p15="http://schemas.microsoft.com/office/powerpoint/2012/main" xmlns:ahyp="http://schemas.microsoft.com/office/drawing/2018/hyperlinkcolor" showMasterPhAnim="0" showMasterSp="0">
+<p:notes xmlns:a="http://schemas.openxmlformats.org/drawingml/2006/main" xmlns:r="http://schemas.openxmlformats.org/officeDocument/2006/relationships" xmlns:p="http://schemas.openxmlformats.org/presentationml/2006/main" showMasterSp="0" showMasterPhAnim="0">
   <p:cSld>
     <p:spTree>
       <p:nvGrpSpPr>
-        <p:cNvPr id="55" name="Shape 55"/>
+        <p:cNvPr id="1" name="Shape 55"/>
         <p:cNvGrpSpPr/>
         <p:nvPr/>
       </p:nvGrpSpPr>
@@ -723,9 +748,11 @@
       <p:sp>
         <p:nvSpPr>
           <p:cNvPr id="56" name="Google Shape;56;p:notes"/>
-          <p:cNvSpPr/>
+          <p:cNvSpPr>
+            <a:spLocks noGrp="1" noRot="1" noChangeAspect="1"/>
+          </p:cNvSpPr>
           <p:nvPr>
-            <p:ph idx="2" type="sldImg"/>
+            <p:ph type="sldImg" idx="2"/>
           </p:nvPr>
         </p:nvSpPr>
         <p:spPr>
@@ -734,9 +761,13 @@
             <a:ext cx="6096075" cy="3429000"/>
           </a:xfrm>
           <a:custGeom>
-            <a:rect b="b" l="l" r="r" t="t"/>
+            <a:avLst/>
+            <a:gdLst/>
+            <a:ahLst/>
+            <a:cxnLst/>
+            <a:rect l="l" t="t" r="r" b="b"/>
             <a:pathLst>
-              <a:path extrusionOk="0" h="120000" w="120000">
+              <a:path w="120000" h="120000" extrusionOk="0">
                 <a:moveTo>
                   <a:pt x="0" y="0"/>
                 </a:moveTo>
@@ -758,9 +789,11 @@
       <p:sp>
         <p:nvSpPr>
           <p:cNvPr id="57" name="Google Shape;57;p:notes"/>
-          <p:cNvSpPr txBox="1"/>
+          <p:cNvSpPr txBox="1">
+            <a:spLocks noGrp="1"/>
+          </p:cNvSpPr>
           <p:nvPr>
-            <p:ph idx="1" type="body"/>
+            <p:ph type="body" idx="1"/>
           </p:nvPr>
         </p:nvSpPr>
         <p:spPr>
@@ -773,12 +806,12 @@
           </a:prstGeom>
         </p:spPr>
         <p:txBody>
-          <a:bodyPr anchorCtr="0" anchor="t" bIns="91425" lIns="91425" spcFirstLastPara="1" rIns="91425" wrap="square" tIns="91425">
+          <a:bodyPr spcFirstLastPara="1" wrap="square" lIns="91425" tIns="91425" rIns="91425" bIns="91425" anchor="t" anchorCtr="0">
             <a:noAutofit/>
           </a:bodyPr>
           <a:lstStyle/>
           <a:p>
-            <a:pPr indent="0" lvl="0" marL="0" rtl="0" algn="l">
+            <a:pPr marL="0" lvl="0" indent="0" algn="l" rtl="0">
               <a:spcBef>
                 <a:spcPts val="0"/>
               </a:spcBef>
@@ -787,9 +820,6 @@
               </a:spcAft>
               <a:buNone/>
             </a:pPr>
-            <a:r>
-              <a:t/>
-            </a:r>
             <a:endParaRPr/>
           </a:p>
         </p:txBody>
@@ -803,11 +833,11 @@
 </file>
 
 <file path=ppt/notesSlides/notesSlide2.xml><?xml version="1.0" encoding="utf-8"?>
-<p:notes xmlns:a="http://schemas.openxmlformats.org/drawingml/2006/main" xmlns:r="http://schemas.openxmlformats.org/officeDocument/2006/relationships" xmlns:mc="http://schemas.openxmlformats.org/markup-compatibility/2006" xmlns:mv="urn:schemas-microsoft-com:mac:vml" xmlns:p="http://schemas.openxmlformats.org/presentationml/2006/main" xmlns:c="http://schemas.openxmlformats.org/drawingml/2006/chart" xmlns:dgm="http://schemas.openxmlformats.org/drawingml/2006/diagram" xmlns:o="urn:schemas-microsoft-com:office:office" xmlns:v="urn:schemas-microsoft-com:vml" xmlns:pvml="urn:schemas-microsoft-com:office:powerpoint" xmlns:com="http://schemas.openxmlformats.org/drawingml/2006/compatibility" xmlns:p14="http://schemas.microsoft.com/office/powerpoint/2010/main" xmlns:p15="http://schemas.microsoft.com/office/powerpoint/2012/main" xmlns:ahyp="http://schemas.microsoft.com/office/drawing/2018/hyperlinkcolor" showMasterPhAnim="0" showMasterSp="0">
+<p:notes xmlns:a="http://schemas.openxmlformats.org/drawingml/2006/main" xmlns:r="http://schemas.openxmlformats.org/officeDocument/2006/relationships" xmlns:p="http://schemas.openxmlformats.org/presentationml/2006/main" showMasterSp="0" showMasterPhAnim="0">
   <p:cSld>
     <p:spTree>
       <p:nvGrpSpPr>
-        <p:cNvPr id="61" name="Shape 61"/>
+        <p:cNvPr id="1" name="Shape 61"/>
         <p:cNvGrpSpPr/>
         <p:nvPr/>
       </p:nvGrpSpPr>
@@ -822,20 +852,26 @@
       <p:sp>
         <p:nvSpPr>
           <p:cNvPr id="62" name="Google Shape;62;g26bd12b136c_0_51:notes"/>
-          <p:cNvSpPr/>
+          <p:cNvSpPr>
+            <a:spLocks noGrp="1" noRot="1" noChangeAspect="1"/>
+          </p:cNvSpPr>
           <p:nvPr>
-            <p:ph idx="2" type="sldImg"/>
+            <p:ph type="sldImg" idx="2"/>
           </p:nvPr>
         </p:nvSpPr>
         <p:spPr>
           <a:xfrm>
-            <a:off x="381300" y="685800"/>
+            <a:off x="381000" y="685800"/>
             <a:ext cx="6096000" cy="3429000"/>
           </a:xfrm>
           <a:custGeom>
-            <a:rect b="b" l="l" r="r" t="t"/>
+            <a:avLst/>
+            <a:gdLst/>
+            <a:ahLst/>
+            <a:cxnLst/>
+            <a:rect l="l" t="t" r="r" b="b"/>
             <a:pathLst>
-              <a:path extrusionOk="0" h="120000" w="120000">
+              <a:path w="120000" h="120000" extrusionOk="0">
                 <a:moveTo>
                   <a:pt x="0" y="0"/>
                 </a:moveTo>
@@ -857,9 +893,11 @@
       <p:sp>
         <p:nvSpPr>
           <p:cNvPr id="63" name="Google Shape;63;g26bd12b136c_0_51:notes"/>
-          <p:cNvSpPr txBox="1"/>
+          <p:cNvSpPr txBox="1">
+            <a:spLocks noGrp="1"/>
+          </p:cNvSpPr>
           <p:nvPr>
-            <p:ph idx="1" type="body"/>
+            <p:ph type="body" idx="1"/>
           </p:nvPr>
         </p:nvSpPr>
         <p:spPr>
@@ -872,12 +910,12 @@
           </a:prstGeom>
         </p:spPr>
         <p:txBody>
-          <a:bodyPr anchorCtr="0" anchor="t" bIns="91425" lIns="91425" spcFirstLastPara="1" rIns="91425" wrap="square" tIns="91425">
+          <a:bodyPr spcFirstLastPara="1" wrap="square" lIns="91425" tIns="91425" rIns="91425" bIns="91425" anchor="t" anchorCtr="0">
             <a:noAutofit/>
           </a:bodyPr>
           <a:lstStyle/>
           <a:p>
-            <a:pPr indent="0" lvl="0" marL="0" rtl="0" algn="l">
+            <a:pPr marL="0" lvl="0" indent="0" algn="l" rtl="0">
               <a:spcBef>
                 <a:spcPts val="0"/>
               </a:spcBef>
@@ -886,9 +924,6 @@
               </a:spcAft>
               <a:buNone/>
             </a:pPr>
-            <a:r>
-              <a:t/>
-            </a:r>
             <a:endParaRPr/>
           </a:p>
         </p:txBody>
@@ -902,11 +937,11 @@
 </file>
 
 <file path=ppt/notesSlides/notesSlide3.xml><?xml version="1.0" encoding="utf-8"?>
-<p:notes xmlns:a="http://schemas.openxmlformats.org/drawingml/2006/main" xmlns:r="http://schemas.openxmlformats.org/officeDocument/2006/relationships" xmlns:mc="http://schemas.openxmlformats.org/markup-compatibility/2006" xmlns:mv="urn:schemas-microsoft-com:mac:vml" xmlns:p="http://schemas.openxmlformats.org/presentationml/2006/main" xmlns:c="http://schemas.openxmlformats.org/drawingml/2006/chart" xmlns:dgm="http://schemas.openxmlformats.org/drawingml/2006/diagram" xmlns:o="urn:schemas-microsoft-com:office:office" xmlns:v="urn:schemas-microsoft-com:vml" xmlns:pvml="urn:schemas-microsoft-com:office:powerpoint" xmlns:com="http://schemas.openxmlformats.org/drawingml/2006/compatibility" xmlns:p14="http://schemas.microsoft.com/office/powerpoint/2010/main" xmlns:p15="http://schemas.microsoft.com/office/powerpoint/2012/main" xmlns:ahyp="http://schemas.microsoft.com/office/drawing/2018/hyperlinkcolor" showMasterPhAnim="0" showMasterSp="0">
+<p:notes xmlns:a="http://schemas.openxmlformats.org/drawingml/2006/main" xmlns:r="http://schemas.openxmlformats.org/officeDocument/2006/relationships" xmlns:p="http://schemas.openxmlformats.org/presentationml/2006/main" showMasterSp="0" showMasterPhAnim="0">
   <p:cSld>
     <p:spTree>
       <p:nvGrpSpPr>
-        <p:cNvPr id="69" name="Shape 69"/>
+        <p:cNvPr id="1" name="Shape 69"/>
         <p:cNvGrpSpPr/>
         <p:nvPr/>
       </p:nvGrpSpPr>
@@ -921,20 +956,26 @@
       <p:sp>
         <p:nvSpPr>
           <p:cNvPr id="70" name="Google Shape;70;g26bd12b136c_0_69:notes"/>
-          <p:cNvSpPr/>
+          <p:cNvSpPr>
+            <a:spLocks noGrp="1" noRot="1" noChangeAspect="1"/>
+          </p:cNvSpPr>
           <p:nvPr>
-            <p:ph idx="2" type="sldImg"/>
+            <p:ph type="sldImg" idx="2"/>
           </p:nvPr>
         </p:nvSpPr>
         <p:spPr>
           <a:xfrm>
-            <a:off x="381300" y="685800"/>
+            <a:off x="381000" y="685800"/>
             <a:ext cx="6096000" cy="3429000"/>
           </a:xfrm>
           <a:custGeom>
-            <a:rect b="b" l="l" r="r" t="t"/>
+            <a:avLst/>
+            <a:gdLst/>
+            <a:ahLst/>
+            <a:cxnLst/>
+            <a:rect l="l" t="t" r="r" b="b"/>
             <a:pathLst>
-              <a:path extrusionOk="0" h="120000" w="120000">
+              <a:path w="120000" h="120000" extrusionOk="0">
                 <a:moveTo>
                   <a:pt x="0" y="0"/>
                 </a:moveTo>
@@ -956,9 +997,11 @@
       <p:sp>
         <p:nvSpPr>
           <p:cNvPr id="71" name="Google Shape;71;g26bd12b136c_0_69:notes"/>
-          <p:cNvSpPr txBox="1"/>
+          <p:cNvSpPr txBox="1">
+            <a:spLocks noGrp="1"/>
+          </p:cNvSpPr>
           <p:nvPr>
-            <p:ph idx="1" type="body"/>
+            <p:ph type="body" idx="1"/>
           </p:nvPr>
         </p:nvSpPr>
         <p:spPr>
@@ -971,12 +1014,12 @@
           </a:prstGeom>
         </p:spPr>
         <p:txBody>
-          <a:bodyPr anchorCtr="0" anchor="t" bIns="91425" lIns="91425" spcFirstLastPara="1" rIns="91425" wrap="square" tIns="91425">
+          <a:bodyPr spcFirstLastPara="1" wrap="square" lIns="91425" tIns="91425" rIns="91425" bIns="91425" anchor="t" anchorCtr="0">
             <a:noAutofit/>
           </a:bodyPr>
           <a:lstStyle/>
           <a:p>
-            <a:pPr indent="0" lvl="0" marL="0" rtl="0" algn="l">
+            <a:pPr marL="0" lvl="0" indent="0" algn="l" rtl="0">
               <a:spcBef>
                 <a:spcPts val="0"/>
               </a:spcBef>
@@ -985,9 +1028,6 @@
               </a:spcAft>
               <a:buNone/>
             </a:pPr>
-            <a:r>
-              <a:t/>
-            </a:r>
             <a:endParaRPr/>
           </a:p>
         </p:txBody>
@@ -1001,11 +1041,11 @@
 </file>
 
 <file path=ppt/notesSlides/notesSlide4.xml><?xml version="1.0" encoding="utf-8"?>
-<p:notes xmlns:a="http://schemas.openxmlformats.org/drawingml/2006/main" xmlns:r="http://schemas.openxmlformats.org/officeDocument/2006/relationships" xmlns:mc="http://schemas.openxmlformats.org/markup-compatibility/2006" xmlns:mv="urn:schemas-microsoft-com:mac:vml" xmlns:p="http://schemas.openxmlformats.org/presentationml/2006/main" xmlns:c="http://schemas.openxmlformats.org/drawingml/2006/chart" xmlns:dgm="http://schemas.openxmlformats.org/drawingml/2006/diagram" xmlns:o="urn:schemas-microsoft-com:office:office" xmlns:v="urn:schemas-microsoft-com:vml" xmlns:pvml="urn:schemas-microsoft-com:office:powerpoint" xmlns:com="http://schemas.openxmlformats.org/drawingml/2006/compatibility" xmlns:p14="http://schemas.microsoft.com/office/powerpoint/2010/main" xmlns:p15="http://schemas.microsoft.com/office/powerpoint/2012/main" xmlns:ahyp="http://schemas.microsoft.com/office/drawing/2018/hyperlinkcolor" showMasterPhAnim="0" showMasterSp="0">
+<p:notes xmlns:a="http://schemas.openxmlformats.org/drawingml/2006/main" xmlns:r="http://schemas.openxmlformats.org/officeDocument/2006/relationships" xmlns:p="http://schemas.openxmlformats.org/presentationml/2006/main" showMasterSp="0" showMasterPhAnim="0">
   <p:cSld>
     <p:spTree>
       <p:nvGrpSpPr>
-        <p:cNvPr id="75" name="Shape 75"/>
+        <p:cNvPr id="1" name="Shape 75"/>
         <p:cNvGrpSpPr/>
         <p:nvPr/>
       </p:nvGrpSpPr>
@@ -1020,20 +1060,26 @@
       <p:sp>
         <p:nvSpPr>
           <p:cNvPr id="76" name="Google Shape;76;g2c39a1d66c3_0_0:notes"/>
-          <p:cNvSpPr/>
+          <p:cNvSpPr>
+            <a:spLocks noGrp="1" noRot="1" noChangeAspect="1"/>
+          </p:cNvSpPr>
           <p:nvPr>
-            <p:ph idx="2" type="sldImg"/>
+            <p:ph type="sldImg" idx="2"/>
           </p:nvPr>
         </p:nvSpPr>
         <p:spPr>
           <a:xfrm>
-            <a:off x="381300" y="685800"/>
+            <a:off x="381000" y="685800"/>
             <a:ext cx="6096000" cy="3429000"/>
           </a:xfrm>
           <a:custGeom>
-            <a:rect b="b" l="l" r="r" t="t"/>
+            <a:avLst/>
+            <a:gdLst/>
+            <a:ahLst/>
+            <a:cxnLst/>
+            <a:rect l="l" t="t" r="r" b="b"/>
             <a:pathLst>
-              <a:path extrusionOk="0" h="120000" w="120000">
+              <a:path w="120000" h="120000" extrusionOk="0">
                 <a:moveTo>
                   <a:pt x="0" y="0"/>
                 </a:moveTo>
@@ -1055,9 +1101,11 @@
       <p:sp>
         <p:nvSpPr>
           <p:cNvPr id="77" name="Google Shape;77;g2c39a1d66c3_0_0:notes"/>
-          <p:cNvSpPr txBox="1"/>
+          <p:cNvSpPr txBox="1">
+            <a:spLocks noGrp="1"/>
+          </p:cNvSpPr>
           <p:nvPr>
-            <p:ph idx="1" type="body"/>
+            <p:ph type="body" idx="1"/>
           </p:nvPr>
         </p:nvSpPr>
         <p:spPr>
@@ -1070,12 +1118,12 @@
           </a:prstGeom>
         </p:spPr>
         <p:txBody>
-          <a:bodyPr anchorCtr="0" anchor="t" bIns="91425" lIns="91425" spcFirstLastPara="1" rIns="91425" wrap="square" tIns="91425">
+          <a:bodyPr spcFirstLastPara="1" wrap="square" lIns="91425" tIns="91425" rIns="91425" bIns="91425" anchor="t" anchorCtr="0">
             <a:noAutofit/>
           </a:bodyPr>
           <a:lstStyle/>
           <a:p>
-            <a:pPr indent="0" lvl="0" marL="0" rtl="0" algn="l">
+            <a:pPr marL="0" lvl="0" indent="0" algn="l" rtl="0">
               <a:spcBef>
                 <a:spcPts val="0"/>
               </a:spcBef>
@@ -1084,9 +1132,6 @@
               </a:spcAft>
               <a:buNone/>
             </a:pPr>
-            <a:r>
-              <a:t/>
-            </a:r>
             <a:endParaRPr/>
           </a:p>
         </p:txBody>
@@ -1100,11 +1145,11 @@
 </file>
 
 <file path=ppt/notesSlides/notesSlide5.xml><?xml version="1.0" encoding="utf-8"?>
-<p:notes xmlns:a="http://schemas.openxmlformats.org/drawingml/2006/main" xmlns:r="http://schemas.openxmlformats.org/officeDocument/2006/relationships" xmlns:mc="http://schemas.openxmlformats.org/markup-compatibility/2006" xmlns:mv="urn:schemas-microsoft-com:mac:vml" xmlns:p="http://schemas.openxmlformats.org/presentationml/2006/main" xmlns:c="http://schemas.openxmlformats.org/drawingml/2006/chart" xmlns:dgm="http://schemas.openxmlformats.org/drawingml/2006/diagram" xmlns:o="urn:schemas-microsoft-com:office:office" xmlns:v="urn:schemas-microsoft-com:vml" xmlns:pvml="urn:schemas-microsoft-com:office:powerpoint" xmlns:com="http://schemas.openxmlformats.org/drawingml/2006/compatibility" xmlns:p14="http://schemas.microsoft.com/office/powerpoint/2010/main" xmlns:p15="http://schemas.microsoft.com/office/powerpoint/2012/main" xmlns:ahyp="http://schemas.microsoft.com/office/drawing/2018/hyperlinkcolor" showMasterPhAnim="0" showMasterSp="0">
+<p:notes xmlns:a="http://schemas.openxmlformats.org/drawingml/2006/main" xmlns:r="http://schemas.openxmlformats.org/officeDocument/2006/relationships" xmlns:p="http://schemas.openxmlformats.org/presentationml/2006/main" showMasterSp="0" showMasterPhAnim="0">
   <p:cSld>
     <p:spTree>
       <p:nvGrpSpPr>
-        <p:cNvPr id="82" name="Shape 82"/>
+        <p:cNvPr id="1" name="Shape 82"/>
         <p:cNvGrpSpPr/>
         <p:nvPr/>
       </p:nvGrpSpPr>
@@ -1119,20 +1164,26 @@
       <p:sp>
         <p:nvSpPr>
           <p:cNvPr id="83" name="Google Shape;83;g2c39a1d66c3_0_7:notes"/>
-          <p:cNvSpPr/>
+          <p:cNvSpPr>
+            <a:spLocks noGrp="1" noRot="1" noChangeAspect="1"/>
+          </p:cNvSpPr>
           <p:nvPr>
-            <p:ph idx="2" type="sldImg"/>
+            <p:ph type="sldImg" idx="2"/>
           </p:nvPr>
         </p:nvSpPr>
         <p:spPr>
           <a:xfrm>
-            <a:off x="381300" y="685800"/>
+            <a:off x="381000" y="685800"/>
             <a:ext cx="6096000" cy="3429000"/>
           </a:xfrm>
           <a:custGeom>
-            <a:rect b="b" l="l" r="r" t="t"/>
+            <a:avLst/>
+            <a:gdLst/>
+            <a:ahLst/>
+            <a:cxnLst/>
+            <a:rect l="l" t="t" r="r" b="b"/>
             <a:pathLst>
-              <a:path extrusionOk="0" h="120000" w="120000">
+              <a:path w="120000" h="120000" extrusionOk="0">
                 <a:moveTo>
                   <a:pt x="0" y="0"/>
                 </a:moveTo>
@@ -1154,9 +1205,11 @@
       <p:sp>
         <p:nvSpPr>
           <p:cNvPr id="84" name="Google Shape;84;g2c39a1d66c3_0_7:notes"/>
-          <p:cNvSpPr txBox="1"/>
+          <p:cNvSpPr txBox="1">
+            <a:spLocks noGrp="1"/>
+          </p:cNvSpPr>
           <p:nvPr>
-            <p:ph idx="1" type="body"/>
+            <p:ph type="body" idx="1"/>
           </p:nvPr>
         </p:nvSpPr>
         <p:spPr>
@@ -1169,12 +1222,12 @@
           </a:prstGeom>
         </p:spPr>
         <p:txBody>
-          <a:bodyPr anchorCtr="0" anchor="t" bIns="91425" lIns="91425" spcFirstLastPara="1" rIns="91425" wrap="square" tIns="91425">
+          <a:bodyPr spcFirstLastPara="1" wrap="square" lIns="91425" tIns="91425" rIns="91425" bIns="91425" anchor="t" anchorCtr="0">
             <a:noAutofit/>
           </a:bodyPr>
           <a:lstStyle/>
           <a:p>
-            <a:pPr indent="0" lvl="0" marL="0" rtl="0" algn="l">
+            <a:pPr marL="0" lvl="0" indent="0" algn="l" rtl="0">
               <a:spcBef>
                 <a:spcPts val="0"/>
               </a:spcBef>
@@ -1183,9 +1236,6 @@
               </a:spcAft>
               <a:buNone/>
             </a:pPr>
-            <a:r>
-              <a:t/>
-            </a:r>
             <a:endParaRPr/>
           </a:p>
         </p:txBody>
@@ -1199,11 +1249,11 @@
 </file>
 
 <file path=ppt/notesSlides/notesSlide6.xml><?xml version="1.0" encoding="utf-8"?>
-<p:notes xmlns:a="http://schemas.openxmlformats.org/drawingml/2006/main" xmlns:r="http://schemas.openxmlformats.org/officeDocument/2006/relationships" xmlns:mc="http://schemas.openxmlformats.org/markup-compatibility/2006" xmlns:mv="urn:schemas-microsoft-com:mac:vml" xmlns:p="http://schemas.openxmlformats.org/presentationml/2006/main" xmlns:c="http://schemas.openxmlformats.org/drawingml/2006/chart" xmlns:dgm="http://schemas.openxmlformats.org/drawingml/2006/diagram" xmlns:o="urn:schemas-microsoft-com:office:office" xmlns:v="urn:schemas-microsoft-com:vml" xmlns:pvml="urn:schemas-microsoft-com:office:powerpoint" xmlns:com="http://schemas.openxmlformats.org/drawingml/2006/compatibility" xmlns:p14="http://schemas.microsoft.com/office/powerpoint/2010/main" xmlns:p15="http://schemas.microsoft.com/office/powerpoint/2012/main" xmlns:ahyp="http://schemas.microsoft.com/office/drawing/2018/hyperlinkcolor" showMasterPhAnim="0" showMasterSp="0">
+<p:notes xmlns:a="http://schemas.openxmlformats.org/drawingml/2006/main" xmlns:r="http://schemas.openxmlformats.org/officeDocument/2006/relationships" xmlns:p="http://schemas.openxmlformats.org/presentationml/2006/main" showMasterSp="0" showMasterPhAnim="0">
   <p:cSld>
     <p:spTree>
       <p:nvGrpSpPr>
-        <p:cNvPr id="88" name="Shape 88"/>
+        <p:cNvPr id="1" name="Shape 88"/>
         <p:cNvGrpSpPr/>
         <p:nvPr/>
       </p:nvGrpSpPr>
@@ -1218,20 +1268,26 @@
       <p:sp>
         <p:nvSpPr>
           <p:cNvPr id="89" name="Google Shape;89;g2c39a1d66c3_0_13:notes"/>
-          <p:cNvSpPr/>
+          <p:cNvSpPr>
+            <a:spLocks noGrp="1" noRot="1" noChangeAspect="1"/>
+          </p:cNvSpPr>
           <p:nvPr>
-            <p:ph idx="2" type="sldImg"/>
+            <p:ph type="sldImg" idx="2"/>
           </p:nvPr>
         </p:nvSpPr>
         <p:spPr>
           <a:xfrm>
-            <a:off x="381300" y="685800"/>
+            <a:off x="381000" y="685800"/>
             <a:ext cx="6096000" cy="3429000"/>
           </a:xfrm>
           <a:custGeom>
-            <a:rect b="b" l="l" r="r" t="t"/>
+            <a:avLst/>
+            <a:gdLst/>
+            <a:ahLst/>
+            <a:cxnLst/>
+            <a:rect l="l" t="t" r="r" b="b"/>
             <a:pathLst>
-              <a:path extrusionOk="0" h="120000" w="120000">
+              <a:path w="120000" h="120000" extrusionOk="0">
                 <a:moveTo>
                   <a:pt x="0" y="0"/>
                 </a:moveTo>
@@ -1253,9 +1309,11 @@
       <p:sp>
         <p:nvSpPr>
           <p:cNvPr id="90" name="Google Shape;90;g2c39a1d66c3_0_13:notes"/>
-          <p:cNvSpPr txBox="1"/>
+          <p:cNvSpPr txBox="1">
+            <a:spLocks noGrp="1"/>
+          </p:cNvSpPr>
           <p:nvPr>
-            <p:ph idx="1" type="body"/>
+            <p:ph type="body" idx="1"/>
           </p:nvPr>
         </p:nvSpPr>
         <p:spPr>
@@ -1268,12 +1326,12 @@
           </a:prstGeom>
         </p:spPr>
         <p:txBody>
-          <a:bodyPr anchorCtr="0" anchor="t" bIns="91425" lIns="91425" spcFirstLastPara="1" rIns="91425" wrap="square" tIns="91425">
+          <a:bodyPr spcFirstLastPara="1" wrap="square" lIns="91425" tIns="91425" rIns="91425" bIns="91425" anchor="t" anchorCtr="0">
             <a:noAutofit/>
           </a:bodyPr>
           <a:lstStyle/>
           <a:p>
-            <a:pPr indent="0" lvl="0" marL="0" rtl="0" algn="l">
+            <a:pPr marL="0" lvl="0" indent="0" algn="l" rtl="0">
               <a:spcBef>
                 <a:spcPts val="0"/>
               </a:spcBef>
@@ -1282,9 +1340,6 @@
               </a:spcAft>
               <a:buNone/>
             </a:pPr>
-            <a:r>
-              <a:t/>
-            </a:r>
             <a:endParaRPr/>
           </a:p>
         </p:txBody>
@@ -1298,11 +1353,11 @@
 </file>
 
 <file path=ppt/notesSlides/notesSlide7.xml><?xml version="1.0" encoding="utf-8"?>
-<p:notes xmlns:a="http://schemas.openxmlformats.org/drawingml/2006/main" xmlns:r="http://schemas.openxmlformats.org/officeDocument/2006/relationships" xmlns:mc="http://schemas.openxmlformats.org/markup-compatibility/2006" xmlns:mv="urn:schemas-microsoft-com:mac:vml" xmlns:p="http://schemas.openxmlformats.org/presentationml/2006/main" xmlns:c="http://schemas.openxmlformats.org/drawingml/2006/chart" xmlns:dgm="http://schemas.openxmlformats.org/drawingml/2006/diagram" xmlns:o="urn:schemas-microsoft-com:office:office" xmlns:v="urn:schemas-microsoft-com:vml" xmlns:pvml="urn:schemas-microsoft-com:office:powerpoint" xmlns:com="http://schemas.openxmlformats.org/drawingml/2006/compatibility" xmlns:p14="http://schemas.microsoft.com/office/powerpoint/2010/main" xmlns:p15="http://schemas.microsoft.com/office/powerpoint/2012/main" xmlns:ahyp="http://schemas.microsoft.com/office/drawing/2018/hyperlinkcolor" showMasterPhAnim="0" showMasterSp="0">
+<p:notes xmlns:a="http://schemas.openxmlformats.org/drawingml/2006/main" xmlns:r="http://schemas.openxmlformats.org/officeDocument/2006/relationships" xmlns:p="http://schemas.openxmlformats.org/presentationml/2006/main" showMasterSp="0" showMasterPhAnim="0">
   <p:cSld>
     <p:spTree>
       <p:nvGrpSpPr>
-        <p:cNvPr id="94" name="Shape 94"/>
+        <p:cNvPr id="1" name="Shape 94"/>
         <p:cNvGrpSpPr/>
         <p:nvPr/>
       </p:nvGrpSpPr>
@@ -1317,9 +1372,11 @@
       <p:sp>
         <p:nvSpPr>
           <p:cNvPr id="95" name="Google Shape;95;g2c39a1d66c3_0_18:notes"/>
-          <p:cNvSpPr/>
+          <p:cNvSpPr>
+            <a:spLocks noGrp="1" noRot="1" noChangeAspect="1"/>
+          </p:cNvSpPr>
           <p:nvPr>
-            <p:ph idx="2" type="sldImg"/>
+            <p:ph type="sldImg" idx="2"/>
           </p:nvPr>
         </p:nvSpPr>
         <p:spPr>
@@ -1328,9 +1385,13 @@
             <a:ext cx="6096000" cy="3429000"/>
           </a:xfrm>
           <a:custGeom>
-            <a:rect b="b" l="l" r="r" t="t"/>
+            <a:avLst/>
+            <a:gdLst/>
+            <a:ahLst/>
+            <a:cxnLst/>
+            <a:rect l="l" t="t" r="r" b="b"/>
             <a:pathLst>
-              <a:path extrusionOk="0" h="120000" w="120000">
+              <a:path w="120000" h="120000" extrusionOk="0">
                 <a:moveTo>
                   <a:pt x="0" y="0"/>
                 </a:moveTo>
@@ -1352,9 +1413,11 @@
       <p:sp>
         <p:nvSpPr>
           <p:cNvPr id="96" name="Google Shape;96;g2c39a1d66c3_0_18:notes"/>
-          <p:cNvSpPr txBox="1"/>
+          <p:cNvSpPr txBox="1">
+            <a:spLocks noGrp="1"/>
+          </p:cNvSpPr>
           <p:nvPr>
-            <p:ph idx="1" type="body"/>
+            <p:ph type="body" idx="1"/>
           </p:nvPr>
         </p:nvSpPr>
         <p:spPr>
@@ -1367,12 +1430,12 @@
           </a:prstGeom>
         </p:spPr>
         <p:txBody>
-          <a:bodyPr anchorCtr="0" anchor="t" bIns="91425" lIns="91425" spcFirstLastPara="1" rIns="91425" wrap="square" tIns="91425">
+          <a:bodyPr spcFirstLastPara="1" wrap="square" lIns="91425" tIns="91425" rIns="91425" bIns="91425" anchor="t" anchorCtr="0">
             <a:noAutofit/>
           </a:bodyPr>
           <a:lstStyle/>
           <a:p>
-            <a:pPr indent="0" lvl="0" marL="0" rtl="0" algn="l">
+            <a:pPr marL="0" lvl="0" indent="0" algn="l" rtl="0">
               <a:spcBef>
                 <a:spcPts val="0"/>
               </a:spcBef>
@@ -1381,9 +1444,6 @@
               </a:spcAft>
               <a:buNone/>
             </a:pPr>
-            <a:r>
-              <a:t/>
-            </a:r>
             <a:endParaRPr/>
           </a:p>
         </p:txBody>
@@ -1397,11 +1457,11 @@
 </file>
 
 <file path=ppt/slideLayouts/slideLayout1.xml><?xml version="1.0" encoding="utf-8"?>
-<p:sldLayout xmlns:a="http://schemas.openxmlformats.org/drawingml/2006/main" xmlns:r="http://schemas.openxmlformats.org/officeDocument/2006/relationships" xmlns:mc="http://schemas.openxmlformats.org/markup-compatibility/2006" xmlns:mv="urn:schemas-microsoft-com:mac:vml" xmlns:p="http://schemas.openxmlformats.org/presentationml/2006/main" xmlns:c="http://schemas.openxmlformats.org/drawingml/2006/chart" xmlns:dgm="http://schemas.openxmlformats.org/drawingml/2006/diagram" xmlns:o="urn:schemas-microsoft-com:office:office" xmlns:v="urn:schemas-microsoft-com:vml" xmlns:pvml="urn:schemas-microsoft-com:office:powerpoint" xmlns:com="http://schemas.openxmlformats.org/drawingml/2006/compatibility" xmlns:p14="http://schemas.microsoft.com/office/powerpoint/2010/main" xmlns:p15="http://schemas.microsoft.com/office/powerpoint/2012/main" xmlns:ahyp="http://schemas.microsoft.com/office/drawing/2018/hyperlinkcolor" matchingName="Title slide" type="title">
+<p:sldLayout xmlns:a="http://schemas.openxmlformats.org/drawingml/2006/main" xmlns:r="http://schemas.openxmlformats.org/officeDocument/2006/relationships" xmlns:p="http://schemas.openxmlformats.org/presentationml/2006/main" matchingName="Title slide" type="title">
   <p:cSld name="TITLE">
     <p:spTree>
       <p:nvGrpSpPr>
-        <p:cNvPr id="9" name="Shape 9"/>
+        <p:cNvPr id="1" name="Shape 9"/>
         <p:cNvGrpSpPr/>
         <p:nvPr/>
       </p:nvGrpSpPr>
@@ -1449,12 +1509,12 @@
             </a:ln>
           </p:spPr>
           <p:txBody>
-            <a:bodyPr anchorCtr="0" anchor="ctr" bIns="91425" lIns="91425" spcFirstLastPara="1" rIns="91425" wrap="square" tIns="91425">
+            <a:bodyPr spcFirstLastPara="1" wrap="square" lIns="91425" tIns="91425" rIns="91425" bIns="91425" anchor="ctr" anchorCtr="0">
               <a:noAutofit/>
             </a:bodyPr>
             <a:lstStyle/>
             <a:p>
-              <a:pPr indent="0" lvl="0" marL="0" rtl="0" algn="l">
+              <a:pPr marL="0" lvl="0" indent="0" algn="l" rtl="0">
                 <a:spcBef>
                   <a:spcPts val="0"/>
                 </a:spcBef>
@@ -1463,9 +1523,6 @@
                 </a:spcAft>
                 <a:buNone/>
               </a:pPr>
-              <a:r>
-                <a:t/>
-              </a:r>
               <a:endParaRPr/>
             </a:p>
           </p:txBody>
@@ -1492,12 +1549,12 @@
             </a:ln>
           </p:spPr>
           <p:txBody>
-            <a:bodyPr anchorCtr="0" anchor="ctr" bIns="91425" lIns="91425" spcFirstLastPara="1" rIns="91425" wrap="square" tIns="91425">
+            <a:bodyPr spcFirstLastPara="1" wrap="square" lIns="91425" tIns="91425" rIns="91425" bIns="91425" anchor="ctr" anchorCtr="0">
               <a:noAutofit/>
             </a:bodyPr>
             <a:lstStyle/>
             <a:p>
-              <a:pPr indent="0" lvl="0" marL="0" rtl="0" algn="l">
+              <a:pPr marL="0" lvl="0" indent="0" algn="l" rtl="0">
                 <a:spcBef>
                   <a:spcPts val="0"/>
                 </a:spcBef>
@@ -1506,9 +1563,6 @@
                 </a:spcAft>
                 <a:buNone/>
               </a:pPr>
-              <a:r>
-                <a:t/>
-              </a:r>
               <a:endParaRPr/>
             </a:p>
           </p:txBody>
@@ -1535,12 +1589,12 @@
             </a:ln>
           </p:spPr>
           <p:txBody>
-            <a:bodyPr anchorCtr="0" anchor="ctr" bIns="91425" lIns="91425" spcFirstLastPara="1" rIns="91425" wrap="square" tIns="91425">
+            <a:bodyPr spcFirstLastPara="1" wrap="square" lIns="91425" tIns="91425" rIns="91425" bIns="91425" anchor="ctr" anchorCtr="0">
               <a:noAutofit/>
             </a:bodyPr>
             <a:lstStyle/>
             <a:p>
-              <a:pPr indent="0" lvl="0" marL="0" rtl="0" algn="l">
+              <a:pPr marL="0" lvl="0" indent="0" algn="l" rtl="0">
                 <a:spcBef>
                   <a:spcPts val="0"/>
                 </a:spcBef>
@@ -1549,9 +1603,6 @@
                 </a:spcAft>
                 <a:buNone/>
               </a:pPr>
-              <a:r>
-                <a:t/>
-              </a:r>
               <a:endParaRPr/>
             </a:p>
           </p:txBody>
@@ -1560,7 +1611,9 @@
       <p:sp>
         <p:nvSpPr>
           <p:cNvPr id="14" name="Google Shape;14;p2"/>
-          <p:cNvSpPr txBox="1"/>
+          <p:cNvSpPr txBox="1">
+            <a:spLocks noGrp="1"/>
+          </p:cNvSpPr>
           <p:nvPr>
             <p:ph type="ctrTitle"/>
           </p:nvPr>
@@ -1575,7 +1628,7 @@
           </a:prstGeom>
         </p:spPr>
         <p:txBody>
-          <a:bodyPr anchorCtr="0" anchor="b" bIns="91425" lIns="91425" spcFirstLastPara="1" rIns="91425" wrap="square" tIns="91425">
+          <a:bodyPr spcFirstLastPara="1" wrap="square" lIns="91425" tIns="91425" rIns="91425" bIns="91425" anchor="b" anchorCtr="0">
             <a:normAutofit/>
           </a:bodyPr>
           <a:lstStyle>
@@ -1679,15 +1732,19 @@
               <a:defRPr sz="4800"/>
             </a:lvl9pPr>
           </a:lstStyle>
-          <a:p/>
+          <a:p>
+            <a:endParaRPr/>
+          </a:p>
         </p:txBody>
       </p:sp>
       <p:sp>
         <p:nvSpPr>
           <p:cNvPr id="15" name="Google Shape;15;p2"/>
-          <p:cNvSpPr txBox="1"/>
+          <p:cNvSpPr txBox="1">
+            <a:spLocks noGrp="1"/>
+          </p:cNvSpPr>
           <p:nvPr>
-            <p:ph idx="1" type="subTitle"/>
+            <p:ph type="subTitle" idx="1"/>
           </p:nvPr>
         </p:nvSpPr>
         <p:spPr>
@@ -1700,7 +1757,7 @@
           </a:prstGeom>
         </p:spPr>
         <p:txBody>
-          <a:bodyPr anchorCtr="0" anchor="t" bIns="91425" lIns="91425" spcFirstLastPara="1" rIns="91425" wrap="square" tIns="91425">
+          <a:bodyPr spcFirstLastPara="1" wrap="square" lIns="91425" tIns="91425" rIns="91425" bIns="91425" anchor="t" anchorCtr="0">
             <a:normAutofit/>
           </a:bodyPr>
           <a:lstStyle>
@@ -1831,15 +1888,19 @@
               <a:defRPr sz="2100"/>
             </a:lvl9pPr>
           </a:lstStyle>
-          <a:p/>
+          <a:p>
+            <a:endParaRPr/>
+          </a:p>
         </p:txBody>
       </p:sp>
       <p:sp>
         <p:nvSpPr>
           <p:cNvPr id="16" name="Google Shape;16;p2"/>
-          <p:cNvSpPr txBox="1"/>
+          <p:cNvSpPr txBox="1">
+            <a:spLocks noGrp="1"/>
+          </p:cNvSpPr>
           <p:nvPr>
-            <p:ph idx="12" type="sldNum"/>
+            <p:ph type="sldNum" idx="12"/>
           </p:nvPr>
         </p:nvSpPr>
         <p:spPr>
@@ -1852,7 +1913,7 @@
           </a:prstGeom>
         </p:spPr>
         <p:txBody>
-          <a:bodyPr anchorCtr="0" anchor="ctr" bIns="91425" lIns="91425" spcFirstLastPara="1" rIns="91425" wrap="square" tIns="91425">
+          <a:bodyPr spcFirstLastPara="1" wrap="square" lIns="91425" tIns="91425" rIns="91425" bIns="91425" anchor="ctr" anchorCtr="0">
             <a:normAutofit/>
           </a:bodyPr>
           <a:lstStyle>
@@ -1894,7 +1955,7 @@
             </a:lvl9pPr>
           </a:lstStyle>
           <a:p>
-            <a:pPr indent="0" lvl="0" marL="0" rtl="0" algn="r">
+            <a:pPr marL="0" lvl="0" indent="0" algn="r" rtl="0">
               <a:spcBef>
                 <a:spcPts val="0"/>
               </a:spcBef>
@@ -1920,11 +1981,11 @@
 </file>
 
 <file path=ppt/slideLayouts/slideLayout10.xml><?xml version="1.0" encoding="utf-8"?>
-<p:sldLayout xmlns:a="http://schemas.openxmlformats.org/drawingml/2006/main" xmlns:r="http://schemas.openxmlformats.org/officeDocument/2006/relationships" xmlns:mc="http://schemas.openxmlformats.org/markup-compatibility/2006" xmlns:mv="urn:schemas-microsoft-com:mac:vml" xmlns:p="http://schemas.openxmlformats.org/presentationml/2006/main" xmlns:c="http://schemas.openxmlformats.org/drawingml/2006/chart" xmlns:dgm="http://schemas.openxmlformats.org/drawingml/2006/diagram" xmlns:o="urn:schemas-microsoft-com:office:office" xmlns:v="urn:schemas-microsoft-com:vml" xmlns:pvml="urn:schemas-microsoft-com:office:powerpoint" xmlns:com="http://schemas.openxmlformats.org/drawingml/2006/compatibility" xmlns:p14="http://schemas.microsoft.com/office/powerpoint/2010/main" xmlns:p15="http://schemas.microsoft.com/office/powerpoint/2012/main" xmlns:ahyp="http://schemas.microsoft.com/office/drawing/2018/hyperlinkcolor" matchingName="Big number">
+<p:sldLayout xmlns:a="http://schemas.openxmlformats.org/drawingml/2006/main" xmlns:r="http://schemas.openxmlformats.org/officeDocument/2006/relationships" xmlns:p="http://schemas.openxmlformats.org/presentationml/2006/main" matchingName="Big number">
   <p:cSld name="BIG_NUMBER">
     <p:spTree>
       <p:nvGrpSpPr>
-        <p:cNvPr id="49" name="Shape 49"/>
+        <p:cNvPr id="1" name="Shape 49"/>
         <p:cNvGrpSpPr/>
         <p:nvPr/>
       </p:nvGrpSpPr>
@@ -1939,9 +2000,11 @@
       <p:sp>
         <p:nvSpPr>
           <p:cNvPr id="50" name="Google Shape;50;p11"/>
-          <p:cNvSpPr txBox="1"/>
+          <p:cNvSpPr txBox="1">
+            <a:spLocks noGrp="1"/>
+          </p:cNvSpPr>
           <p:nvPr>
-            <p:ph hasCustomPrompt="1" type="title"/>
+            <p:ph type="title" hasCustomPrompt="1"/>
           </p:nvPr>
         </p:nvSpPr>
         <p:spPr>
@@ -1954,7 +2017,7 @@
           </a:prstGeom>
         </p:spPr>
         <p:txBody>
-          <a:bodyPr anchorCtr="0" anchor="b" bIns="91425" lIns="91425" spcFirstLastPara="1" rIns="91425" wrap="square" tIns="91425">
+          <a:bodyPr spcFirstLastPara="1" wrap="square" lIns="91425" tIns="91425" rIns="91425" bIns="91425" anchor="b" anchorCtr="0">
             <a:normAutofit/>
           </a:bodyPr>
           <a:lstStyle>
@@ -2068,9 +2131,11 @@
       <p:sp>
         <p:nvSpPr>
           <p:cNvPr id="51" name="Google Shape;51;p11"/>
-          <p:cNvSpPr txBox="1"/>
+          <p:cNvSpPr txBox="1">
+            <a:spLocks noGrp="1"/>
+          </p:cNvSpPr>
           <p:nvPr>
-            <p:ph idx="1" type="body"/>
+            <p:ph type="body" idx="1"/>
           </p:nvPr>
         </p:nvSpPr>
         <p:spPr>
@@ -2083,11 +2148,11 @@
           </a:prstGeom>
         </p:spPr>
         <p:txBody>
-          <a:bodyPr anchorCtr="0" anchor="t" bIns="91425" lIns="91425" spcFirstLastPara="1" rIns="91425" wrap="square" tIns="91425">
+          <a:bodyPr spcFirstLastPara="1" wrap="square" lIns="91425" tIns="91425" rIns="91425" bIns="91425" anchor="t" anchorCtr="0">
             <a:normAutofit/>
           </a:bodyPr>
           <a:lstStyle>
-            <a:lvl1pPr indent="-342900" lvl="0" marL="457200" algn="ctr">
+            <a:lvl1pPr marL="457200" lvl="0" indent="-342900" algn="ctr">
               <a:spcBef>
                 <a:spcPts val="0"/>
               </a:spcBef>
@@ -2098,7 +2163,7 @@
               <a:buChar char="●"/>
               <a:defRPr/>
             </a:lvl1pPr>
-            <a:lvl2pPr indent="-317500" lvl="1" marL="914400" algn="ctr">
+            <a:lvl2pPr marL="914400" lvl="1" indent="-317500" algn="ctr">
               <a:spcBef>
                 <a:spcPts val="0"/>
               </a:spcBef>
@@ -2109,7 +2174,7 @@
               <a:buChar char="○"/>
               <a:defRPr/>
             </a:lvl2pPr>
-            <a:lvl3pPr indent="-317500" lvl="2" marL="1371600" algn="ctr">
+            <a:lvl3pPr marL="1371600" lvl="2" indent="-317500" algn="ctr">
               <a:spcBef>
                 <a:spcPts val="0"/>
               </a:spcBef>
@@ -2120,7 +2185,7 @@
               <a:buChar char="■"/>
               <a:defRPr/>
             </a:lvl3pPr>
-            <a:lvl4pPr indent="-317500" lvl="3" marL="1828800" algn="ctr">
+            <a:lvl4pPr marL="1828800" lvl="3" indent="-317500" algn="ctr">
               <a:spcBef>
                 <a:spcPts val="0"/>
               </a:spcBef>
@@ -2131,7 +2196,7 @@
               <a:buChar char="●"/>
               <a:defRPr/>
             </a:lvl4pPr>
-            <a:lvl5pPr indent="-317500" lvl="4" marL="2286000" algn="ctr">
+            <a:lvl5pPr marL="2286000" lvl="4" indent="-317500" algn="ctr">
               <a:spcBef>
                 <a:spcPts val="0"/>
               </a:spcBef>
@@ -2142,7 +2207,7 @@
               <a:buChar char="○"/>
               <a:defRPr/>
             </a:lvl5pPr>
-            <a:lvl6pPr indent="-317500" lvl="5" marL="2743200" algn="ctr">
+            <a:lvl6pPr marL="2743200" lvl="5" indent="-317500" algn="ctr">
               <a:spcBef>
                 <a:spcPts val="0"/>
               </a:spcBef>
@@ -2153,7 +2218,7 @@
               <a:buChar char="■"/>
               <a:defRPr/>
             </a:lvl6pPr>
-            <a:lvl7pPr indent="-317500" lvl="6" marL="3200400" algn="ctr">
+            <a:lvl7pPr marL="3200400" lvl="6" indent="-317500" algn="ctr">
               <a:spcBef>
                 <a:spcPts val="0"/>
               </a:spcBef>
@@ -2164,7 +2229,7 @@
               <a:buChar char="●"/>
               <a:defRPr/>
             </a:lvl7pPr>
-            <a:lvl8pPr indent="-317500" lvl="7" marL="3657600" algn="ctr">
+            <a:lvl8pPr marL="3657600" lvl="7" indent="-317500" algn="ctr">
               <a:spcBef>
                 <a:spcPts val="0"/>
               </a:spcBef>
@@ -2175,7 +2240,7 @@
               <a:buChar char="○"/>
               <a:defRPr/>
             </a:lvl8pPr>
-            <a:lvl9pPr indent="-317500" lvl="8" marL="4114800" algn="ctr">
+            <a:lvl9pPr marL="4114800" lvl="8" indent="-317500" algn="ctr">
               <a:spcBef>
                 <a:spcPts val="0"/>
               </a:spcBef>
@@ -2187,15 +2252,19 @@
               <a:defRPr/>
             </a:lvl9pPr>
           </a:lstStyle>
-          <a:p/>
+          <a:p>
+            <a:endParaRPr/>
+          </a:p>
         </p:txBody>
       </p:sp>
       <p:sp>
         <p:nvSpPr>
           <p:cNvPr id="52" name="Google Shape;52;p11"/>
-          <p:cNvSpPr txBox="1"/>
+          <p:cNvSpPr txBox="1">
+            <a:spLocks noGrp="1"/>
+          </p:cNvSpPr>
           <p:nvPr>
-            <p:ph idx="12" type="sldNum"/>
+            <p:ph type="sldNum" idx="12"/>
           </p:nvPr>
         </p:nvSpPr>
         <p:spPr>
@@ -2208,7 +2277,7 @@
           </a:prstGeom>
         </p:spPr>
         <p:txBody>
-          <a:bodyPr anchorCtr="0" anchor="ctr" bIns="91425" lIns="91425" spcFirstLastPara="1" rIns="91425" wrap="square" tIns="91425">
+          <a:bodyPr spcFirstLastPara="1" wrap="square" lIns="91425" tIns="91425" rIns="91425" bIns="91425" anchor="ctr" anchorCtr="0">
             <a:normAutofit/>
           </a:bodyPr>
           <a:lstStyle>
@@ -2250,7 +2319,7 @@
             </a:lvl9pPr>
           </a:lstStyle>
           <a:p>
-            <a:pPr indent="0" lvl="0" marL="0" rtl="0" algn="r">
+            <a:pPr marL="0" lvl="0" indent="0" algn="r" rtl="0">
               <a:spcBef>
                 <a:spcPts val="0"/>
               </a:spcBef>
@@ -2276,11 +2345,11 @@
 </file>
 
 <file path=ppt/slideLayouts/slideLayout11.xml><?xml version="1.0" encoding="utf-8"?>
-<p:sldLayout xmlns:a="http://schemas.openxmlformats.org/drawingml/2006/main" xmlns:r="http://schemas.openxmlformats.org/officeDocument/2006/relationships" xmlns:mc="http://schemas.openxmlformats.org/markup-compatibility/2006" xmlns:mv="urn:schemas-microsoft-com:mac:vml" xmlns:p="http://schemas.openxmlformats.org/presentationml/2006/main" xmlns:c="http://schemas.openxmlformats.org/drawingml/2006/chart" xmlns:dgm="http://schemas.openxmlformats.org/drawingml/2006/diagram" xmlns:o="urn:schemas-microsoft-com:office:office" xmlns:v="urn:schemas-microsoft-com:vml" xmlns:pvml="urn:schemas-microsoft-com:office:powerpoint" xmlns:com="http://schemas.openxmlformats.org/drawingml/2006/compatibility" xmlns:p14="http://schemas.microsoft.com/office/powerpoint/2010/main" xmlns:p15="http://schemas.microsoft.com/office/powerpoint/2012/main" xmlns:ahyp="http://schemas.microsoft.com/office/drawing/2018/hyperlinkcolor" matchingName="Blank" type="blank">
+<p:sldLayout xmlns:a="http://schemas.openxmlformats.org/drawingml/2006/main" xmlns:r="http://schemas.openxmlformats.org/officeDocument/2006/relationships" xmlns:p="http://schemas.openxmlformats.org/presentationml/2006/main" matchingName="Blank" type="blank">
   <p:cSld name="BLANK">
     <p:spTree>
       <p:nvGrpSpPr>
-        <p:cNvPr id="53" name="Shape 53"/>
+        <p:cNvPr id="1" name="Shape 53"/>
         <p:cNvGrpSpPr/>
         <p:nvPr/>
       </p:nvGrpSpPr>
@@ -2295,9 +2364,11 @@
       <p:sp>
         <p:nvSpPr>
           <p:cNvPr id="54" name="Google Shape;54;p12"/>
-          <p:cNvSpPr txBox="1"/>
+          <p:cNvSpPr txBox="1">
+            <a:spLocks noGrp="1"/>
+          </p:cNvSpPr>
           <p:nvPr>
-            <p:ph idx="12" type="sldNum"/>
+            <p:ph type="sldNum" idx="12"/>
           </p:nvPr>
         </p:nvSpPr>
         <p:spPr>
@@ -2310,7 +2381,7 @@
           </a:prstGeom>
         </p:spPr>
         <p:txBody>
-          <a:bodyPr anchorCtr="0" anchor="ctr" bIns="91425" lIns="91425" spcFirstLastPara="1" rIns="91425" wrap="square" tIns="91425">
+          <a:bodyPr spcFirstLastPara="1" wrap="square" lIns="91425" tIns="91425" rIns="91425" bIns="91425" anchor="ctr" anchorCtr="0">
             <a:normAutofit/>
           </a:bodyPr>
           <a:lstStyle>
@@ -2352,7 +2423,7 @@
             </a:lvl9pPr>
           </a:lstStyle>
           <a:p>
-            <a:pPr indent="0" lvl="0" marL="0" rtl="0" algn="r">
+            <a:pPr marL="0" lvl="0" indent="0" algn="r" rtl="0">
               <a:spcBef>
                 <a:spcPts val="0"/>
               </a:spcBef>
@@ -2378,11 +2449,11 @@
 </file>
 
 <file path=ppt/slideLayouts/slideLayout2.xml><?xml version="1.0" encoding="utf-8"?>
-<p:sldLayout xmlns:a="http://schemas.openxmlformats.org/drawingml/2006/main" xmlns:r="http://schemas.openxmlformats.org/officeDocument/2006/relationships" xmlns:mc="http://schemas.openxmlformats.org/markup-compatibility/2006" xmlns:mv="urn:schemas-microsoft-com:mac:vml" xmlns:p="http://schemas.openxmlformats.org/presentationml/2006/main" xmlns:c="http://schemas.openxmlformats.org/drawingml/2006/chart" xmlns:dgm="http://schemas.openxmlformats.org/drawingml/2006/diagram" xmlns:o="urn:schemas-microsoft-com:office:office" xmlns:v="urn:schemas-microsoft-com:vml" xmlns:pvml="urn:schemas-microsoft-com:office:powerpoint" xmlns:com="http://schemas.openxmlformats.org/drawingml/2006/compatibility" xmlns:p14="http://schemas.microsoft.com/office/powerpoint/2010/main" xmlns:p15="http://schemas.microsoft.com/office/powerpoint/2012/main" xmlns:ahyp="http://schemas.microsoft.com/office/drawing/2018/hyperlinkcolor" matchingName="Section header" type="secHead">
+<p:sldLayout xmlns:a="http://schemas.openxmlformats.org/drawingml/2006/main" xmlns:r="http://schemas.openxmlformats.org/officeDocument/2006/relationships" xmlns:p="http://schemas.openxmlformats.org/presentationml/2006/main" matchingName="Section header" type="secHead">
   <p:cSld name="SECTION_HEADER">
     <p:spTree>
       <p:nvGrpSpPr>
-        <p:cNvPr id="17" name="Shape 17"/>
+        <p:cNvPr id="1" name="Shape 17"/>
         <p:cNvGrpSpPr/>
         <p:nvPr/>
       </p:nvGrpSpPr>
@@ -2397,7 +2468,9 @@
       <p:sp>
         <p:nvSpPr>
           <p:cNvPr id="18" name="Google Shape;18;p3"/>
-          <p:cNvSpPr txBox="1"/>
+          <p:cNvSpPr txBox="1">
+            <a:spLocks noGrp="1"/>
+          </p:cNvSpPr>
           <p:nvPr>
             <p:ph type="title"/>
           </p:nvPr>
@@ -2412,7 +2485,7 @@
           </a:prstGeom>
         </p:spPr>
         <p:txBody>
-          <a:bodyPr anchorCtr="0" anchor="ctr" bIns="91425" lIns="91425" spcFirstLastPara="1" rIns="91425" wrap="square" tIns="91425">
+          <a:bodyPr spcFirstLastPara="1" wrap="square" lIns="91425" tIns="91425" rIns="91425" bIns="91425" anchor="ctr" anchorCtr="0">
             <a:normAutofit/>
           </a:bodyPr>
           <a:lstStyle>
@@ -2516,15 +2589,19 @@
               <a:defRPr sz="3600"/>
             </a:lvl9pPr>
           </a:lstStyle>
-          <a:p/>
+          <a:p>
+            <a:endParaRPr/>
+          </a:p>
         </p:txBody>
       </p:sp>
       <p:sp>
         <p:nvSpPr>
           <p:cNvPr id="19" name="Google Shape;19;p3"/>
-          <p:cNvSpPr txBox="1"/>
+          <p:cNvSpPr txBox="1">
+            <a:spLocks noGrp="1"/>
+          </p:cNvSpPr>
           <p:nvPr>
-            <p:ph idx="12" type="sldNum"/>
+            <p:ph type="sldNum" idx="12"/>
           </p:nvPr>
         </p:nvSpPr>
         <p:spPr>
@@ -2537,7 +2614,7 @@
           </a:prstGeom>
         </p:spPr>
         <p:txBody>
-          <a:bodyPr anchorCtr="0" anchor="ctr" bIns="91425" lIns="91425" spcFirstLastPara="1" rIns="91425" wrap="square" tIns="91425">
+          <a:bodyPr spcFirstLastPara="1" wrap="square" lIns="91425" tIns="91425" rIns="91425" bIns="91425" anchor="ctr" anchorCtr="0">
             <a:normAutofit/>
           </a:bodyPr>
           <a:lstStyle>
@@ -2579,7 +2656,7 @@
             </a:lvl9pPr>
           </a:lstStyle>
           <a:p>
-            <a:pPr indent="0" lvl="0" marL="0" rtl="0" algn="r">
+            <a:pPr marL="0" lvl="0" indent="0" algn="r" rtl="0">
               <a:spcBef>
                 <a:spcPts val="0"/>
               </a:spcBef>
@@ -2605,11 +2682,11 @@
 </file>
 
 <file path=ppt/slideLayouts/slideLayout3.xml><?xml version="1.0" encoding="utf-8"?>
-<p:sldLayout xmlns:a="http://schemas.openxmlformats.org/drawingml/2006/main" xmlns:r="http://schemas.openxmlformats.org/officeDocument/2006/relationships" xmlns:mc="http://schemas.openxmlformats.org/markup-compatibility/2006" xmlns:mv="urn:schemas-microsoft-com:mac:vml" xmlns:p="http://schemas.openxmlformats.org/presentationml/2006/main" xmlns:c="http://schemas.openxmlformats.org/drawingml/2006/chart" xmlns:dgm="http://schemas.openxmlformats.org/drawingml/2006/diagram" xmlns:o="urn:schemas-microsoft-com:office:office" xmlns:v="urn:schemas-microsoft-com:vml" xmlns:pvml="urn:schemas-microsoft-com:office:powerpoint" xmlns:com="http://schemas.openxmlformats.org/drawingml/2006/compatibility" xmlns:p14="http://schemas.microsoft.com/office/powerpoint/2010/main" xmlns:p15="http://schemas.microsoft.com/office/powerpoint/2012/main" xmlns:ahyp="http://schemas.microsoft.com/office/drawing/2018/hyperlinkcolor" matchingName="Title and body" type="tx">
+<p:sldLayout xmlns:a="http://schemas.openxmlformats.org/drawingml/2006/main" xmlns:r="http://schemas.openxmlformats.org/officeDocument/2006/relationships" xmlns:p="http://schemas.openxmlformats.org/presentationml/2006/main" matchingName="Title and body" type="tx">
   <p:cSld name="TITLE_AND_BODY">
     <p:spTree>
       <p:nvGrpSpPr>
-        <p:cNvPr id="20" name="Shape 20"/>
+        <p:cNvPr id="1" name="Shape 20"/>
         <p:cNvGrpSpPr/>
         <p:nvPr/>
       </p:nvGrpSpPr>
@@ -2624,7 +2701,9 @@
       <p:sp>
         <p:nvSpPr>
           <p:cNvPr id="21" name="Google Shape;21;p4"/>
-          <p:cNvSpPr txBox="1"/>
+          <p:cNvSpPr txBox="1">
+            <a:spLocks noGrp="1"/>
+          </p:cNvSpPr>
           <p:nvPr>
             <p:ph type="title"/>
           </p:nvPr>
@@ -2639,7 +2718,7 @@
           </a:prstGeom>
         </p:spPr>
         <p:txBody>
-          <a:bodyPr anchorCtr="0" anchor="t" bIns="91425" lIns="91425" spcFirstLastPara="1" rIns="91425" wrap="square" tIns="91425">
+          <a:bodyPr spcFirstLastPara="1" wrap="square" lIns="91425" tIns="91425" rIns="91425" bIns="91425" anchor="t" anchorCtr="0">
             <a:normAutofit/>
           </a:bodyPr>
           <a:lstStyle>
@@ -2743,15 +2822,19 @@
               <a:defRPr/>
             </a:lvl9pPr>
           </a:lstStyle>
-          <a:p/>
+          <a:p>
+            <a:endParaRPr/>
+          </a:p>
         </p:txBody>
       </p:sp>
       <p:sp>
         <p:nvSpPr>
           <p:cNvPr id="22" name="Google Shape;22;p4"/>
-          <p:cNvSpPr txBox="1"/>
+          <p:cNvSpPr txBox="1">
+            <a:spLocks noGrp="1"/>
+          </p:cNvSpPr>
           <p:nvPr>
-            <p:ph idx="1" type="body"/>
+            <p:ph type="body" idx="1"/>
           </p:nvPr>
         </p:nvSpPr>
         <p:spPr>
@@ -2764,11 +2847,11 @@
           </a:prstGeom>
         </p:spPr>
         <p:txBody>
-          <a:bodyPr anchorCtr="0" anchor="t" bIns="91425" lIns="91425" spcFirstLastPara="1" rIns="91425" wrap="square" tIns="91425">
+          <a:bodyPr spcFirstLastPara="1" wrap="square" lIns="91425" tIns="91425" rIns="91425" bIns="91425" anchor="t" anchorCtr="0">
             <a:normAutofit/>
           </a:bodyPr>
           <a:lstStyle>
-            <a:lvl1pPr indent="-342900" lvl="0" marL="457200">
+            <a:lvl1pPr marL="457200" lvl="0" indent="-342900">
               <a:spcBef>
                 <a:spcPts val="0"/>
               </a:spcBef>
@@ -2779,7 +2862,7 @@
               <a:buChar char="●"/>
               <a:defRPr/>
             </a:lvl1pPr>
-            <a:lvl2pPr indent="-317500" lvl="1" marL="914400">
+            <a:lvl2pPr marL="914400" lvl="1" indent="-317500">
               <a:spcBef>
                 <a:spcPts val="0"/>
               </a:spcBef>
@@ -2790,7 +2873,7 @@
               <a:buChar char="○"/>
               <a:defRPr/>
             </a:lvl2pPr>
-            <a:lvl3pPr indent="-317500" lvl="2" marL="1371600">
+            <a:lvl3pPr marL="1371600" lvl="2" indent="-317500">
               <a:spcBef>
                 <a:spcPts val="0"/>
               </a:spcBef>
@@ -2801,7 +2884,7 @@
               <a:buChar char="■"/>
               <a:defRPr/>
             </a:lvl3pPr>
-            <a:lvl4pPr indent="-317500" lvl="3" marL="1828800">
+            <a:lvl4pPr marL="1828800" lvl="3" indent="-317500">
               <a:spcBef>
                 <a:spcPts val="0"/>
               </a:spcBef>
@@ -2812,7 +2895,7 @@
               <a:buChar char="●"/>
               <a:defRPr/>
             </a:lvl4pPr>
-            <a:lvl5pPr indent="-317500" lvl="4" marL="2286000">
+            <a:lvl5pPr marL="2286000" lvl="4" indent="-317500">
               <a:spcBef>
                 <a:spcPts val="0"/>
               </a:spcBef>
@@ -2823,7 +2906,7 @@
               <a:buChar char="○"/>
               <a:defRPr/>
             </a:lvl5pPr>
-            <a:lvl6pPr indent="-317500" lvl="5" marL="2743200">
+            <a:lvl6pPr marL="2743200" lvl="5" indent="-317500">
               <a:spcBef>
                 <a:spcPts val="0"/>
               </a:spcBef>
@@ -2834,7 +2917,7 @@
               <a:buChar char="■"/>
               <a:defRPr/>
             </a:lvl6pPr>
-            <a:lvl7pPr indent="-317500" lvl="6" marL="3200400">
+            <a:lvl7pPr marL="3200400" lvl="6" indent="-317500">
               <a:spcBef>
                 <a:spcPts val="0"/>
               </a:spcBef>
@@ -2845,7 +2928,7 @@
               <a:buChar char="●"/>
               <a:defRPr/>
             </a:lvl7pPr>
-            <a:lvl8pPr indent="-317500" lvl="7" marL="3657600">
+            <a:lvl8pPr marL="3657600" lvl="7" indent="-317500">
               <a:spcBef>
                 <a:spcPts val="0"/>
               </a:spcBef>
@@ -2856,7 +2939,7 @@
               <a:buChar char="○"/>
               <a:defRPr/>
             </a:lvl8pPr>
-            <a:lvl9pPr indent="-317500" lvl="8" marL="4114800">
+            <a:lvl9pPr marL="4114800" lvl="8" indent="-317500">
               <a:spcBef>
                 <a:spcPts val="0"/>
               </a:spcBef>
@@ -2868,15 +2951,19 @@
               <a:defRPr/>
             </a:lvl9pPr>
           </a:lstStyle>
-          <a:p/>
+          <a:p>
+            <a:endParaRPr/>
+          </a:p>
         </p:txBody>
       </p:sp>
       <p:sp>
         <p:nvSpPr>
           <p:cNvPr id="23" name="Google Shape;23;p4"/>
-          <p:cNvSpPr txBox="1"/>
+          <p:cNvSpPr txBox="1">
+            <a:spLocks noGrp="1"/>
+          </p:cNvSpPr>
           <p:nvPr>
-            <p:ph idx="12" type="sldNum"/>
+            <p:ph type="sldNum" idx="12"/>
           </p:nvPr>
         </p:nvSpPr>
         <p:spPr>
@@ -2889,7 +2976,7 @@
           </a:prstGeom>
         </p:spPr>
         <p:txBody>
-          <a:bodyPr anchorCtr="0" anchor="ctr" bIns="91425" lIns="91425" spcFirstLastPara="1" rIns="91425" wrap="square" tIns="91425">
+          <a:bodyPr spcFirstLastPara="1" wrap="square" lIns="91425" tIns="91425" rIns="91425" bIns="91425" anchor="ctr" anchorCtr="0">
             <a:normAutofit/>
           </a:bodyPr>
           <a:lstStyle>
@@ -2931,7 +3018,7 @@
             </a:lvl9pPr>
           </a:lstStyle>
           <a:p>
-            <a:pPr indent="0" lvl="0" marL="0" rtl="0" algn="r">
+            <a:pPr marL="0" lvl="0" indent="0" algn="r" rtl="0">
               <a:spcBef>
                 <a:spcPts val="0"/>
               </a:spcBef>
@@ -2957,11 +3044,11 @@
 </file>
 
 <file path=ppt/slideLayouts/slideLayout4.xml><?xml version="1.0" encoding="utf-8"?>
-<p:sldLayout xmlns:a="http://schemas.openxmlformats.org/drawingml/2006/main" xmlns:r="http://schemas.openxmlformats.org/officeDocument/2006/relationships" xmlns:mc="http://schemas.openxmlformats.org/markup-compatibility/2006" xmlns:mv="urn:schemas-microsoft-com:mac:vml" xmlns:p="http://schemas.openxmlformats.org/presentationml/2006/main" xmlns:c="http://schemas.openxmlformats.org/drawingml/2006/chart" xmlns:dgm="http://schemas.openxmlformats.org/drawingml/2006/diagram" xmlns:o="urn:schemas-microsoft-com:office:office" xmlns:v="urn:schemas-microsoft-com:vml" xmlns:pvml="urn:schemas-microsoft-com:office:powerpoint" xmlns:com="http://schemas.openxmlformats.org/drawingml/2006/compatibility" xmlns:p14="http://schemas.microsoft.com/office/powerpoint/2010/main" xmlns:p15="http://schemas.microsoft.com/office/powerpoint/2012/main" xmlns:ahyp="http://schemas.microsoft.com/office/drawing/2018/hyperlinkcolor" matchingName="Title and two columns" type="twoColTx">
+<p:sldLayout xmlns:a="http://schemas.openxmlformats.org/drawingml/2006/main" xmlns:r="http://schemas.openxmlformats.org/officeDocument/2006/relationships" xmlns:p="http://schemas.openxmlformats.org/presentationml/2006/main" matchingName="Title and two columns" type="twoColTx">
   <p:cSld name="TITLE_AND_TWO_COLUMNS">
     <p:spTree>
       <p:nvGrpSpPr>
-        <p:cNvPr id="24" name="Shape 24"/>
+        <p:cNvPr id="1" name="Shape 24"/>
         <p:cNvGrpSpPr/>
         <p:nvPr/>
       </p:nvGrpSpPr>
@@ -2976,7 +3063,9 @@
       <p:sp>
         <p:nvSpPr>
           <p:cNvPr id="25" name="Google Shape;25;p5"/>
-          <p:cNvSpPr txBox="1"/>
+          <p:cNvSpPr txBox="1">
+            <a:spLocks noGrp="1"/>
+          </p:cNvSpPr>
           <p:nvPr>
             <p:ph type="title"/>
           </p:nvPr>
@@ -2991,7 +3080,7 @@
           </a:prstGeom>
         </p:spPr>
         <p:txBody>
-          <a:bodyPr anchorCtr="0" anchor="t" bIns="91425" lIns="91425" spcFirstLastPara="1" rIns="91425" wrap="square" tIns="91425">
+          <a:bodyPr spcFirstLastPara="1" wrap="square" lIns="91425" tIns="91425" rIns="91425" bIns="91425" anchor="t" anchorCtr="0">
             <a:normAutofit/>
           </a:bodyPr>
           <a:lstStyle>
@@ -3095,15 +3184,19 @@
               <a:defRPr/>
             </a:lvl9pPr>
           </a:lstStyle>
-          <a:p/>
+          <a:p>
+            <a:endParaRPr/>
+          </a:p>
         </p:txBody>
       </p:sp>
       <p:sp>
         <p:nvSpPr>
           <p:cNvPr id="26" name="Google Shape;26;p5"/>
-          <p:cNvSpPr txBox="1"/>
+          <p:cNvSpPr txBox="1">
+            <a:spLocks noGrp="1"/>
+          </p:cNvSpPr>
           <p:nvPr>
-            <p:ph idx="1" type="body"/>
+            <p:ph type="body" idx="1"/>
           </p:nvPr>
         </p:nvSpPr>
         <p:spPr>
@@ -3116,11 +3209,11 @@
           </a:prstGeom>
         </p:spPr>
         <p:txBody>
-          <a:bodyPr anchorCtr="0" anchor="t" bIns="91425" lIns="91425" spcFirstLastPara="1" rIns="91425" wrap="square" tIns="91425">
+          <a:bodyPr spcFirstLastPara="1" wrap="square" lIns="91425" tIns="91425" rIns="91425" bIns="91425" anchor="t" anchorCtr="0">
             <a:normAutofit/>
           </a:bodyPr>
           <a:lstStyle>
-            <a:lvl1pPr indent="-317500" lvl="0" marL="457200">
+            <a:lvl1pPr marL="457200" lvl="0" indent="-317500">
               <a:spcBef>
                 <a:spcPts val="0"/>
               </a:spcBef>
@@ -3131,7 +3224,7 @@
               <a:buChar char="●"/>
               <a:defRPr sz="1400"/>
             </a:lvl1pPr>
-            <a:lvl2pPr indent="-304800" lvl="1" marL="914400">
+            <a:lvl2pPr marL="914400" lvl="1" indent="-304800">
               <a:spcBef>
                 <a:spcPts val="0"/>
               </a:spcBef>
@@ -3142,7 +3235,7 @@
               <a:buChar char="○"/>
               <a:defRPr sz="1200"/>
             </a:lvl2pPr>
-            <a:lvl3pPr indent="-304800" lvl="2" marL="1371600">
+            <a:lvl3pPr marL="1371600" lvl="2" indent="-304800">
               <a:spcBef>
                 <a:spcPts val="0"/>
               </a:spcBef>
@@ -3153,7 +3246,7 @@
               <a:buChar char="■"/>
               <a:defRPr sz="1200"/>
             </a:lvl3pPr>
-            <a:lvl4pPr indent="-304800" lvl="3" marL="1828800">
+            <a:lvl4pPr marL="1828800" lvl="3" indent="-304800">
               <a:spcBef>
                 <a:spcPts val="0"/>
               </a:spcBef>
@@ -3164,7 +3257,7 @@
               <a:buChar char="●"/>
               <a:defRPr sz="1200"/>
             </a:lvl4pPr>
-            <a:lvl5pPr indent="-304800" lvl="4" marL="2286000">
+            <a:lvl5pPr marL="2286000" lvl="4" indent="-304800">
               <a:spcBef>
                 <a:spcPts val="0"/>
               </a:spcBef>
@@ -3175,7 +3268,7 @@
               <a:buChar char="○"/>
               <a:defRPr sz="1200"/>
             </a:lvl5pPr>
-            <a:lvl6pPr indent="-304800" lvl="5" marL="2743200">
+            <a:lvl6pPr marL="2743200" lvl="5" indent="-304800">
               <a:spcBef>
                 <a:spcPts val="0"/>
               </a:spcBef>
@@ -3186,7 +3279,7 @@
               <a:buChar char="■"/>
               <a:defRPr sz="1200"/>
             </a:lvl6pPr>
-            <a:lvl7pPr indent="-304800" lvl="6" marL="3200400">
+            <a:lvl7pPr marL="3200400" lvl="6" indent="-304800">
               <a:spcBef>
                 <a:spcPts val="0"/>
               </a:spcBef>
@@ -3197,7 +3290,7 @@
               <a:buChar char="●"/>
               <a:defRPr sz="1200"/>
             </a:lvl7pPr>
-            <a:lvl8pPr indent="-304800" lvl="7" marL="3657600">
+            <a:lvl8pPr marL="3657600" lvl="7" indent="-304800">
               <a:spcBef>
                 <a:spcPts val="0"/>
               </a:spcBef>
@@ -3208,7 +3301,7 @@
               <a:buChar char="○"/>
               <a:defRPr sz="1200"/>
             </a:lvl8pPr>
-            <a:lvl9pPr indent="-304800" lvl="8" marL="4114800">
+            <a:lvl9pPr marL="4114800" lvl="8" indent="-304800">
               <a:spcBef>
                 <a:spcPts val="0"/>
               </a:spcBef>
@@ -3220,15 +3313,19 @@
               <a:defRPr sz="1200"/>
             </a:lvl9pPr>
           </a:lstStyle>
-          <a:p/>
+          <a:p>
+            <a:endParaRPr/>
+          </a:p>
         </p:txBody>
       </p:sp>
       <p:sp>
         <p:nvSpPr>
           <p:cNvPr id="27" name="Google Shape;27;p5"/>
-          <p:cNvSpPr txBox="1"/>
+          <p:cNvSpPr txBox="1">
+            <a:spLocks noGrp="1"/>
+          </p:cNvSpPr>
           <p:nvPr>
-            <p:ph idx="2" type="body"/>
+            <p:ph type="body" idx="2"/>
           </p:nvPr>
         </p:nvSpPr>
         <p:spPr>
@@ -3241,11 +3338,11 @@
           </a:prstGeom>
         </p:spPr>
         <p:txBody>
-          <a:bodyPr anchorCtr="0" anchor="t" bIns="91425" lIns="91425" spcFirstLastPara="1" rIns="91425" wrap="square" tIns="91425">
+          <a:bodyPr spcFirstLastPara="1" wrap="square" lIns="91425" tIns="91425" rIns="91425" bIns="91425" anchor="t" anchorCtr="0">
             <a:normAutofit/>
           </a:bodyPr>
           <a:lstStyle>
-            <a:lvl1pPr indent="-317500" lvl="0" marL="457200">
+            <a:lvl1pPr marL="457200" lvl="0" indent="-317500">
               <a:spcBef>
                 <a:spcPts val="0"/>
               </a:spcBef>
@@ -3256,7 +3353,7 @@
               <a:buChar char="●"/>
               <a:defRPr sz="1400"/>
             </a:lvl1pPr>
-            <a:lvl2pPr indent="-304800" lvl="1" marL="914400">
+            <a:lvl2pPr marL="914400" lvl="1" indent="-304800">
               <a:spcBef>
                 <a:spcPts val="0"/>
               </a:spcBef>
@@ -3267,7 +3364,7 @@
               <a:buChar char="○"/>
               <a:defRPr sz="1200"/>
             </a:lvl2pPr>
-            <a:lvl3pPr indent="-304800" lvl="2" marL="1371600">
+            <a:lvl3pPr marL="1371600" lvl="2" indent="-304800">
               <a:spcBef>
                 <a:spcPts val="0"/>
               </a:spcBef>
@@ -3278,7 +3375,7 @@
               <a:buChar char="■"/>
               <a:defRPr sz="1200"/>
             </a:lvl3pPr>
-            <a:lvl4pPr indent="-304800" lvl="3" marL="1828800">
+            <a:lvl4pPr marL="1828800" lvl="3" indent="-304800">
               <a:spcBef>
                 <a:spcPts val="0"/>
               </a:spcBef>
@@ -3289,7 +3386,7 @@
               <a:buChar char="●"/>
               <a:defRPr sz="1200"/>
             </a:lvl4pPr>
-            <a:lvl5pPr indent="-304800" lvl="4" marL="2286000">
+            <a:lvl5pPr marL="2286000" lvl="4" indent="-304800">
               <a:spcBef>
                 <a:spcPts val="0"/>
               </a:spcBef>
@@ -3300,7 +3397,7 @@
               <a:buChar char="○"/>
               <a:defRPr sz="1200"/>
             </a:lvl5pPr>
-            <a:lvl6pPr indent="-304800" lvl="5" marL="2743200">
+            <a:lvl6pPr marL="2743200" lvl="5" indent="-304800">
               <a:spcBef>
                 <a:spcPts val="0"/>
               </a:spcBef>
@@ -3311,7 +3408,7 @@
               <a:buChar char="■"/>
               <a:defRPr sz="1200"/>
             </a:lvl6pPr>
-            <a:lvl7pPr indent="-304800" lvl="6" marL="3200400">
+            <a:lvl7pPr marL="3200400" lvl="6" indent="-304800">
               <a:spcBef>
                 <a:spcPts val="0"/>
               </a:spcBef>
@@ -3322,7 +3419,7 @@
               <a:buChar char="●"/>
               <a:defRPr sz="1200"/>
             </a:lvl7pPr>
-            <a:lvl8pPr indent="-304800" lvl="7" marL="3657600">
+            <a:lvl8pPr marL="3657600" lvl="7" indent="-304800">
               <a:spcBef>
                 <a:spcPts val="0"/>
               </a:spcBef>
@@ -3333,7 +3430,7 @@
               <a:buChar char="○"/>
               <a:defRPr sz="1200"/>
             </a:lvl8pPr>
-            <a:lvl9pPr indent="-304800" lvl="8" marL="4114800">
+            <a:lvl9pPr marL="4114800" lvl="8" indent="-304800">
               <a:spcBef>
                 <a:spcPts val="0"/>
               </a:spcBef>
@@ -3345,15 +3442,19 @@
               <a:defRPr sz="1200"/>
             </a:lvl9pPr>
           </a:lstStyle>
-          <a:p/>
+          <a:p>
+            <a:endParaRPr/>
+          </a:p>
         </p:txBody>
       </p:sp>
       <p:sp>
         <p:nvSpPr>
           <p:cNvPr id="28" name="Google Shape;28;p5"/>
-          <p:cNvSpPr txBox="1"/>
+          <p:cNvSpPr txBox="1">
+            <a:spLocks noGrp="1"/>
+          </p:cNvSpPr>
           <p:nvPr>
-            <p:ph idx="12" type="sldNum"/>
+            <p:ph type="sldNum" idx="12"/>
           </p:nvPr>
         </p:nvSpPr>
         <p:spPr>
@@ -3366,7 +3467,7 @@
           </a:prstGeom>
         </p:spPr>
         <p:txBody>
-          <a:bodyPr anchorCtr="0" anchor="ctr" bIns="91425" lIns="91425" spcFirstLastPara="1" rIns="91425" wrap="square" tIns="91425">
+          <a:bodyPr spcFirstLastPara="1" wrap="square" lIns="91425" tIns="91425" rIns="91425" bIns="91425" anchor="ctr" anchorCtr="0">
             <a:normAutofit/>
           </a:bodyPr>
           <a:lstStyle>
@@ -3408,7 +3509,7 @@
             </a:lvl9pPr>
           </a:lstStyle>
           <a:p>
-            <a:pPr indent="0" lvl="0" marL="0" rtl="0" algn="r">
+            <a:pPr marL="0" lvl="0" indent="0" algn="r" rtl="0">
               <a:spcBef>
                 <a:spcPts val="0"/>
               </a:spcBef>
@@ -3434,11 +3535,11 @@
 </file>
 
 <file path=ppt/slideLayouts/slideLayout5.xml><?xml version="1.0" encoding="utf-8"?>
-<p:sldLayout xmlns:a="http://schemas.openxmlformats.org/drawingml/2006/main" xmlns:r="http://schemas.openxmlformats.org/officeDocument/2006/relationships" xmlns:mc="http://schemas.openxmlformats.org/markup-compatibility/2006" xmlns:mv="urn:schemas-microsoft-com:mac:vml" xmlns:p="http://schemas.openxmlformats.org/presentationml/2006/main" xmlns:c="http://schemas.openxmlformats.org/drawingml/2006/chart" xmlns:dgm="http://schemas.openxmlformats.org/drawingml/2006/diagram" xmlns:o="urn:schemas-microsoft-com:office:office" xmlns:v="urn:schemas-microsoft-com:vml" xmlns:pvml="urn:schemas-microsoft-com:office:powerpoint" xmlns:com="http://schemas.openxmlformats.org/drawingml/2006/compatibility" xmlns:p14="http://schemas.microsoft.com/office/powerpoint/2010/main" xmlns:p15="http://schemas.microsoft.com/office/powerpoint/2012/main" xmlns:ahyp="http://schemas.microsoft.com/office/drawing/2018/hyperlinkcolor" matchingName="Title only" type="titleOnly">
+<p:sldLayout xmlns:a="http://schemas.openxmlformats.org/drawingml/2006/main" xmlns:r="http://schemas.openxmlformats.org/officeDocument/2006/relationships" xmlns:p="http://schemas.openxmlformats.org/presentationml/2006/main" matchingName="Title only" type="titleOnly">
   <p:cSld name="TITLE_ONLY">
     <p:spTree>
       <p:nvGrpSpPr>
-        <p:cNvPr id="29" name="Shape 29"/>
+        <p:cNvPr id="1" name="Shape 29"/>
         <p:cNvGrpSpPr/>
         <p:nvPr/>
       </p:nvGrpSpPr>
@@ -3453,7 +3554,9 @@
       <p:sp>
         <p:nvSpPr>
           <p:cNvPr id="30" name="Google Shape;30;p6"/>
-          <p:cNvSpPr txBox="1"/>
+          <p:cNvSpPr txBox="1">
+            <a:spLocks noGrp="1"/>
+          </p:cNvSpPr>
           <p:nvPr>
             <p:ph type="title"/>
           </p:nvPr>
@@ -3468,7 +3571,7 @@
           </a:prstGeom>
         </p:spPr>
         <p:txBody>
-          <a:bodyPr anchorCtr="0" anchor="t" bIns="91425" lIns="91425" spcFirstLastPara="1" rIns="91425" wrap="square" tIns="91425">
+          <a:bodyPr spcFirstLastPara="1" wrap="square" lIns="91425" tIns="91425" rIns="91425" bIns="91425" anchor="t" anchorCtr="0">
             <a:normAutofit/>
           </a:bodyPr>
           <a:lstStyle>
@@ -3572,15 +3675,19 @@
               <a:defRPr/>
             </a:lvl9pPr>
           </a:lstStyle>
-          <a:p/>
+          <a:p>
+            <a:endParaRPr/>
+          </a:p>
         </p:txBody>
       </p:sp>
       <p:sp>
         <p:nvSpPr>
           <p:cNvPr id="31" name="Google Shape;31;p6"/>
-          <p:cNvSpPr txBox="1"/>
+          <p:cNvSpPr txBox="1">
+            <a:spLocks noGrp="1"/>
+          </p:cNvSpPr>
           <p:nvPr>
-            <p:ph idx="12" type="sldNum"/>
+            <p:ph type="sldNum" idx="12"/>
           </p:nvPr>
         </p:nvSpPr>
         <p:spPr>
@@ -3593,7 +3700,7 @@
           </a:prstGeom>
         </p:spPr>
         <p:txBody>
-          <a:bodyPr anchorCtr="0" anchor="ctr" bIns="91425" lIns="91425" spcFirstLastPara="1" rIns="91425" wrap="square" tIns="91425">
+          <a:bodyPr spcFirstLastPara="1" wrap="square" lIns="91425" tIns="91425" rIns="91425" bIns="91425" anchor="ctr" anchorCtr="0">
             <a:normAutofit/>
           </a:bodyPr>
           <a:lstStyle>
@@ -3635,7 +3742,7 @@
             </a:lvl9pPr>
           </a:lstStyle>
           <a:p>
-            <a:pPr indent="0" lvl="0" marL="0" rtl="0" algn="r">
+            <a:pPr marL="0" lvl="0" indent="0" algn="r" rtl="0">
               <a:spcBef>
                 <a:spcPts val="0"/>
               </a:spcBef>
@@ -3661,11 +3768,11 @@
 </file>
 
 <file path=ppt/slideLayouts/slideLayout6.xml><?xml version="1.0" encoding="utf-8"?>
-<p:sldLayout xmlns:a="http://schemas.openxmlformats.org/drawingml/2006/main" xmlns:r="http://schemas.openxmlformats.org/officeDocument/2006/relationships" xmlns:mc="http://schemas.openxmlformats.org/markup-compatibility/2006" xmlns:mv="urn:schemas-microsoft-com:mac:vml" xmlns:p="http://schemas.openxmlformats.org/presentationml/2006/main" xmlns:c="http://schemas.openxmlformats.org/drawingml/2006/chart" xmlns:dgm="http://schemas.openxmlformats.org/drawingml/2006/diagram" xmlns:o="urn:schemas-microsoft-com:office:office" xmlns:v="urn:schemas-microsoft-com:vml" xmlns:pvml="urn:schemas-microsoft-com:office:powerpoint" xmlns:com="http://schemas.openxmlformats.org/drawingml/2006/compatibility" xmlns:p14="http://schemas.microsoft.com/office/powerpoint/2010/main" xmlns:p15="http://schemas.microsoft.com/office/powerpoint/2012/main" xmlns:ahyp="http://schemas.microsoft.com/office/drawing/2018/hyperlinkcolor" matchingName="One column text">
+<p:sldLayout xmlns:a="http://schemas.openxmlformats.org/drawingml/2006/main" xmlns:r="http://schemas.openxmlformats.org/officeDocument/2006/relationships" xmlns:p="http://schemas.openxmlformats.org/presentationml/2006/main" matchingName="One column text">
   <p:cSld name="ONE_COLUMN_TEXT">
     <p:spTree>
       <p:nvGrpSpPr>
-        <p:cNvPr id="32" name="Shape 32"/>
+        <p:cNvPr id="1" name="Shape 32"/>
         <p:cNvGrpSpPr/>
         <p:nvPr/>
       </p:nvGrpSpPr>
@@ -3680,7 +3787,9 @@
       <p:sp>
         <p:nvSpPr>
           <p:cNvPr id="33" name="Google Shape;33;p7"/>
-          <p:cNvSpPr txBox="1"/>
+          <p:cNvSpPr txBox="1">
+            <a:spLocks noGrp="1"/>
+          </p:cNvSpPr>
           <p:nvPr>
             <p:ph type="title"/>
           </p:nvPr>
@@ -3695,7 +3804,7 @@
           </a:prstGeom>
         </p:spPr>
         <p:txBody>
-          <a:bodyPr anchorCtr="0" anchor="b" bIns="91425" lIns="91425" spcFirstLastPara="1" rIns="91425" wrap="square" tIns="91425">
+          <a:bodyPr spcFirstLastPara="1" wrap="square" lIns="91425" tIns="91425" rIns="91425" bIns="91425" anchor="b" anchorCtr="0">
             <a:normAutofit/>
           </a:bodyPr>
           <a:lstStyle>
@@ -3799,15 +3908,19 @@
               <a:defRPr sz="2400"/>
             </a:lvl9pPr>
           </a:lstStyle>
-          <a:p/>
+          <a:p>
+            <a:endParaRPr/>
+          </a:p>
         </p:txBody>
       </p:sp>
       <p:sp>
         <p:nvSpPr>
           <p:cNvPr id="34" name="Google Shape;34;p7"/>
-          <p:cNvSpPr txBox="1"/>
+          <p:cNvSpPr txBox="1">
+            <a:spLocks noGrp="1"/>
+          </p:cNvSpPr>
           <p:nvPr>
-            <p:ph idx="1" type="body"/>
+            <p:ph type="body" idx="1"/>
           </p:nvPr>
         </p:nvSpPr>
         <p:spPr>
@@ -3820,11 +3933,11 @@
           </a:prstGeom>
         </p:spPr>
         <p:txBody>
-          <a:bodyPr anchorCtr="0" anchor="t" bIns="91425" lIns="91425" spcFirstLastPara="1" rIns="91425" wrap="square" tIns="91425">
+          <a:bodyPr spcFirstLastPara="1" wrap="square" lIns="91425" tIns="91425" rIns="91425" bIns="91425" anchor="t" anchorCtr="0">
             <a:normAutofit/>
           </a:bodyPr>
           <a:lstStyle>
-            <a:lvl1pPr indent="-304800" lvl="0" marL="457200">
+            <a:lvl1pPr marL="457200" lvl="0" indent="-304800">
               <a:spcBef>
                 <a:spcPts val="0"/>
               </a:spcBef>
@@ -3835,7 +3948,7 @@
               <a:buChar char="●"/>
               <a:defRPr sz="1200"/>
             </a:lvl1pPr>
-            <a:lvl2pPr indent="-304800" lvl="1" marL="914400">
+            <a:lvl2pPr marL="914400" lvl="1" indent="-304800">
               <a:spcBef>
                 <a:spcPts val="0"/>
               </a:spcBef>
@@ -3846,7 +3959,7 @@
               <a:buChar char="○"/>
               <a:defRPr sz="1200"/>
             </a:lvl2pPr>
-            <a:lvl3pPr indent="-304800" lvl="2" marL="1371600">
+            <a:lvl3pPr marL="1371600" lvl="2" indent="-304800">
               <a:spcBef>
                 <a:spcPts val="0"/>
               </a:spcBef>
@@ -3857,7 +3970,7 @@
               <a:buChar char="■"/>
               <a:defRPr sz="1200"/>
             </a:lvl3pPr>
-            <a:lvl4pPr indent="-304800" lvl="3" marL="1828800">
+            <a:lvl4pPr marL="1828800" lvl="3" indent="-304800">
               <a:spcBef>
                 <a:spcPts val="0"/>
               </a:spcBef>
@@ -3868,7 +3981,7 @@
               <a:buChar char="●"/>
               <a:defRPr sz="1200"/>
             </a:lvl4pPr>
-            <a:lvl5pPr indent="-304800" lvl="4" marL="2286000">
+            <a:lvl5pPr marL="2286000" lvl="4" indent="-304800">
               <a:spcBef>
                 <a:spcPts val="0"/>
               </a:spcBef>
@@ -3879,7 +3992,7 @@
               <a:buChar char="○"/>
               <a:defRPr sz="1200"/>
             </a:lvl5pPr>
-            <a:lvl6pPr indent="-304800" lvl="5" marL="2743200">
+            <a:lvl6pPr marL="2743200" lvl="5" indent="-304800">
               <a:spcBef>
                 <a:spcPts val="0"/>
               </a:spcBef>
@@ -3890,7 +4003,7 @@
               <a:buChar char="■"/>
               <a:defRPr sz="1200"/>
             </a:lvl6pPr>
-            <a:lvl7pPr indent="-304800" lvl="6" marL="3200400">
+            <a:lvl7pPr marL="3200400" lvl="6" indent="-304800">
               <a:spcBef>
                 <a:spcPts val="0"/>
               </a:spcBef>
@@ -3901,7 +4014,7 @@
               <a:buChar char="●"/>
               <a:defRPr sz="1200"/>
             </a:lvl7pPr>
-            <a:lvl8pPr indent="-304800" lvl="7" marL="3657600">
+            <a:lvl8pPr marL="3657600" lvl="7" indent="-304800">
               <a:spcBef>
                 <a:spcPts val="0"/>
               </a:spcBef>
@@ -3912,7 +4025,7 @@
               <a:buChar char="○"/>
               <a:defRPr sz="1200"/>
             </a:lvl8pPr>
-            <a:lvl9pPr indent="-304800" lvl="8" marL="4114800">
+            <a:lvl9pPr marL="4114800" lvl="8" indent="-304800">
               <a:spcBef>
                 <a:spcPts val="0"/>
               </a:spcBef>
@@ -3924,15 +4037,19 @@
               <a:defRPr sz="1200"/>
             </a:lvl9pPr>
           </a:lstStyle>
-          <a:p/>
+          <a:p>
+            <a:endParaRPr/>
+          </a:p>
         </p:txBody>
       </p:sp>
       <p:sp>
         <p:nvSpPr>
           <p:cNvPr id="35" name="Google Shape;35;p7"/>
-          <p:cNvSpPr txBox="1"/>
+          <p:cNvSpPr txBox="1">
+            <a:spLocks noGrp="1"/>
+          </p:cNvSpPr>
           <p:nvPr>
-            <p:ph idx="12" type="sldNum"/>
+            <p:ph type="sldNum" idx="12"/>
           </p:nvPr>
         </p:nvSpPr>
         <p:spPr>
@@ -3945,7 +4062,7 @@
           </a:prstGeom>
         </p:spPr>
         <p:txBody>
-          <a:bodyPr anchorCtr="0" anchor="ctr" bIns="91425" lIns="91425" spcFirstLastPara="1" rIns="91425" wrap="square" tIns="91425">
+          <a:bodyPr spcFirstLastPara="1" wrap="square" lIns="91425" tIns="91425" rIns="91425" bIns="91425" anchor="ctr" anchorCtr="0">
             <a:normAutofit/>
           </a:bodyPr>
           <a:lstStyle>
@@ -3987,7 +4104,7 @@
             </a:lvl9pPr>
           </a:lstStyle>
           <a:p>
-            <a:pPr indent="0" lvl="0" marL="0" rtl="0" algn="r">
+            <a:pPr marL="0" lvl="0" indent="0" algn="r" rtl="0">
               <a:spcBef>
                 <a:spcPts val="0"/>
               </a:spcBef>
@@ -4013,11 +4130,11 @@
 </file>
 
 <file path=ppt/slideLayouts/slideLayout7.xml><?xml version="1.0" encoding="utf-8"?>
-<p:sldLayout xmlns:a="http://schemas.openxmlformats.org/drawingml/2006/main" xmlns:r="http://schemas.openxmlformats.org/officeDocument/2006/relationships" xmlns:mc="http://schemas.openxmlformats.org/markup-compatibility/2006" xmlns:mv="urn:schemas-microsoft-com:mac:vml" xmlns:p="http://schemas.openxmlformats.org/presentationml/2006/main" xmlns:c="http://schemas.openxmlformats.org/drawingml/2006/chart" xmlns:dgm="http://schemas.openxmlformats.org/drawingml/2006/diagram" xmlns:o="urn:schemas-microsoft-com:office:office" xmlns:v="urn:schemas-microsoft-com:vml" xmlns:pvml="urn:schemas-microsoft-com:office:powerpoint" xmlns:com="http://schemas.openxmlformats.org/drawingml/2006/compatibility" xmlns:p14="http://schemas.microsoft.com/office/powerpoint/2010/main" xmlns:p15="http://schemas.microsoft.com/office/powerpoint/2012/main" xmlns:ahyp="http://schemas.microsoft.com/office/drawing/2018/hyperlinkcolor" matchingName="Main point">
+<p:sldLayout xmlns:a="http://schemas.openxmlformats.org/drawingml/2006/main" xmlns:r="http://schemas.openxmlformats.org/officeDocument/2006/relationships" xmlns:p="http://schemas.openxmlformats.org/presentationml/2006/main" matchingName="Main point">
   <p:cSld name="MAIN_POINT">
     <p:spTree>
       <p:nvGrpSpPr>
-        <p:cNvPr id="36" name="Shape 36"/>
+        <p:cNvPr id="1" name="Shape 36"/>
         <p:cNvGrpSpPr/>
         <p:nvPr/>
       </p:nvGrpSpPr>
@@ -4032,7 +4149,9 @@
       <p:sp>
         <p:nvSpPr>
           <p:cNvPr id="37" name="Google Shape;37;p8"/>
-          <p:cNvSpPr txBox="1"/>
+          <p:cNvSpPr txBox="1">
+            <a:spLocks noGrp="1"/>
+          </p:cNvSpPr>
           <p:nvPr>
             <p:ph type="title"/>
           </p:nvPr>
@@ -4047,7 +4166,7 @@
           </a:prstGeom>
         </p:spPr>
         <p:txBody>
-          <a:bodyPr anchorCtr="0" anchor="ctr" bIns="91425" lIns="91425" spcFirstLastPara="1" rIns="91425" wrap="square" tIns="91425">
+          <a:bodyPr spcFirstLastPara="1" wrap="square" lIns="91425" tIns="91425" rIns="91425" bIns="91425" anchor="ctr" anchorCtr="0">
             <a:normAutofit/>
           </a:bodyPr>
           <a:lstStyle>
@@ -4214,15 +4333,19 @@
               </a:defRPr>
             </a:lvl9pPr>
           </a:lstStyle>
-          <a:p/>
+          <a:p>
+            <a:endParaRPr/>
+          </a:p>
         </p:txBody>
       </p:sp>
       <p:sp>
         <p:nvSpPr>
           <p:cNvPr id="38" name="Google Shape;38;p8"/>
-          <p:cNvSpPr txBox="1"/>
+          <p:cNvSpPr txBox="1">
+            <a:spLocks noGrp="1"/>
+          </p:cNvSpPr>
           <p:nvPr>
-            <p:ph idx="12" type="sldNum"/>
+            <p:ph type="sldNum" idx="12"/>
           </p:nvPr>
         </p:nvSpPr>
         <p:spPr>
@@ -4235,7 +4358,7 @@
           </a:prstGeom>
         </p:spPr>
         <p:txBody>
-          <a:bodyPr anchorCtr="0" anchor="ctr" bIns="91425" lIns="91425" spcFirstLastPara="1" rIns="91425" wrap="square" tIns="91425">
+          <a:bodyPr spcFirstLastPara="1" wrap="square" lIns="91425" tIns="91425" rIns="91425" bIns="91425" anchor="ctr" anchorCtr="0">
             <a:normAutofit/>
           </a:bodyPr>
           <a:lstStyle>
@@ -4313,7 +4436,7 @@
             </a:lvl9pPr>
           </a:lstStyle>
           <a:p>
-            <a:pPr indent="0" lvl="0" marL="0" rtl="0" algn="r">
+            <a:pPr marL="0" lvl="0" indent="0" algn="r" rtl="0">
               <a:spcBef>
                 <a:spcPts val="0"/>
               </a:spcBef>
@@ -4339,11 +4462,11 @@
 </file>
 
 <file path=ppt/slideLayouts/slideLayout8.xml><?xml version="1.0" encoding="utf-8"?>
-<p:sldLayout xmlns:a="http://schemas.openxmlformats.org/drawingml/2006/main" xmlns:r="http://schemas.openxmlformats.org/officeDocument/2006/relationships" xmlns:mc="http://schemas.openxmlformats.org/markup-compatibility/2006" xmlns:mv="urn:schemas-microsoft-com:mac:vml" xmlns:p="http://schemas.openxmlformats.org/presentationml/2006/main" xmlns:c="http://schemas.openxmlformats.org/drawingml/2006/chart" xmlns:dgm="http://schemas.openxmlformats.org/drawingml/2006/diagram" xmlns:o="urn:schemas-microsoft-com:office:office" xmlns:v="urn:schemas-microsoft-com:vml" xmlns:pvml="urn:schemas-microsoft-com:office:powerpoint" xmlns:com="http://schemas.openxmlformats.org/drawingml/2006/compatibility" xmlns:p14="http://schemas.microsoft.com/office/powerpoint/2010/main" xmlns:p15="http://schemas.microsoft.com/office/powerpoint/2012/main" xmlns:ahyp="http://schemas.microsoft.com/office/drawing/2018/hyperlinkcolor" matchingName="Section title and description">
+<p:sldLayout xmlns:a="http://schemas.openxmlformats.org/drawingml/2006/main" xmlns:r="http://schemas.openxmlformats.org/officeDocument/2006/relationships" xmlns:p="http://schemas.openxmlformats.org/presentationml/2006/main" matchingName="Section title and description">
   <p:cSld name="SECTION_TITLE_AND_DESCRIPTION">
     <p:spTree>
       <p:nvGrpSpPr>
-        <p:cNvPr id="39" name="Shape 39"/>
+        <p:cNvPr id="1" name="Shape 39"/>
         <p:cNvGrpSpPr/>
         <p:nvPr/>
       </p:nvGrpSpPr>
@@ -4377,12 +4500,12 @@
           </a:ln>
         </p:spPr>
         <p:txBody>
-          <a:bodyPr anchorCtr="0" anchor="ctr" bIns="91425" lIns="91425" spcFirstLastPara="1" rIns="91425" wrap="square" tIns="91425">
+          <a:bodyPr spcFirstLastPara="1" wrap="square" lIns="91425" tIns="91425" rIns="91425" bIns="91425" anchor="ctr" anchorCtr="0">
             <a:noAutofit/>
           </a:bodyPr>
           <a:lstStyle/>
           <a:p>
-            <a:pPr indent="0" lvl="0" marL="0" rtl="0" algn="l">
+            <a:pPr marL="0" lvl="0" indent="0" algn="l" rtl="0">
               <a:spcBef>
                 <a:spcPts val="0"/>
               </a:spcBef>
@@ -4391,9 +4514,6 @@
               </a:spcAft>
               <a:buNone/>
             </a:pPr>
-            <a:r>
-              <a:t/>
-            </a:r>
             <a:endParaRPr/>
           </a:p>
         </p:txBody>
@@ -4413,21 +4533,23 @@
             <a:avLst/>
           </a:prstGeom>
           <a:noFill/>
-          <a:ln cap="flat" cmpd="sng" w="19050">
+          <a:ln w="19050" cap="flat" cmpd="sng">
             <a:solidFill>
               <a:schemeClr val="lt1"/>
             </a:solidFill>
             <a:prstDash val="solid"/>
             <a:round/>
-            <a:headEnd len="sm" w="sm" type="none"/>
-            <a:tailEnd len="sm" w="sm" type="none"/>
+            <a:headEnd type="none" w="sm" len="sm"/>
+            <a:tailEnd type="none" w="sm" len="sm"/>
           </a:ln>
         </p:spPr>
       </p:cxnSp>
       <p:sp>
         <p:nvSpPr>
           <p:cNvPr id="42" name="Google Shape;42;p9"/>
-          <p:cNvSpPr txBox="1"/>
+          <p:cNvSpPr txBox="1">
+            <a:spLocks noGrp="1"/>
+          </p:cNvSpPr>
           <p:nvPr>
             <p:ph type="title"/>
           </p:nvPr>
@@ -4442,7 +4564,7 @@
           </a:prstGeom>
         </p:spPr>
         <p:txBody>
-          <a:bodyPr anchorCtr="0" anchor="b" bIns="91425" lIns="91425" spcFirstLastPara="1" rIns="91425" wrap="square" tIns="91425">
+          <a:bodyPr spcFirstLastPara="1" wrap="square" lIns="91425" tIns="91425" rIns="91425" bIns="91425" anchor="b" anchorCtr="0">
             <a:normAutofit/>
           </a:bodyPr>
           <a:lstStyle>
@@ -4546,15 +4668,19 @@
               <a:defRPr sz="4200"/>
             </a:lvl9pPr>
           </a:lstStyle>
-          <a:p/>
+          <a:p>
+            <a:endParaRPr/>
+          </a:p>
         </p:txBody>
       </p:sp>
       <p:sp>
         <p:nvSpPr>
           <p:cNvPr id="43" name="Google Shape;43;p9"/>
-          <p:cNvSpPr txBox="1"/>
+          <p:cNvSpPr txBox="1">
+            <a:spLocks noGrp="1"/>
+          </p:cNvSpPr>
           <p:nvPr>
-            <p:ph idx="1" type="subTitle"/>
+            <p:ph type="subTitle" idx="1"/>
           </p:nvPr>
         </p:nvSpPr>
         <p:spPr>
@@ -4567,7 +4693,7 @@
           </a:prstGeom>
         </p:spPr>
         <p:txBody>
-          <a:bodyPr anchorCtr="0" anchor="t" bIns="91425" lIns="91425" spcFirstLastPara="1" rIns="91425" wrap="square" tIns="91425">
+          <a:bodyPr spcFirstLastPara="1" wrap="square" lIns="91425" tIns="91425" rIns="91425" bIns="91425" anchor="t" anchorCtr="0">
             <a:normAutofit/>
           </a:bodyPr>
           <a:lstStyle>
@@ -4761,15 +4887,19 @@
               </a:defRPr>
             </a:lvl9pPr>
           </a:lstStyle>
-          <a:p/>
+          <a:p>
+            <a:endParaRPr/>
+          </a:p>
         </p:txBody>
       </p:sp>
       <p:sp>
         <p:nvSpPr>
           <p:cNvPr id="44" name="Google Shape;44;p9"/>
-          <p:cNvSpPr txBox="1"/>
+          <p:cNvSpPr txBox="1">
+            <a:spLocks noGrp="1"/>
+          </p:cNvSpPr>
           <p:nvPr>
-            <p:ph idx="2" type="body"/>
+            <p:ph type="body" idx="2"/>
           </p:nvPr>
         </p:nvSpPr>
         <p:spPr>
@@ -4782,11 +4912,11 @@
           </a:prstGeom>
         </p:spPr>
         <p:txBody>
-          <a:bodyPr anchorCtr="0" anchor="ctr" bIns="91425" lIns="91425" spcFirstLastPara="1" rIns="91425" wrap="square" tIns="91425">
+          <a:bodyPr spcFirstLastPara="1" wrap="square" lIns="91425" tIns="91425" rIns="91425" bIns="91425" anchor="ctr" anchorCtr="0">
             <a:normAutofit/>
           </a:bodyPr>
           <a:lstStyle>
-            <a:lvl1pPr indent="-342900" lvl="0" marL="457200">
+            <a:lvl1pPr marL="457200" lvl="0" indent="-342900">
               <a:spcBef>
                 <a:spcPts val="0"/>
               </a:spcBef>
@@ -4804,7 +4934,7 @@
                 </a:solidFill>
               </a:defRPr>
             </a:lvl1pPr>
-            <a:lvl2pPr indent="-317500" lvl="1" marL="914400">
+            <a:lvl2pPr marL="914400" lvl="1" indent="-317500">
               <a:spcBef>
                 <a:spcPts val="0"/>
               </a:spcBef>
@@ -4822,7 +4952,7 @@
                 </a:solidFill>
               </a:defRPr>
             </a:lvl2pPr>
-            <a:lvl3pPr indent="-317500" lvl="2" marL="1371600">
+            <a:lvl3pPr marL="1371600" lvl="2" indent="-317500">
               <a:spcBef>
                 <a:spcPts val="0"/>
               </a:spcBef>
@@ -4840,7 +4970,7 @@
                 </a:solidFill>
               </a:defRPr>
             </a:lvl3pPr>
-            <a:lvl4pPr indent="-317500" lvl="3" marL="1828800">
+            <a:lvl4pPr marL="1828800" lvl="3" indent="-317500">
               <a:spcBef>
                 <a:spcPts val="0"/>
               </a:spcBef>
@@ -4858,7 +4988,7 @@
                 </a:solidFill>
               </a:defRPr>
             </a:lvl4pPr>
-            <a:lvl5pPr indent="-317500" lvl="4" marL="2286000">
+            <a:lvl5pPr marL="2286000" lvl="4" indent="-317500">
               <a:spcBef>
                 <a:spcPts val="0"/>
               </a:spcBef>
@@ -4876,7 +5006,7 @@
                 </a:solidFill>
               </a:defRPr>
             </a:lvl5pPr>
-            <a:lvl6pPr indent="-317500" lvl="5" marL="2743200">
+            <a:lvl6pPr marL="2743200" lvl="5" indent="-317500">
               <a:spcBef>
                 <a:spcPts val="0"/>
               </a:spcBef>
@@ -4894,7 +5024,7 @@
                 </a:solidFill>
               </a:defRPr>
             </a:lvl6pPr>
-            <a:lvl7pPr indent="-317500" lvl="6" marL="3200400">
+            <a:lvl7pPr marL="3200400" lvl="6" indent="-317500">
               <a:spcBef>
                 <a:spcPts val="0"/>
               </a:spcBef>
@@ -4912,7 +5042,7 @@
                 </a:solidFill>
               </a:defRPr>
             </a:lvl7pPr>
-            <a:lvl8pPr indent="-317500" lvl="7" marL="3657600">
+            <a:lvl8pPr marL="3657600" lvl="7" indent="-317500">
               <a:spcBef>
                 <a:spcPts val="0"/>
               </a:spcBef>
@@ -4930,7 +5060,7 @@
                 </a:solidFill>
               </a:defRPr>
             </a:lvl8pPr>
-            <a:lvl9pPr indent="-317500" lvl="8" marL="4114800">
+            <a:lvl9pPr marL="4114800" lvl="8" indent="-317500">
               <a:spcBef>
                 <a:spcPts val="0"/>
               </a:spcBef>
@@ -4949,15 +5079,19 @@
               </a:defRPr>
             </a:lvl9pPr>
           </a:lstStyle>
-          <a:p/>
+          <a:p>
+            <a:endParaRPr/>
+          </a:p>
         </p:txBody>
       </p:sp>
       <p:sp>
         <p:nvSpPr>
           <p:cNvPr id="45" name="Google Shape;45;p9"/>
-          <p:cNvSpPr txBox="1"/>
+          <p:cNvSpPr txBox="1">
+            <a:spLocks noGrp="1"/>
+          </p:cNvSpPr>
           <p:nvPr>
-            <p:ph idx="12" type="sldNum"/>
+            <p:ph type="sldNum" idx="12"/>
           </p:nvPr>
         </p:nvSpPr>
         <p:spPr>
@@ -4970,7 +5104,7 @@
           </a:prstGeom>
         </p:spPr>
         <p:txBody>
-          <a:bodyPr anchorCtr="0" anchor="ctr" bIns="91425" lIns="91425" spcFirstLastPara="1" rIns="91425" wrap="square" tIns="91425">
+          <a:bodyPr spcFirstLastPara="1" wrap="square" lIns="91425" tIns="91425" rIns="91425" bIns="91425" anchor="ctr" anchorCtr="0">
             <a:normAutofit/>
           </a:bodyPr>
           <a:lstStyle>
@@ -5048,7 +5182,7 @@
             </a:lvl9pPr>
           </a:lstStyle>
           <a:p>
-            <a:pPr indent="0" lvl="0" marL="0" rtl="0" algn="r">
+            <a:pPr marL="0" lvl="0" indent="0" algn="r" rtl="0">
               <a:spcBef>
                 <a:spcPts val="0"/>
               </a:spcBef>
@@ -5074,11 +5208,11 @@
 </file>
 
 <file path=ppt/slideLayouts/slideLayout9.xml><?xml version="1.0" encoding="utf-8"?>
-<p:sldLayout xmlns:a="http://schemas.openxmlformats.org/drawingml/2006/main" xmlns:r="http://schemas.openxmlformats.org/officeDocument/2006/relationships" xmlns:mc="http://schemas.openxmlformats.org/markup-compatibility/2006" xmlns:mv="urn:schemas-microsoft-com:mac:vml" xmlns:p="http://schemas.openxmlformats.org/presentationml/2006/main" xmlns:c="http://schemas.openxmlformats.org/drawingml/2006/chart" xmlns:dgm="http://schemas.openxmlformats.org/drawingml/2006/diagram" xmlns:o="urn:schemas-microsoft-com:office:office" xmlns:v="urn:schemas-microsoft-com:vml" xmlns:pvml="urn:schemas-microsoft-com:office:powerpoint" xmlns:com="http://schemas.openxmlformats.org/drawingml/2006/compatibility" xmlns:p14="http://schemas.microsoft.com/office/powerpoint/2010/main" xmlns:p15="http://schemas.microsoft.com/office/powerpoint/2012/main" xmlns:ahyp="http://schemas.microsoft.com/office/drawing/2018/hyperlinkcolor" matchingName="Caption">
+<p:sldLayout xmlns:a="http://schemas.openxmlformats.org/drawingml/2006/main" xmlns:r="http://schemas.openxmlformats.org/officeDocument/2006/relationships" xmlns:p="http://schemas.openxmlformats.org/presentationml/2006/main" matchingName="Caption">
   <p:cSld name="CAPTION_ONLY">
     <p:spTree>
       <p:nvGrpSpPr>
-        <p:cNvPr id="46" name="Shape 46"/>
+        <p:cNvPr id="1" name="Shape 46"/>
         <p:cNvGrpSpPr/>
         <p:nvPr/>
       </p:nvGrpSpPr>
@@ -5093,9 +5227,11 @@
       <p:sp>
         <p:nvSpPr>
           <p:cNvPr id="47" name="Google Shape;47;p10"/>
-          <p:cNvSpPr txBox="1"/>
+          <p:cNvSpPr txBox="1">
+            <a:spLocks noGrp="1"/>
+          </p:cNvSpPr>
           <p:nvPr>
-            <p:ph idx="1" type="body"/>
+            <p:ph type="body" idx="1"/>
           </p:nvPr>
         </p:nvSpPr>
         <p:spPr>
@@ -5108,11 +5244,11 @@
           </a:prstGeom>
         </p:spPr>
         <p:txBody>
-          <a:bodyPr anchorCtr="0" anchor="ctr" bIns="91425" lIns="91425" spcFirstLastPara="1" rIns="91425" wrap="square" tIns="91425">
+          <a:bodyPr spcFirstLastPara="1" wrap="square" lIns="91425" tIns="91425" rIns="91425" bIns="91425" anchor="ctr" anchorCtr="0">
             <a:normAutofit/>
           </a:bodyPr>
           <a:lstStyle>
-            <a:lvl1pPr indent="-228600" lvl="0" marL="457200">
+            <a:lvl1pPr marL="457200" lvl="0" indent="-228600">
               <a:lnSpc>
                 <a:spcPct val="100000"/>
               </a:lnSpc>
@@ -5139,15 +5275,19 @@
               </a:defRPr>
             </a:lvl1pPr>
           </a:lstStyle>
-          <a:p/>
+          <a:p>
+            <a:endParaRPr/>
+          </a:p>
         </p:txBody>
       </p:sp>
       <p:sp>
         <p:nvSpPr>
           <p:cNvPr id="48" name="Google Shape;48;p10"/>
-          <p:cNvSpPr txBox="1"/>
+          <p:cNvSpPr txBox="1">
+            <a:spLocks noGrp="1"/>
+          </p:cNvSpPr>
           <p:nvPr>
-            <p:ph idx="12" type="sldNum"/>
+            <p:ph type="sldNum" idx="12"/>
           </p:nvPr>
         </p:nvSpPr>
         <p:spPr>
@@ -5160,7 +5300,7 @@
           </a:prstGeom>
         </p:spPr>
         <p:txBody>
-          <a:bodyPr anchorCtr="0" anchor="ctr" bIns="91425" lIns="91425" spcFirstLastPara="1" rIns="91425" wrap="square" tIns="91425">
+          <a:bodyPr spcFirstLastPara="1" wrap="square" lIns="91425" tIns="91425" rIns="91425" bIns="91425" anchor="ctr" anchorCtr="0">
             <a:normAutofit/>
           </a:bodyPr>
           <a:lstStyle>
@@ -5202,7 +5342,7 @@
             </a:lvl9pPr>
           </a:lstStyle>
           <a:p>
-            <a:pPr indent="0" lvl="0" marL="0" rtl="0" algn="r">
+            <a:pPr marL="0" lvl="0" indent="0" algn="r" rtl="0">
               <a:spcBef>
                 <a:spcPts val="0"/>
               </a:spcBef>
@@ -5228,18 +5368,19 @@
 </file>
 
 <file path=ppt/slideMasters/slideMaster1.xml><?xml version="1.0" encoding="utf-8"?>
-<p:sldMaster xmlns:a="http://schemas.openxmlformats.org/drawingml/2006/main" xmlns:r="http://schemas.openxmlformats.org/officeDocument/2006/relationships" xmlns:mc="http://schemas.openxmlformats.org/markup-compatibility/2006" xmlns:mv="urn:schemas-microsoft-com:mac:vml" xmlns:p="http://schemas.openxmlformats.org/presentationml/2006/main" xmlns:c="http://schemas.openxmlformats.org/drawingml/2006/chart" xmlns:dgm="http://schemas.openxmlformats.org/drawingml/2006/diagram" xmlns:o="urn:schemas-microsoft-com:office:office" xmlns:v="urn:schemas-microsoft-com:vml" xmlns:pvml="urn:schemas-microsoft-com:office:powerpoint" xmlns:com="http://schemas.openxmlformats.org/drawingml/2006/compatibility" xmlns:p14="http://schemas.microsoft.com/office/powerpoint/2010/main" xmlns:p15="http://schemas.microsoft.com/office/powerpoint/2012/main" xmlns:ahyp="http://schemas.microsoft.com/office/drawing/2018/hyperlinkcolor">
+<p:sldMaster xmlns:a="http://schemas.openxmlformats.org/drawingml/2006/main" xmlns:r="http://schemas.openxmlformats.org/officeDocument/2006/relationships" xmlns:p="http://schemas.openxmlformats.org/presentationml/2006/main">
   <p:cSld name="slate">
     <p:bg>
       <p:bgPr>
         <a:solidFill>
           <a:srgbClr val="4D5156"/>
         </a:solidFill>
+        <a:effectLst/>
       </p:bgPr>
     </p:bg>
     <p:spTree>
       <p:nvGrpSpPr>
-        <p:cNvPr id="5" name="Shape 5"/>
+        <p:cNvPr id="1" name="Shape 5"/>
         <p:cNvGrpSpPr/>
         <p:nvPr/>
       </p:nvGrpSpPr>
@@ -5254,7 +5395,9 @@
       <p:sp>
         <p:nvSpPr>
           <p:cNvPr id="6" name="Google Shape;6;p1"/>
-          <p:cNvSpPr txBox="1"/>
+          <p:cNvSpPr txBox="1">
+            <a:spLocks noGrp="1"/>
+          </p:cNvSpPr>
           <p:nvPr>
             <p:ph type="title"/>
           </p:nvPr>
@@ -5273,7 +5416,7 @@
           </a:ln>
         </p:spPr>
         <p:txBody>
-          <a:bodyPr anchorCtr="0" anchor="t" bIns="91425" lIns="91425" spcFirstLastPara="1" rIns="91425" wrap="square" tIns="91425">
+          <a:bodyPr spcFirstLastPara="1" wrap="square" lIns="91425" tIns="91425" rIns="91425" bIns="91425" anchor="t" anchorCtr="0">
             <a:normAutofit/>
           </a:bodyPr>
           <a:lstStyle>
@@ -5485,15 +5628,19 @@
               </a:defRPr>
             </a:lvl9pPr>
           </a:lstStyle>
-          <a:p/>
+          <a:p>
+            <a:endParaRPr/>
+          </a:p>
         </p:txBody>
       </p:sp>
       <p:sp>
         <p:nvSpPr>
           <p:cNvPr id="7" name="Google Shape;7;p1"/>
-          <p:cNvSpPr txBox="1"/>
+          <p:cNvSpPr txBox="1">
+            <a:spLocks noGrp="1"/>
+          </p:cNvSpPr>
           <p:nvPr>
-            <p:ph idx="1" type="body"/>
+            <p:ph type="body" idx="1"/>
           </p:nvPr>
         </p:nvSpPr>
         <p:spPr>
@@ -5510,11 +5657,11 @@
           </a:ln>
         </p:spPr>
         <p:txBody>
-          <a:bodyPr anchorCtr="0" anchor="t" bIns="91425" lIns="91425" spcFirstLastPara="1" rIns="91425" wrap="square" tIns="91425">
+          <a:bodyPr spcFirstLastPara="1" wrap="square" lIns="91425" tIns="91425" rIns="91425" bIns="91425" anchor="t" anchorCtr="0">
             <a:normAutofit/>
           </a:bodyPr>
           <a:lstStyle>
-            <a:lvl1pPr indent="-342900" lvl="0" marL="457200">
+            <a:lvl1pPr marL="457200" lvl="0" indent="-342900">
               <a:lnSpc>
                 <a:spcPct val="115000"/>
               </a:lnSpc>
@@ -5540,7 +5687,7 @@
                 <a:sym typeface="Average"/>
               </a:defRPr>
             </a:lvl1pPr>
-            <a:lvl2pPr indent="-317500" lvl="1" marL="914400">
+            <a:lvl2pPr marL="914400" lvl="1" indent="-317500">
               <a:lnSpc>
                 <a:spcPct val="115000"/>
               </a:lnSpc>
@@ -5566,7 +5713,7 @@
                 <a:sym typeface="Average"/>
               </a:defRPr>
             </a:lvl2pPr>
-            <a:lvl3pPr indent="-317500" lvl="2" marL="1371600">
+            <a:lvl3pPr marL="1371600" lvl="2" indent="-317500">
               <a:lnSpc>
                 <a:spcPct val="115000"/>
               </a:lnSpc>
@@ -5592,7 +5739,7 @@
                 <a:sym typeface="Average"/>
               </a:defRPr>
             </a:lvl3pPr>
-            <a:lvl4pPr indent="-317500" lvl="3" marL="1828800">
+            <a:lvl4pPr marL="1828800" lvl="3" indent="-317500">
               <a:lnSpc>
                 <a:spcPct val="115000"/>
               </a:lnSpc>
@@ -5618,7 +5765,7 @@
                 <a:sym typeface="Average"/>
               </a:defRPr>
             </a:lvl4pPr>
-            <a:lvl5pPr indent="-317500" lvl="4" marL="2286000">
+            <a:lvl5pPr marL="2286000" lvl="4" indent="-317500">
               <a:lnSpc>
                 <a:spcPct val="115000"/>
               </a:lnSpc>
@@ -5644,7 +5791,7 @@
                 <a:sym typeface="Average"/>
               </a:defRPr>
             </a:lvl5pPr>
-            <a:lvl6pPr indent="-317500" lvl="5" marL="2743200">
+            <a:lvl6pPr marL="2743200" lvl="5" indent="-317500">
               <a:lnSpc>
                 <a:spcPct val="115000"/>
               </a:lnSpc>
@@ -5670,7 +5817,7 @@
                 <a:sym typeface="Average"/>
               </a:defRPr>
             </a:lvl6pPr>
-            <a:lvl7pPr indent="-317500" lvl="6" marL="3200400">
+            <a:lvl7pPr marL="3200400" lvl="6" indent="-317500">
               <a:lnSpc>
                 <a:spcPct val="115000"/>
               </a:lnSpc>
@@ -5696,7 +5843,7 @@
                 <a:sym typeface="Average"/>
               </a:defRPr>
             </a:lvl7pPr>
-            <a:lvl8pPr indent="-317500" lvl="7" marL="3657600">
+            <a:lvl8pPr marL="3657600" lvl="7" indent="-317500">
               <a:lnSpc>
                 <a:spcPct val="115000"/>
               </a:lnSpc>
@@ -5722,7 +5869,7 @@
                 <a:sym typeface="Average"/>
               </a:defRPr>
             </a:lvl8pPr>
-            <a:lvl9pPr indent="-317500" lvl="8" marL="4114800">
+            <a:lvl9pPr marL="4114800" lvl="8" indent="-317500">
               <a:lnSpc>
                 <a:spcPct val="115000"/>
               </a:lnSpc>
@@ -5749,15 +5896,19 @@
               </a:defRPr>
             </a:lvl9pPr>
           </a:lstStyle>
-          <a:p/>
+          <a:p>
+            <a:endParaRPr/>
+          </a:p>
         </p:txBody>
       </p:sp>
       <p:sp>
         <p:nvSpPr>
           <p:cNvPr id="8" name="Google Shape;8;p1"/>
-          <p:cNvSpPr txBox="1"/>
+          <p:cNvSpPr txBox="1">
+            <a:spLocks noGrp="1"/>
+          </p:cNvSpPr>
           <p:nvPr>
-            <p:ph idx="12" type="sldNum"/>
+            <p:ph type="sldNum" idx="12"/>
           </p:nvPr>
         </p:nvSpPr>
         <p:spPr>
@@ -5774,7 +5925,7 @@
           </a:ln>
         </p:spPr>
         <p:txBody>
-          <a:bodyPr anchorCtr="0" anchor="ctr" bIns="91425" lIns="91425" spcFirstLastPara="1" rIns="91425" wrap="square" tIns="91425">
+          <a:bodyPr spcFirstLastPara="1" wrap="square" lIns="91425" tIns="91425" rIns="91425" bIns="91425" anchor="ctr" anchorCtr="0">
             <a:normAutofit/>
           </a:bodyPr>
           <a:lstStyle>
@@ -5888,7 +6039,7 @@
             </a:lvl9pPr>
           </a:lstStyle>
           <a:p>
-            <a:pPr indent="0" lvl="0" marL="0" rtl="0" algn="r">
+            <a:pPr marL="0" lvl="0" indent="0" algn="r" rtl="0">
               <a:spcBef>
                 <a:spcPts val="0"/>
               </a:spcBef>
@@ -5907,7 +6058,7 @@
       </p:sp>
     </p:spTree>
   </p:cSld>
-  <p:clrMap accent1="accent1" accent2="accent2" accent3="accent3" accent4="accent4" accent5="accent5" accent6="accent6" bg1="lt1" bg2="dk2" tx1="dk1" tx2="lt2" folHlink="folHlink" hlink="hlink"/>
+  <p:clrMap bg1="lt1" tx1="dk1" bg2="dk2" tx2="lt2" accent1="accent1" accent2="accent2" accent3="accent3" accent4="accent4" accent5="accent5" accent6="accent6" hlink="hlink" folHlink="folHlink"/>
   <p:sldLayoutIdLst>
     <p:sldLayoutId id="2147483648" r:id="rId1"/>
     <p:sldLayoutId id="2147483649" r:id="rId2"/>
@@ -5921,10 +6072,10 @@
     <p:sldLayoutId id="2147483657" r:id="rId10"/>
     <p:sldLayoutId id="2147483658" r:id="rId11"/>
   </p:sldLayoutIdLst>
-  <p:hf dt="0" ftr="0" hdr="0" sldNum="0"/>
+  <p:hf sldNum="0" hdr="0" ftr="0" dt="0"/>
   <p:txStyles>
     <p:titleStyle>
-      <a:defPPr lvl="0" marR="0" rtl="0" algn="l">
+      <a:defPPr marR="0" lvl="0" algn="l" rtl="0">
         <a:lnSpc>
           <a:spcPct val="100000"/>
         </a:lnSpc>
@@ -5935,7 +6086,7 @@
           <a:spcPts val="0"/>
         </a:spcAft>
       </a:defPPr>
-      <a:lvl1pPr lvl="0" marR="0" rtl="0" algn="l">
+      <a:lvl1pPr marR="0" lvl="0" algn="l" rtl="0">
         <a:lnSpc>
           <a:spcPct val="100000"/>
         </a:lnSpc>
@@ -5949,7 +6100,7 @@
           <a:srgbClr val="000000"/>
         </a:buClr>
         <a:buFont typeface="Arial"/>
-        <a:defRPr b="0" i="0" sz="1400" u="none" cap="none" strike="noStrike">
+        <a:defRPr sz="1400" b="0" i="0" u="none" strike="noStrike" cap="none">
           <a:solidFill>
             <a:srgbClr val="000000"/>
           </a:solidFill>
@@ -5959,7 +6110,7 @@
           <a:sym typeface="Arial"/>
         </a:defRPr>
       </a:lvl1pPr>
-      <a:lvl2pPr lvl="1" marR="0" rtl="0" algn="l">
+      <a:lvl2pPr marR="0" lvl="1" algn="l" rtl="0">
         <a:lnSpc>
           <a:spcPct val="100000"/>
         </a:lnSpc>
@@ -5973,7 +6124,7 @@
           <a:srgbClr val="000000"/>
         </a:buClr>
         <a:buFont typeface="Arial"/>
-        <a:defRPr b="0" i="0" sz="1400" u="none" cap="none" strike="noStrike">
+        <a:defRPr sz="1400" b="0" i="0" u="none" strike="noStrike" cap="none">
           <a:solidFill>
             <a:srgbClr val="000000"/>
           </a:solidFill>
@@ -5983,7 +6134,7 @@
           <a:sym typeface="Arial"/>
         </a:defRPr>
       </a:lvl2pPr>
-      <a:lvl3pPr lvl="2" marR="0" rtl="0" algn="l">
+      <a:lvl3pPr marR="0" lvl="2" algn="l" rtl="0">
         <a:lnSpc>
           <a:spcPct val="100000"/>
         </a:lnSpc>
@@ -5997,7 +6148,7 @@
           <a:srgbClr val="000000"/>
         </a:buClr>
         <a:buFont typeface="Arial"/>
-        <a:defRPr b="0" i="0" sz="1400" u="none" cap="none" strike="noStrike">
+        <a:defRPr sz="1400" b="0" i="0" u="none" strike="noStrike" cap="none">
           <a:solidFill>
             <a:srgbClr val="000000"/>
           </a:solidFill>
@@ -6007,7 +6158,7 @@
           <a:sym typeface="Arial"/>
         </a:defRPr>
       </a:lvl3pPr>
-      <a:lvl4pPr lvl="3" marR="0" rtl="0" algn="l">
+      <a:lvl4pPr marR="0" lvl="3" algn="l" rtl="0">
         <a:lnSpc>
           <a:spcPct val="100000"/>
         </a:lnSpc>
@@ -6021,7 +6172,7 @@
           <a:srgbClr val="000000"/>
         </a:buClr>
         <a:buFont typeface="Arial"/>
-        <a:defRPr b="0" i="0" sz="1400" u="none" cap="none" strike="noStrike">
+        <a:defRPr sz="1400" b="0" i="0" u="none" strike="noStrike" cap="none">
           <a:solidFill>
             <a:srgbClr val="000000"/>
           </a:solidFill>
@@ -6031,7 +6182,7 @@
           <a:sym typeface="Arial"/>
         </a:defRPr>
       </a:lvl4pPr>
-      <a:lvl5pPr lvl="4" marR="0" rtl="0" algn="l">
+      <a:lvl5pPr marR="0" lvl="4" algn="l" rtl="0">
         <a:lnSpc>
           <a:spcPct val="100000"/>
         </a:lnSpc>
@@ -6045,7 +6196,7 @@
           <a:srgbClr val="000000"/>
         </a:buClr>
         <a:buFont typeface="Arial"/>
-        <a:defRPr b="0" i="0" sz="1400" u="none" cap="none" strike="noStrike">
+        <a:defRPr sz="1400" b="0" i="0" u="none" strike="noStrike" cap="none">
           <a:solidFill>
             <a:srgbClr val="000000"/>
           </a:solidFill>
@@ -6055,7 +6206,7 @@
           <a:sym typeface="Arial"/>
         </a:defRPr>
       </a:lvl5pPr>
-      <a:lvl6pPr lvl="5" marR="0" rtl="0" algn="l">
+      <a:lvl6pPr marR="0" lvl="5" algn="l" rtl="0">
         <a:lnSpc>
           <a:spcPct val="100000"/>
         </a:lnSpc>
@@ -6069,7 +6220,7 @@
           <a:srgbClr val="000000"/>
         </a:buClr>
         <a:buFont typeface="Arial"/>
-        <a:defRPr b="0" i="0" sz="1400" u="none" cap="none" strike="noStrike">
+        <a:defRPr sz="1400" b="0" i="0" u="none" strike="noStrike" cap="none">
           <a:solidFill>
             <a:srgbClr val="000000"/>
           </a:solidFill>
@@ -6079,7 +6230,7 @@
           <a:sym typeface="Arial"/>
         </a:defRPr>
       </a:lvl6pPr>
-      <a:lvl7pPr lvl="6" marR="0" rtl="0" algn="l">
+      <a:lvl7pPr marR="0" lvl="6" algn="l" rtl="0">
         <a:lnSpc>
           <a:spcPct val="100000"/>
         </a:lnSpc>
@@ -6093,7 +6244,7 @@
           <a:srgbClr val="000000"/>
         </a:buClr>
         <a:buFont typeface="Arial"/>
-        <a:defRPr b="0" i="0" sz="1400" u="none" cap="none" strike="noStrike">
+        <a:defRPr sz="1400" b="0" i="0" u="none" strike="noStrike" cap="none">
           <a:solidFill>
             <a:srgbClr val="000000"/>
           </a:solidFill>
@@ -6103,7 +6254,7 @@
           <a:sym typeface="Arial"/>
         </a:defRPr>
       </a:lvl7pPr>
-      <a:lvl8pPr lvl="7" marR="0" rtl="0" algn="l">
+      <a:lvl8pPr marR="0" lvl="7" algn="l" rtl="0">
         <a:lnSpc>
           <a:spcPct val="100000"/>
         </a:lnSpc>
@@ -6117,7 +6268,7 @@
           <a:srgbClr val="000000"/>
         </a:buClr>
         <a:buFont typeface="Arial"/>
-        <a:defRPr b="0" i="0" sz="1400" u="none" cap="none" strike="noStrike">
+        <a:defRPr sz="1400" b="0" i="0" u="none" strike="noStrike" cap="none">
           <a:solidFill>
             <a:srgbClr val="000000"/>
           </a:solidFill>
@@ -6127,7 +6278,7 @@
           <a:sym typeface="Arial"/>
         </a:defRPr>
       </a:lvl8pPr>
-      <a:lvl9pPr lvl="8" marR="0" rtl="0" algn="l">
+      <a:lvl9pPr marR="0" lvl="8" algn="l" rtl="0">
         <a:lnSpc>
           <a:spcPct val="100000"/>
         </a:lnSpc>
@@ -6141,7 +6292,7 @@
           <a:srgbClr val="000000"/>
         </a:buClr>
         <a:buFont typeface="Arial"/>
-        <a:defRPr b="0" i="0" sz="1400" u="none" cap="none" strike="noStrike">
+        <a:defRPr sz="1400" b="0" i="0" u="none" strike="noStrike" cap="none">
           <a:solidFill>
             <a:srgbClr val="000000"/>
           </a:solidFill>
@@ -6153,7 +6304,7 @@
       </a:lvl9pPr>
     </p:titleStyle>
     <p:bodyStyle>
-      <a:defPPr lvl="0" marR="0" rtl="0" algn="l">
+      <a:defPPr marR="0" lvl="0" algn="l" rtl="0">
         <a:lnSpc>
           <a:spcPct val="100000"/>
         </a:lnSpc>
@@ -6164,7 +6315,7 @@
           <a:spcPts val="0"/>
         </a:spcAft>
       </a:defPPr>
-      <a:lvl1pPr lvl="0" marR="0" rtl="0" algn="l">
+      <a:lvl1pPr marR="0" lvl="0" algn="l" rtl="0">
         <a:lnSpc>
           <a:spcPct val="100000"/>
         </a:lnSpc>
@@ -6178,7 +6329,7 @@
           <a:srgbClr val="000000"/>
         </a:buClr>
         <a:buFont typeface="Arial"/>
-        <a:defRPr b="0" i="0" sz="1400" u="none" cap="none" strike="noStrike">
+        <a:defRPr sz="1400" b="0" i="0" u="none" strike="noStrike" cap="none">
           <a:solidFill>
             <a:srgbClr val="000000"/>
           </a:solidFill>
@@ -6188,7 +6339,7 @@
           <a:sym typeface="Arial"/>
         </a:defRPr>
       </a:lvl1pPr>
-      <a:lvl2pPr lvl="1" marR="0" rtl="0" algn="l">
+      <a:lvl2pPr marR="0" lvl="1" algn="l" rtl="0">
         <a:lnSpc>
           <a:spcPct val="100000"/>
         </a:lnSpc>
@@ -6202,7 +6353,7 @@
           <a:srgbClr val="000000"/>
         </a:buClr>
         <a:buFont typeface="Arial"/>
-        <a:defRPr b="0" i="0" sz="1400" u="none" cap="none" strike="noStrike">
+        <a:defRPr sz="1400" b="0" i="0" u="none" strike="noStrike" cap="none">
           <a:solidFill>
             <a:srgbClr val="000000"/>
           </a:solidFill>
@@ -6212,7 +6363,7 @@
           <a:sym typeface="Arial"/>
         </a:defRPr>
       </a:lvl2pPr>
-      <a:lvl3pPr lvl="2" marR="0" rtl="0" algn="l">
+      <a:lvl3pPr marR="0" lvl="2" algn="l" rtl="0">
         <a:lnSpc>
           <a:spcPct val="100000"/>
         </a:lnSpc>
@@ -6226,7 +6377,7 @@
           <a:srgbClr val="000000"/>
         </a:buClr>
         <a:buFont typeface="Arial"/>
-        <a:defRPr b="0" i="0" sz="1400" u="none" cap="none" strike="noStrike">
+        <a:defRPr sz="1400" b="0" i="0" u="none" strike="noStrike" cap="none">
           <a:solidFill>
             <a:srgbClr val="000000"/>
           </a:solidFill>
@@ -6236,7 +6387,7 @@
           <a:sym typeface="Arial"/>
         </a:defRPr>
       </a:lvl3pPr>
-      <a:lvl4pPr lvl="3" marR="0" rtl="0" algn="l">
+      <a:lvl4pPr marR="0" lvl="3" algn="l" rtl="0">
         <a:lnSpc>
           <a:spcPct val="100000"/>
         </a:lnSpc>
@@ -6250,7 +6401,7 @@
           <a:srgbClr val="000000"/>
         </a:buClr>
         <a:buFont typeface="Arial"/>
-        <a:defRPr b="0" i="0" sz="1400" u="none" cap="none" strike="noStrike">
+        <a:defRPr sz="1400" b="0" i="0" u="none" strike="noStrike" cap="none">
           <a:solidFill>
             <a:srgbClr val="000000"/>
           </a:solidFill>
@@ -6260,7 +6411,7 @@
           <a:sym typeface="Arial"/>
         </a:defRPr>
       </a:lvl4pPr>
-      <a:lvl5pPr lvl="4" marR="0" rtl="0" algn="l">
+      <a:lvl5pPr marR="0" lvl="4" algn="l" rtl="0">
         <a:lnSpc>
           <a:spcPct val="100000"/>
         </a:lnSpc>
@@ -6274,7 +6425,7 @@
           <a:srgbClr val="000000"/>
         </a:buClr>
         <a:buFont typeface="Arial"/>
-        <a:defRPr b="0" i="0" sz="1400" u="none" cap="none" strike="noStrike">
+        <a:defRPr sz="1400" b="0" i="0" u="none" strike="noStrike" cap="none">
           <a:solidFill>
             <a:srgbClr val="000000"/>
           </a:solidFill>
@@ -6284,7 +6435,7 @@
           <a:sym typeface="Arial"/>
         </a:defRPr>
       </a:lvl5pPr>
-      <a:lvl6pPr lvl="5" marR="0" rtl="0" algn="l">
+      <a:lvl6pPr marR="0" lvl="5" algn="l" rtl="0">
         <a:lnSpc>
           <a:spcPct val="100000"/>
         </a:lnSpc>
@@ -6298,7 +6449,7 @@
           <a:srgbClr val="000000"/>
         </a:buClr>
         <a:buFont typeface="Arial"/>
-        <a:defRPr b="0" i="0" sz="1400" u="none" cap="none" strike="noStrike">
+        <a:defRPr sz="1400" b="0" i="0" u="none" strike="noStrike" cap="none">
           <a:solidFill>
             <a:srgbClr val="000000"/>
           </a:solidFill>
@@ -6308,7 +6459,7 @@
           <a:sym typeface="Arial"/>
         </a:defRPr>
       </a:lvl6pPr>
-      <a:lvl7pPr lvl="6" marR="0" rtl="0" algn="l">
+      <a:lvl7pPr marR="0" lvl="6" algn="l" rtl="0">
         <a:lnSpc>
           <a:spcPct val="100000"/>
         </a:lnSpc>
@@ -6322,7 +6473,7 @@
           <a:srgbClr val="000000"/>
         </a:buClr>
         <a:buFont typeface="Arial"/>
-        <a:defRPr b="0" i="0" sz="1400" u="none" cap="none" strike="noStrike">
+        <a:defRPr sz="1400" b="0" i="0" u="none" strike="noStrike" cap="none">
           <a:solidFill>
             <a:srgbClr val="000000"/>
           </a:solidFill>
@@ -6332,7 +6483,7 @@
           <a:sym typeface="Arial"/>
         </a:defRPr>
       </a:lvl7pPr>
-      <a:lvl8pPr lvl="7" marR="0" rtl="0" algn="l">
+      <a:lvl8pPr marR="0" lvl="7" algn="l" rtl="0">
         <a:lnSpc>
           <a:spcPct val="100000"/>
         </a:lnSpc>
@@ -6346,7 +6497,7 @@
           <a:srgbClr val="000000"/>
         </a:buClr>
         <a:buFont typeface="Arial"/>
-        <a:defRPr b="0" i="0" sz="1400" u="none" cap="none" strike="noStrike">
+        <a:defRPr sz="1400" b="0" i="0" u="none" strike="noStrike" cap="none">
           <a:solidFill>
             <a:srgbClr val="000000"/>
           </a:solidFill>
@@ -6356,7 +6507,7 @@
           <a:sym typeface="Arial"/>
         </a:defRPr>
       </a:lvl8pPr>
-      <a:lvl9pPr lvl="8" marR="0" rtl="0" algn="l">
+      <a:lvl9pPr marR="0" lvl="8" algn="l" rtl="0">
         <a:lnSpc>
           <a:spcPct val="100000"/>
         </a:lnSpc>
@@ -6370,7 +6521,7 @@
           <a:srgbClr val="000000"/>
         </a:buClr>
         <a:buFont typeface="Arial"/>
-        <a:defRPr b="0" i="0" sz="1400" u="none" cap="none" strike="noStrike">
+        <a:defRPr sz="1400" b="0" i="0" u="none" strike="noStrike" cap="none">
           <a:solidFill>
             <a:srgbClr val="000000"/>
           </a:solidFill>
@@ -6382,7 +6533,7 @@
       </a:lvl9pPr>
     </p:bodyStyle>
     <p:otherStyle>
-      <a:defPPr lvl="0" marR="0" rtl="0" algn="l">
+      <a:defPPr marR="0" lvl="0" algn="l" rtl="0">
         <a:lnSpc>
           <a:spcPct val="100000"/>
         </a:lnSpc>
@@ -6393,7 +6544,7 @@
           <a:spcPts val="0"/>
         </a:spcAft>
       </a:defPPr>
-      <a:lvl1pPr lvl="0" marR="0" rtl="0" algn="l">
+      <a:lvl1pPr marR="0" lvl="0" algn="l" rtl="0">
         <a:lnSpc>
           <a:spcPct val="100000"/>
         </a:lnSpc>
@@ -6407,7 +6558,7 @@
           <a:srgbClr val="000000"/>
         </a:buClr>
         <a:buFont typeface="Arial"/>
-        <a:defRPr b="0" i="0" sz="1400" u="none" cap="none" strike="noStrike">
+        <a:defRPr sz="1400" b="0" i="0" u="none" strike="noStrike" cap="none">
           <a:solidFill>
             <a:srgbClr val="000000"/>
           </a:solidFill>
@@ -6417,7 +6568,7 @@
           <a:sym typeface="Arial"/>
         </a:defRPr>
       </a:lvl1pPr>
-      <a:lvl2pPr lvl="1" marR="0" rtl="0" algn="l">
+      <a:lvl2pPr marR="0" lvl="1" algn="l" rtl="0">
         <a:lnSpc>
           <a:spcPct val="100000"/>
         </a:lnSpc>
@@ -6431,7 +6582,7 @@
           <a:srgbClr val="000000"/>
         </a:buClr>
         <a:buFont typeface="Arial"/>
-        <a:defRPr b="0" i="0" sz="1400" u="none" cap="none" strike="noStrike">
+        <a:defRPr sz="1400" b="0" i="0" u="none" strike="noStrike" cap="none">
           <a:solidFill>
             <a:srgbClr val="000000"/>
           </a:solidFill>
@@ -6441,7 +6592,7 @@
           <a:sym typeface="Arial"/>
         </a:defRPr>
       </a:lvl2pPr>
-      <a:lvl3pPr lvl="2" marR="0" rtl="0" algn="l">
+      <a:lvl3pPr marR="0" lvl="2" algn="l" rtl="0">
         <a:lnSpc>
           <a:spcPct val="100000"/>
         </a:lnSpc>
@@ -6455,7 +6606,7 @@
           <a:srgbClr val="000000"/>
         </a:buClr>
         <a:buFont typeface="Arial"/>
-        <a:defRPr b="0" i="0" sz="1400" u="none" cap="none" strike="noStrike">
+        <a:defRPr sz="1400" b="0" i="0" u="none" strike="noStrike" cap="none">
           <a:solidFill>
             <a:srgbClr val="000000"/>
           </a:solidFill>
@@ -6465,7 +6616,7 @@
           <a:sym typeface="Arial"/>
         </a:defRPr>
       </a:lvl3pPr>
-      <a:lvl4pPr lvl="3" marR="0" rtl="0" algn="l">
+      <a:lvl4pPr marR="0" lvl="3" algn="l" rtl="0">
         <a:lnSpc>
           <a:spcPct val="100000"/>
         </a:lnSpc>
@@ -6479,7 +6630,7 @@
           <a:srgbClr val="000000"/>
         </a:buClr>
         <a:buFont typeface="Arial"/>
-        <a:defRPr b="0" i="0" sz="1400" u="none" cap="none" strike="noStrike">
+        <a:defRPr sz="1400" b="0" i="0" u="none" strike="noStrike" cap="none">
           <a:solidFill>
             <a:srgbClr val="000000"/>
           </a:solidFill>
@@ -6489,7 +6640,7 @@
           <a:sym typeface="Arial"/>
         </a:defRPr>
       </a:lvl4pPr>
-      <a:lvl5pPr lvl="4" marR="0" rtl="0" algn="l">
+      <a:lvl5pPr marR="0" lvl="4" algn="l" rtl="0">
         <a:lnSpc>
           <a:spcPct val="100000"/>
         </a:lnSpc>
@@ -6503,7 +6654,7 @@
           <a:srgbClr val="000000"/>
         </a:buClr>
         <a:buFont typeface="Arial"/>
-        <a:defRPr b="0" i="0" sz="1400" u="none" cap="none" strike="noStrike">
+        <a:defRPr sz="1400" b="0" i="0" u="none" strike="noStrike" cap="none">
           <a:solidFill>
             <a:srgbClr val="000000"/>
           </a:solidFill>
@@ -6513,7 +6664,7 @@
           <a:sym typeface="Arial"/>
         </a:defRPr>
       </a:lvl5pPr>
-      <a:lvl6pPr lvl="5" marR="0" rtl="0" algn="l">
+      <a:lvl6pPr marR="0" lvl="5" algn="l" rtl="0">
         <a:lnSpc>
           <a:spcPct val="100000"/>
         </a:lnSpc>
@@ -6527,7 +6678,7 @@
           <a:srgbClr val="000000"/>
         </a:buClr>
         <a:buFont typeface="Arial"/>
-        <a:defRPr b="0" i="0" sz="1400" u="none" cap="none" strike="noStrike">
+        <a:defRPr sz="1400" b="0" i="0" u="none" strike="noStrike" cap="none">
           <a:solidFill>
             <a:srgbClr val="000000"/>
           </a:solidFill>
@@ -6537,7 +6688,7 @@
           <a:sym typeface="Arial"/>
         </a:defRPr>
       </a:lvl6pPr>
-      <a:lvl7pPr lvl="6" marR="0" rtl="0" algn="l">
+      <a:lvl7pPr marR="0" lvl="6" algn="l" rtl="0">
         <a:lnSpc>
           <a:spcPct val="100000"/>
         </a:lnSpc>
@@ -6551,7 +6702,7 @@
           <a:srgbClr val="000000"/>
         </a:buClr>
         <a:buFont typeface="Arial"/>
-        <a:defRPr b="0" i="0" sz="1400" u="none" cap="none" strike="noStrike">
+        <a:defRPr sz="1400" b="0" i="0" u="none" strike="noStrike" cap="none">
           <a:solidFill>
             <a:srgbClr val="000000"/>
           </a:solidFill>
@@ -6561,7 +6712,7 @@
           <a:sym typeface="Arial"/>
         </a:defRPr>
       </a:lvl7pPr>
-      <a:lvl8pPr lvl="7" marR="0" rtl="0" algn="l">
+      <a:lvl8pPr marR="0" lvl="7" algn="l" rtl="0">
         <a:lnSpc>
           <a:spcPct val="100000"/>
         </a:lnSpc>
@@ -6575,7 +6726,7 @@
           <a:srgbClr val="000000"/>
         </a:buClr>
         <a:buFont typeface="Arial"/>
-        <a:defRPr b="0" i="0" sz="1400" u="none" cap="none" strike="noStrike">
+        <a:defRPr sz="1400" b="0" i="0" u="none" strike="noStrike" cap="none">
           <a:solidFill>
             <a:srgbClr val="000000"/>
           </a:solidFill>
@@ -6585,7 +6736,7 @@
           <a:sym typeface="Arial"/>
         </a:defRPr>
       </a:lvl8pPr>
-      <a:lvl9pPr lvl="8" marR="0" rtl="0" algn="l">
+      <a:lvl9pPr marR="0" lvl="8" algn="l" rtl="0">
         <a:lnSpc>
           <a:spcPct val="100000"/>
         </a:lnSpc>
@@ -6599,7 +6750,7 @@
           <a:srgbClr val="000000"/>
         </a:buClr>
         <a:buFont typeface="Arial"/>
-        <a:defRPr b="0" i="0" sz="1400" u="none" cap="none" strike="noStrike">
+        <a:defRPr sz="1400" b="0" i="0" u="none" strike="noStrike" cap="none">
           <a:solidFill>
             <a:srgbClr val="000000"/>
           </a:solidFill>
@@ -6615,7 +6766,7 @@
 </file>
 
 <file path=ppt/slides/slide1.xml><?xml version="1.0" encoding="utf-8"?>
-<p:sld xmlns:a="http://schemas.openxmlformats.org/drawingml/2006/main" xmlns:r="http://schemas.openxmlformats.org/officeDocument/2006/relationships" xmlns:mc="http://schemas.openxmlformats.org/markup-compatibility/2006" xmlns:mv="urn:schemas-microsoft-com:mac:vml" xmlns:p="http://schemas.openxmlformats.org/presentationml/2006/main" xmlns:c="http://schemas.openxmlformats.org/drawingml/2006/chart" xmlns:dgm="http://schemas.openxmlformats.org/drawingml/2006/diagram" xmlns:o="urn:schemas-microsoft-com:office:office" xmlns:v="urn:schemas-microsoft-com:vml" xmlns:pvml="urn:schemas-microsoft-com:office:powerpoint" xmlns:com="http://schemas.openxmlformats.org/drawingml/2006/compatibility" xmlns:p14="http://schemas.microsoft.com/office/powerpoint/2010/main" xmlns:p15="http://schemas.microsoft.com/office/powerpoint/2012/main" xmlns:ahyp="http://schemas.microsoft.com/office/drawing/2018/hyperlinkcolor">
+<p:sld xmlns:a="http://schemas.openxmlformats.org/drawingml/2006/main" xmlns:r="http://schemas.openxmlformats.org/officeDocument/2006/relationships" xmlns:p="http://schemas.openxmlformats.org/presentationml/2006/main">
   <p:cSld>
     <p:bg>
       <p:bgPr>
@@ -6627,11 +6778,12 @@
             <a:fillRect/>
           </a:stretch>
         </a:blipFill>
+        <a:effectLst/>
       </p:bgPr>
     </p:bg>
     <p:spTree>
       <p:nvGrpSpPr>
-        <p:cNvPr id="58" name="Shape 58"/>
+        <p:cNvPr id="1" name="Shape 58"/>
         <p:cNvGrpSpPr/>
         <p:nvPr/>
       </p:nvGrpSpPr>
@@ -6660,21 +6812,23 @@
         </p:spPr>
         <p:txBody>
           <a:bodyPr>
-            <a:prstTxWarp prst="textPlain"/>
+            <a:prstTxWarp prst="textPlain">
+              <a:avLst/>
+            </a:prstTxWarp>
           </a:bodyPr>
           <a:lstStyle/>
           <a:p>
             <a:pPr lvl="0" algn="ctr"/>
             <a:r>
               <a:rPr b="1" i="0">
-                <a:ln cap="flat" cmpd="sng" w="9525">
+                <a:ln w="9525" cap="flat" cmpd="sng">
                   <a:solidFill>
                     <a:schemeClr val="dk2"/>
                   </a:solidFill>
                   <a:prstDash val="solid"/>
                   <a:round/>
-                  <a:headEnd len="sm" w="sm" type="none"/>
-                  <a:tailEnd len="sm" w="sm" type="none"/>
+                  <a:headEnd type="none" w="sm" len="sm"/>
+                  <a:tailEnd type="none" w="sm" len="sm"/>
                 </a:ln>
                 <a:solidFill>
                   <a:srgbClr val="4C1130"/>
@@ -6685,14 +6839,14 @@
             </a:r>
             <a:br>
               <a:rPr b="1" i="0">
-                <a:ln cap="flat" cmpd="sng" w="9525">
+                <a:ln w="9525" cap="flat" cmpd="sng">
                   <a:solidFill>
                     <a:schemeClr val="dk2"/>
                   </a:solidFill>
                   <a:prstDash val="solid"/>
                   <a:round/>
-                  <a:headEnd len="sm" w="sm" type="none"/>
-                  <a:tailEnd len="sm" w="sm" type="none"/>
+                  <a:headEnd type="none" w="sm" len="sm"/>
+                  <a:tailEnd type="none" w="sm" len="sm"/>
                 </a:ln>
                 <a:solidFill>
                   <a:srgbClr val="4C1130"/>
@@ -6702,14 +6856,14 @@
             </a:br>
             <a:r>
               <a:rPr b="1" i="0">
-                <a:ln cap="flat" cmpd="sng" w="9525">
+                <a:ln w="9525" cap="flat" cmpd="sng">
                   <a:solidFill>
                     <a:schemeClr val="dk2"/>
                   </a:solidFill>
                   <a:prstDash val="solid"/>
                   <a:round/>
-                  <a:headEnd len="sm" w="sm" type="none"/>
-                  <a:tailEnd len="sm" w="sm" type="none"/>
+                  <a:headEnd type="none" w="sm" len="sm"/>
+                  <a:tailEnd type="none" w="sm" len="sm"/>
                 </a:ln>
                 <a:solidFill>
                   <a:srgbClr val="4C1130"/>
@@ -6741,12 +6895,12 @@
           </a:ln>
         </p:spPr>
         <p:txBody>
-          <a:bodyPr anchorCtr="0" anchor="t" bIns="91425" lIns="91425" spcFirstLastPara="1" rIns="91425" wrap="square" tIns="91425">
+          <a:bodyPr spcFirstLastPara="1" wrap="square" lIns="91425" tIns="91425" rIns="91425" bIns="91425" anchor="t" anchorCtr="0">
             <a:noAutofit/>
           </a:bodyPr>
           <a:lstStyle/>
           <a:p>
-            <a:pPr indent="0" lvl="0" marL="0" rtl="0" algn="l">
+            <a:pPr marL="0" lvl="0" indent="0" algn="l" rtl="0">
               <a:spcBef>
                 <a:spcPts val="0"/>
               </a:spcBef>
@@ -6756,7 +6910,7 @@
               <a:buNone/>
             </a:pPr>
             <a:r>
-              <a:rPr b="1" lang="en" sz="4600">
+              <a:rPr lang="en" sz="4600" b="1">
                 <a:solidFill>
                   <a:schemeClr val="lt1"/>
                 </a:solidFill>
@@ -6767,7 +6921,7 @@
               </a:rPr>
               <a:t>Hospital Management System</a:t>
             </a:r>
-            <a:endParaRPr b="1" sz="4600">
+            <a:endParaRPr sz="4600" b="1">
               <a:solidFill>
                 <a:schemeClr val="lt1"/>
               </a:solidFill>
@@ -6790,12 +6944,155 @@
 </p:sld>
 </file>
 
-<file path=ppt/slides/slide2.xml><?xml version="1.0" encoding="utf-8"?>
-<p:sld xmlns:a="http://schemas.openxmlformats.org/drawingml/2006/main" xmlns:r="http://schemas.openxmlformats.org/officeDocument/2006/relationships" xmlns:mc="http://schemas.openxmlformats.org/markup-compatibility/2006" xmlns:mv="urn:schemas-microsoft-com:mac:vml" xmlns:p="http://schemas.openxmlformats.org/presentationml/2006/main" xmlns:c="http://schemas.openxmlformats.org/drawingml/2006/chart" xmlns:dgm="http://schemas.openxmlformats.org/drawingml/2006/diagram" xmlns:o="urn:schemas-microsoft-com:office:office" xmlns:v="urn:schemas-microsoft-com:vml" xmlns:pvml="urn:schemas-microsoft-com:office:powerpoint" xmlns:com="http://schemas.openxmlformats.org/drawingml/2006/compatibility" xmlns:p14="http://schemas.microsoft.com/office/powerpoint/2010/main" xmlns:p15="http://schemas.microsoft.com/office/powerpoint/2012/main" xmlns:ahyp="http://schemas.microsoft.com/office/drawing/2018/hyperlinkcolor">
+<file path=ppt/slides/slide10.xml><?xml version="1.0" encoding="utf-8"?>
+<p:sld xmlns:a="http://schemas.openxmlformats.org/drawingml/2006/main" xmlns:r="http://schemas.openxmlformats.org/officeDocument/2006/relationships" xmlns:p="http://schemas.openxmlformats.org/presentationml/2006/main">
   <p:cSld>
     <p:spTree>
       <p:nvGrpSpPr>
-        <p:cNvPr id="64" name="Shape 64"/>
+        <p:cNvPr id="1" name="Shape 97"/>
+        <p:cNvGrpSpPr/>
+        <p:nvPr/>
+      </p:nvGrpSpPr>
+      <p:grpSpPr>
+        <a:xfrm>
+          <a:off x="0" y="0"/>
+          <a:ext cx="0" cy="0"/>
+          <a:chOff x="0" y="0"/>
+          <a:chExt cx="0" cy="0"/>
+        </a:xfrm>
+      </p:grpSpPr>
+      <p:sp>
+        <p:nvSpPr>
+          <p:cNvPr id="98" name="Google Shape;98;p19"/>
+          <p:cNvSpPr txBox="1">
+            <a:spLocks noGrp="1"/>
+          </p:cNvSpPr>
+          <p:nvPr>
+            <p:ph type="title"/>
+          </p:nvPr>
+        </p:nvSpPr>
+        <p:spPr>
+          <a:xfrm>
+            <a:off x="311700" y="1255275"/>
+            <a:ext cx="8520600" cy="1890600"/>
+          </a:xfrm>
+          <a:prstGeom prst="rect">
+            <a:avLst/>
+          </a:prstGeom>
+        </p:spPr>
+        <p:txBody>
+          <a:bodyPr spcFirstLastPara="1" wrap="square" lIns="91425" tIns="91425" rIns="91425" bIns="91425" anchor="b" anchorCtr="0">
+            <a:normAutofit/>
+          </a:bodyPr>
+          <a:lstStyle/>
+          <a:p>
+            <a:pPr marL="0" lvl="0" indent="0" algn="ctr" rtl="0">
+              <a:spcBef>
+                <a:spcPts val="0"/>
+              </a:spcBef>
+              <a:spcAft>
+                <a:spcPts val="0"/>
+              </a:spcAft>
+              <a:buSzPts val="990"/>
+              <a:buNone/>
+            </a:pPr>
+            <a:r>
+              <a:rPr lang="en" sz="9500">
+                <a:latin typeface="Comic Sans MS"/>
+                <a:ea typeface="Comic Sans MS"/>
+                <a:cs typeface="Comic Sans MS"/>
+                <a:sym typeface="Comic Sans MS"/>
+              </a:rPr>
+              <a:t>Thank You</a:t>
+            </a:r>
+            <a:endParaRPr sz="9500">
+              <a:latin typeface="Comic Sans MS"/>
+              <a:ea typeface="Comic Sans MS"/>
+              <a:cs typeface="Comic Sans MS"/>
+              <a:sym typeface="Comic Sans MS"/>
+            </a:endParaRPr>
+          </a:p>
+        </p:txBody>
+      </p:sp>
+      <p:sp>
+        <p:nvSpPr>
+          <p:cNvPr id="99" name="Google Shape;99;p19"/>
+          <p:cNvSpPr/>
+          <p:nvPr/>
+        </p:nvSpPr>
+        <p:spPr>
+          <a:xfrm>
+            <a:off x="1482625" y="2926100"/>
+            <a:ext cx="6452400" cy="497400"/>
+          </a:xfrm>
+          <a:prstGeom prst="mathMinus">
+            <a:avLst>
+              <a:gd name="adj1" fmla="val 23520"/>
+            </a:avLst>
+          </a:prstGeom>
+          <a:solidFill>
+            <a:schemeClr val="lt2"/>
+          </a:solidFill>
+          <a:ln w="9525" cap="flat" cmpd="sng">
+            <a:solidFill>
+              <a:schemeClr val="dk2"/>
+            </a:solidFill>
+            <a:prstDash val="solid"/>
+            <a:round/>
+            <a:headEnd type="none" w="sm" len="sm"/>
+            <a:tailEnd type="none" w="sm" len="sm"/>
+          </a:ln>
+        </p:spPr>
+        <p:txBody>
+          <a:bodyPr spcFirstLastPara="1" wrap="square" lIns="91425" tIns="91425" rIns="91425" bIns="91425" anchor="ctr" anchorCtr="0">
+            <a:noAutofit/>
+          </a:bodyPr>
+          <a:lstStyle/>
+          <a:p>
+            <a:pPr marL="0" lvl="0" indent="0" algn="ctr" rtl="0">
+              <a:spcBef>
+                <a:spcPts val="0"/>
+              </a:spcBef>
+              <a:spcAft>
+                <a:spcPts val="0"/>
+              </a:spcAft>
+              <a:buNone/>
+            </a:pPr>
+            <a:endParaRPr>
+              <a:latin typeface="Average"/>
+              <a:ea typeface="Average"/>
+              <a:cs typeface="Average"/>
+              <a:sym typeface="Average"/>
+            </a:endParaRPr>
+          </a:p>
+        </p:txBody>
+      </p:sp>
+    </p:spTree>
+  </p:cSld>
+  <p:clrMapOvr>
+    <a:masterClrMapping/>
+  </p:clrMapOvr>
+  <mc:AlternateContent xmlns:mc="http://schemas.openxmlformats.org/markup-compatibility/2006" xmlns:p14="http://schemas.microsoft.com/office/powerpoint/2010/main">
+    <mc:Choice Requires="p14">
+      <p:transition spd="med">
+        <p14:gallery dir="l"/>
+      </p:transition>
+    </mc:Choice>
+    <mc:Fallback xmlns:ahyp="http://schemas.microsoft.com/office/drawing/2018/hyperlinkcolor" xmlns:p15="http://schemas.microsoft.com/office/powerpoint/2012/main" xmlns:com="http://schemas.openxmlformats.org/drawingml/2006/compatibility" xmlns:pvml="urn:schemas-microsoft-com:office:powerpoint" xmlns:v="urn:schemas-microsoft-com:vml" xmlns:o="urn:schemas-microsoft-com:office:office" xmlns:dgm="http://schemas.openxmlformats.org/drawingml/2006/diagram" xmlns:c="http://schemas.openxmlformats.org/drawingml/2006/chart" xmlns:mv="urn:schemas-microsoft-com:mac:vml" xmlns="">
+      <p:transition spd="med">
+        <p:fade/>
+      </p:transition>
+    </mc:Fallback>
+  </mc:AlternateContent>
+</p:sld>
+</file>
+
+<file path=ppt/slides/slide2.xml><?xml version="1.0" encoding="utf-8"?>
+<p:sld xmlns:a="http://schemas.openxmlformats.org/drawingml/2006/main" xmlns:r="http://schemas.openxmlformats.org/officeDocument/2006/relationships" xmlns:p="http://schemas.openxmlformats.org/presentationml/2006/main">
+  <p:cSld>
+    <p:spTree>
+      <p:nvGrpSpPr>
+        <p:cNvPr id="1" name="Shape 64"/>
         <p:cNvGrpSpPr/>
         <p:nvPr/>
       </p:nvGrpSpPr>
@@ -6810,7 +7107,9 @@
       <p:sp>
         <p:nvSpPr>
           <p:cNvPr id="65" name="Google Shape;65;p14"/>
-          <p:cNvSpPr txBox="1"/>
+          <p:cNvSpPr txBox="1">
+            <a:spLocks noGrp="1"/>
+          </p:cNvSpPr>
           <p:nvPr>
             <p:ph type="title"/>
           </p:nvPr>
@@ -6825,12 +7124,12 @@
           </a:prstGeom>
         </p:spPr>
         <p:txBody>
-          <a:bodyPr anchorCtr="0" anchor="t" bIns="91425" lIns="91425" spcFirstLastPara="1" rIns="91425" wrap="square" tIns="91425">
+          <a:bodyPr spcFirstLastPara="1" wrap="square" lIns="91425" tIns="91425" rIns="91425" bIns="91425" anchor="t" anchorCtr="0">
             <a:normAutofit fontScale="90000"/>
           </a:bodyPr>
           <a:lstStyle/>
           <a:p>
-            <a:pPr indent="0" lvl="0" marL="0" rtl="0" algn="l">
+            <a:pPr marL="0" lvl="0" indent="0" rtl="0">
               <a:spcBef>
                 <a:spcPts val="0"/>
               </a:spcBef>
@@ -6840,7 +7139,7 @@
               <a:buNone/>
             </a:pPr>
             <a:r>
-              <a:rPr b="1" lang="en">
+              <a:rPr lang="en" b="1" dirty="0">
                 <a:solidFill>
                   <a:srgbClr val="FFF2CC"/>
                 </a:solidFill>
@@ -6849,10 +7148,10 @@
                 <a:cs typeface="Comic Sans MS"/>
                 <a:sym typeface="Comic Sans MS"/>
               </a:rPr>
-              <a:t>Introduction</a:t>
+              <a:t>Objective of the project</a:t>
             </a:r>
             <a:r>
-              <a:rPr b="1" lang="en">
+              <a:rPr lang="en" b="1" dirty="0">
                 <a:latin typeface="Comic Sans MS"/>
                 <a:ea typeface="Comic Sans MS"/>
                 <a:cs typeface="Comic Sans MS"/>
@@ -6860,7 +7159,100 @@
               </a:rPr>
               <a:t>:</a:t>
             </a:r>
-            <a:endParaRPr b="1">
+            <a:br>
+              <a:rPr lang="en" b="1" dirty="0">
+                <a:latin typeface="Comic Sans MS"/>
+                <a:ea typeface="Comic Sans MS"/>
+                <a:cs typeface="Comic Sans MS"/>
+                <a:sym typeface="Comic Sans MS"/>
+              </a:rPr>
+            </a:br>
+            <a:br>
+              <a:rPr lang="en" b="1" dirty="0">
+                <a:latin typeface="Comic Sans MS"/>
+                <a:ea typeface="Comic Sans MS"/>
+                <a:cs typeface="Comic Sans MS"/>
+                <a:sym typeface="Comic Sans MS"/>
+              </a:rPr>
+            </a:br>
+            <a:r>
+              <a:rPr lang="en" b="1" dirty="0">
+                <a:latin typeface="Comic Sans MS"/>
+                <a:ea typeface="Comic Sans MS"/>
+                <a:cs typeface="Comic Sans MS"/>
+                <a:sym typeface="Comic Sans MS"/>
+              </a:rPr>
+              <a:t>To perform CRUD Operations on Hospital Management System.</a:t>
+            </a:r>
+            <a:br>
+              <a:rPr lang="en" b="1" dirty="0">
+                <a:latin typeface="Comic Sans MS"/>
+                <a:ea typeface="Comic Sans MS"/>
+                <a:cs typeface="Comic Sans MS"/>
+                <a:sym typeface="Comic Sans MS"/>
+              </a:rPr>
+            </a:br>
+            <a:r>
+              <a:rPr lang="en" b="1" dirty="0">
+                <a:latin typeface="Comic Sans MS"/>
+                <a:ea typeface="Comic Sans MS"/>
+                <a:cs typeface="Comic Sans MS"/>
+                <a:sym typeface="Comic Sans MS"/>
+              </a:rPr>
+              <a:t>These include:</a:t>
+            </a:r>
+            <a:br>
+              <a:rPr lang="en" b="1" dirty="0">
+                <a:latin typeface="Comic Sans MS"/>
+                <a:ea typeface="Comic Sans MS"/>
+                <a:cs typeface="Comic Sans MS"/>
+                <a:sym typeface="Comic Sans MS"/>
+              </a:rPr>
+            </a:br>
+            <a:r>
+              <a:rPr lang="en" b="1" dirty="0">
+                <a:latin typeface="Comic Sans MS"/>
+                <a:ea typeface="Comic Sans MS"/>
+                <a:cs typeface="Comic Sans MS"/>
+                <a:sym typeface="Comic Sans MS"/>
+              </a:rPr>
+              <a:t>	1. Efficient Data Management</a:t>
+            </a:r>
+            <a:br>
+              <a:rPr lang="en" b="1" dirty="0">
+                <a:latin typeface="Comic Sans MS"/>
+                <a:ea typeface="Comic Sans MS"/>
+                <a:cs typeface="Comic Sans MS"/>
+                <a:sym typeface="Comic Sans MS"/>
+              </a:rPr>
+            </a:br>
+            <a:r>
+              <a:rPr lang="en" b="1" dirty="0">
+                <a:latin typeface="Comic Sans MS"/>
+                <a:ea typeface="Comic Sans MS"/>
+                <a:cs typeface="Comic Sans MS"/>
+                <a:sym typeface="Comic Sans MS"/>
+              </a:rPr>
+              <a:t>	2. Optimized Performance</a:t>
+            </a:r>
+            <a:br>
+              <a:rPr lang="en" b="1" dirty="0">
+                <a:latin typeface="Comic Sans MS"/>
+                <a:ea typeface="Comic Sans MS"/>
+                <a:cs typeface="Comic Sans MS"/>
+                <a:sym typeface="Comic Sans MS"/>
+              </a:rPr>
+            </a:br>
+            <a:r>
+              <a:rPr lang="en" b="1" dirty="0">
+                <a:latin typeface="Comic Sans MS"/>
+                <a:ea typeface="Comic Sans MS"/>
+                <a:cs typeface="Comic Sans MS"/>
+                <a:sym typeface="Comic Sans MS"/>
+              </a:rPr>
+              <a:t>	3. Secure Data Handling</a:t>
+            </a:r>
+            <a:endParaRPr b="1" dirty="0">
               <a:latin typeface="Comic Sans MS"/>
               <a:ea typeface="Comic Sans MS"/>
               <a:cs typeface="Comic Sans MS"/>
@@ -6872,9 +7264,11 @@
       <p:sp>
         <p:nvSpPr>
           <p:cNvPr id="66" name="Google Shape;66;p14"/>
-          <p:cNvSpPr txBox="1"/>
+          <p:cNvSpPr txBox="1">
+            <a:spLocks noGrp="1"/>
+          </p:cNvSpPr>
           <p:nvPr>
-            <p:ph idx="1" type="body"/>
+            <p:ph type="body" idx="1"/>
           </p:nvPr>
         </p:nvSpPr>
         <p:spPr>
@@ -6891,12 +7285,12 @@
           </a:ln>
         </p:spPr>
         <p:txBody>
-          <a:bodyPr anchorCtr="0" anchor="t" bIns="91425" lIns="91425" spcFirstLastPara="1" rIns="91425" wrap="square" tIns="91425">
+          <a:bodyPr spcFirstLastPara="1" wrap="square" lIns="91425" tIns="91425" rIns="91425" bIns="91425" anchor="t" anchorCtr="0">
             <a:normAutofit/>
           </a:bodyPr>
           <a:lstStyle/>
           <a:p>
-            <a:pPr indent="0" lvl="0" marL="0" rtl="0" algn="l">
+            <a:pPr marL="0" lvl="0" indent="0" algn="l" rtl="0">
               <a:spcBef>
                 <a:spcPts val="0"/>
               </a:spcBef>
@@ -6906,7 +7300,7 @@
               <a:buNone/>
             </a:pPr>
             <a:r>
-              <a:rPr b="1" lang="en">
+              <a:rPr lang="en" b="1" dirty="0">
                 <a:solidFill>
                   <a:schemeClr val="accent6"/>
                 </a:solidFill>
@@ -6915,9 +7309,20 @@
                 <a:cs typeface="Comic Sans MS"/>
                 <a:sym typeface="Comic Sans MS"/>
               </a:rPr>
-              <a:t> 	Hospital Management System is a system enabling hospital to manage information and data related to all aspects of healthcare – Doctors, Patients, Tests, Appointments, and many more</a:t>
+              <a:t> 	</a:t>
             </a:r>
-            <a:endParaRPr b="1">
+          </a:p>
+          <a:p>
+            <a:pPr marL="0" lvl="0" indent="0" algn="l" rtl="0">
+              <a:spcBef>
+                <a:spcPts val="1200"/>
+              </a:spcBef>
+              <a:spcAft>
+                <a:spcPts val="0"/>
+              </a:spcAft>
+              <a:buNone/>
+            </a:pPr>
+            <a:endParaRPr b="1" dirty="0">
               <a:solidFill>
                 <a:schemeClr val="accent6"/>
               </a:solidFill>
@@ -6925,175 +7330,6 @@
               <a:ea typeface="Comic Sans MS"/>
               <a:cs typeface="Comic Sans MS"/>
               <a:sym typeface="Comic Sans MS"/>
-            </a:endParaRPr>
-          </a:p>
-          <a:p>
-            <a:pPr indent="0" lvl="0" marL="0" rtl="0" algn="l">
-              <a:spcBef>
-                <a:spcPts val="1200"/>
-              </a:spcBef>
-              <a:spcAft>
-                <a:spcPts val="0"/>
-              </a:spcAft>
-              <a:buNone/>
-            </a:pPr>
-            <a:r>
-              <a:rPr b="1" lang="en">
-                <a:solidFill>
-                  <a:schemeClr val="accent6"/>
-                </a:solidFill>
-                <a:latin typeface="Comic Sans MS"/>
-                <a:ea typeface="Comic Sans MS"/>
-                <a:cs typeface="Comic Sans MS"/>
-                <a:sym typeface="Comic Sans MS"/>
-              </a:rPr>
-              <a:t>     Hospital Management System translates to being able to track patient history, provide better care, keep track of appointments, save patient data and tests data, enable doctors to check patient history, maintain patient care continuity, and save time and effort on unnecessary tedious manual tasks.</a:t>
-            </a:r>
-            <a:endParaRPr b="1" sz="2400">
-              <a:solidFill>
-                <a:schemeClr val="accent6"/>
-              </a:solidFill>
-              <a:latin typeface="Comic Sans MS"/>
-              <a:ea typeface="Comic Sans MS"/>
-              <a:cs typeface="Comic Sans MS"/>
-              <a:sym typeface="Comic Sans MS"/>
-            </a:endParaRPr>
-          </a:p>
-          <a:p>
-            <a:pPr indent="0" lvl="0" marL="0" rtl="0" algn="l">
-              <a:spcBef>
-                <a:spcPts val="1200"/>
-              </a:spcBef>
-              <a:spcAft>
-                <a:spcPts val="1200"/>
-              </a:spcAft>
-              <a:buNone/>
-            </a:pPr>
-            <a:r>
-              <a:t/>
-            </a:r>
-            <a:endParaRPr b="1">
-              <a:solidFill>
-                <a:schemeClr val="accent6"/>
-              </a:solidFill>
-              <a:latin typeface="Comic Sans MS"/>
-              <a:ea typeface="Comic Sans MS"/>
-              <a:cs typeface="Comic Sans MS"/>
-              <a:sym typeface="Comic Sans MS"/>
-            </a:endParaRPr>
-          </a:p>
-        </p:txBody>
-      </p:sp>
-      <p:sp>
-        <p:nvSpPr>
-          <p:cNvPr id="67" name="Google Shape;67;p14"/>
-          <p:cNvSpPr/>
-          <p:nvPr/>
-        </p:nvSpPr>
-        <p:spPr>
-          <a:xfrm>
-            <a:off x="429500" y="2441850"/>
-            <a:ext cx="411900" cy="129900"/>
-          </a:xfrm>
-          <a:prstGeom prst="rightArrow">
-            <a:avLst>
-              <a:gd fmla="val 50000" name="adj1"/>
-              <a:gd fmla="val 50000" name="adj2"/>
-            </a:avLst>
-          </a:prstGeom>
-          <a:solidFill>
-            <a:schemeClr val="lt2"/>
-          </a:solidFill>
-          <a:ln cap="flat" cmpd="sng" w="9525">
-            <a:solidFill>
-              <a:schemeClr val="dk2"/>
-            </a:solidFill>
-            <a:prstDash val="solid"/>
-            <a:round/>
-            <a:headEnd len="sm" w="sm" type="none"/>
-            <a:tailEnd len="sm" w="sm" type="none"/>
-          </a:ln>
-        </p:spPr>
-        <p:txBody>
-          <a:bodyPr anchorCtr="0" anchor="ctr" bIns="91425" lIns="91425" spcFirstLastPara="1" rIns="91425" wrap="square" tIns="91425">
-            <a:noAutofit/>
-          </a:bodyPr>
-          <a:lstStyle/>
-          <a:p>
-            <a:pPr indent="0" lvl="0" marL="0" rtl="0" algn="ctr">
-              <a:spcBef>
-                <a:spcPts val="0"/>
-              </a:spcBef>
-              <a:spcAft>
-                <a:spcPts val="0"/>
-              </a:spcAft>
-              <a:buNone/>
-            </a:pPr>
-            <a:r>
-              <a:t/>
-            </a:r>
-            <a:endParaRPr>
-              <a:latin typeface="Average"/>
-              <a:ea typeface="Average"/>
-              <a:cs typeface="Average"/>
-              <a:sym typeface="Average"/>
-            </a:endParaRPr>
-          </a:p>
-        </p:txBody>
-      </p:sp>
-      <p:sp>
-        <p:nvSpPr>
-          <p:cNvPr id="68" name="Google Shape;68;p14"/>
-          <p:cNvSpPr/>
-          <p:nvPr/>
-        </p:nvSpPr>
-        <p:spPr>
-          <a:xfrm>
-            <a:off x="429500" y="1324750"/>
-            <a:ext cx="411900" cy="129900"/>
-          </a:xfrm>
-          <a:prstGeom prst="rightArrow">
-            <a:avLst>
-              <a:gd fmla="val 50000" name="adj1"/>
-              <a:gd fmla="val 50000" name="adj2"/>
-            </a:avLst>
-          </a:prstGeom>
-          <a:solidFill>
-            <a:schemeClr val="lt2"/>
-          </a:solidFill>
-          <a:ln cap="flat" cmpd="sng" w="9525">
-            <a:solidFill>
-              <a:schemeClr val="dk2"/>
-            </a:solidFill>
-            <a:prstDash val="solid"/>
-            <a:round/>
-            <a:headEnd len="sm" w="sm" type="none"/>
-            <a:tailEnd len="sm" w="sm" type="none"/>
-          </a:ln>
-        </p:spPr>
-        <p:txBody>
-          <a:bodyPr anchorCtr="0" anchor="ctr" bIns="91425" lIns="91425" spcFirstLastPara="1" rIns="91425" wrap="square" tIns="91425">
-            <a:noAutofit/>
-          </a:bodyPr>
-          <a:lstStyle/>
-          <a:p>
-            <a:pPr indent="0" lvl="0" marL="0" rtl="0" algn="ctr">
-              <a:spcBef>
-                <a:spcPts val="0"/>
-              </a:spcBef>
-              <a:spcAft>
-                <a:spcPts val="0"/>
-              </a:spcAft>
-              <a:buNone/>
-            </a:pPr>
-            <a:r>
-              <a:t/>
-            </a:r>
-            <a:endParaRPr>
-              <a:latin typeface="Average"/>
-              <a:ea typeface="Average"/>
-              <a:cs typeface="Average"/>
-              <a:sym typeface="Average"/>
             </a:endParaRPr>
           </a:p>
         </p:txBody>
@@ -7110,11 +7346,188 @@
 </file>
 
 <file path=ppt/slides/slide3.xml><?xml version="1.0" encoding="utf-8"?>
-<p:sld xmlns:a="http://schemas.openxmlformats.org/drawingml/2006/main" xmlns:r="http://schemas.openxmlformats.org/officeDocument/2006/relationships" xmlns:mc="http://schemas.openxmlformats.org/markup-compatibility/2006" xmlns:mv="urn:schemas-microsoft-com:mac:vml" xmlns:p="http://schemas.openxmlformats.org/presentationml/2006/main" xmlns:c="http://schemas.openxmlformats.org/drawingml/2006/chart" xmlns:dgm="http://schemas.openxmlformats.org/drawingml/2006/diagram" xmlns:o="urn:schemas-microsoft-com:office:office" xmlns:v="urn:schemas-microsoft-com:vml" xmlns:pvml="urn:schemas-microsoft-com:office:powerpoint" xmlns:com="http://schemas.openxmlformats.org/drawingml/2006/compatibility" xmlns:p14="http://schemas.microsoft.com/office/powerpoint/2010/main" xmlns:p15="http://schemas.microsoft.com/office/powerpoint/2012/main" xmlns:ahyp="http://schemas.microsoft.com/office/drawing/2018/hyperlinkcolor">
+<p:sld xmlns:a="http://schemas.openxmlformats.org/drawingml/2006/main" xmlns:r="http://schemas.openxmlformats.org/officeDocument/2006/relationships" xmlns:p="http://schemas.openxmlformats.org/presentationml/2006/main">
   <p:cSld>
     <p:spTree>
       <p:nvGrpSpPr>
-        <p:cNvPr id="72" name="Shape 72"/>
+        <p:cNvPr id="1" name=""/>
+        <p:cNvGrpSpPr/>
+        <p:nvPr/>
+      </p:nvGrpSpPr>
+      <p:grpSpPr>
+        <a:xfrm>
+          <a:off x="0" y="0"/>
+          <a:ext cx="0" cy="0"/>
+          <a:chOff x="0" y="0"/>
+          <a:chExt cx="0" cy="0"/>
+        </a:xfrm>
+      </p:grpSpPr>
+      <p:sp>
+        <p:nvSpPr>
+          <p:cNvPr id="2" name="Title 1">
+            <a:extLst>
+              <a:ext uri="{FF2B5EF4-FFF2-40B4-BE49-F238E27FC236}">
+                <a16:creationId xmlns:a16="http://schemas.microsoft.com/office/drawing/2014/main" id="{230E298C-2335-2003-BB7B-DC7BFCF06227}"/>
+              </a:ext>
+            </a:extLst>
+          </p:cNvPr>
+          <p:cNvSpPr>
+            <a:spLocks noGrp="1"/>
+          </p:cNvSpPr>
+          <p:nvPr>
+            <p:ph type="title"/>
+          </p:nvPr>
+        </p:nvSpPr>
+        <p:spPr>
+          <a:xfrm>
+            <a:off x="490250" y="526350"/>
+            <a:ext cx="8337866" cy="4090800"/>
+          </a:xfrm>
+        </p:spPr>
+        <p:txBody>
+          <a:bodyPr>
+            <a:normAutofit fontScale="90000"/>
+          </a:bodyPr>
+          <a:lstStyle/>
+          <a:p>
+            <a:pPr marL="0" marR="0" indent="0" rtl="0">
+              <a:lnSpc>
+                <a:spcPct val="115000"/>
+              </a:lnSpc>
+              <a:spcBef>
+                <a:spcPts val="0"/>
+              </a:spcBef>
+              <a:spcAft>
+                <a:spcPts val="0"/>
+              </a:spcAft>
+            </a:pPr>
+            <a:r>
+              <a:rPr lang="en-US" sz="3100" b="1" i="0" dirty="0">
+                <a:solidFill>
+                  <a:schemeClr val="accent5"/>
+                </a:solidFill>
+                <a:effectLst/>
+                <a:latin typeface="Comic Sans MS" panose="030F0702030302020204" pitchFamily="66" charset="0"/>
+                <a:ea typeface="Comic Sans MS" panose="030F0702030302020204" pitchFamily="66" charset="0"/>
+                <a:cs typeface="Comic Sans MS" panose="030F0702030302020204" pitchFamily="66" charset="0"/>
+              </a:rPr>
+              <a:t>Introduction:</a:t>
+            </a:r>
+            <a:br>
+              <a:rPr lang="en-US" sz="1800" b="1" i="0" dirty="0">
+                <a:solidFill>
+                  <a:srgbClr val="F5F5F5"/>
+                </a:solidFill>
+                <a:effectLst/>
+                <a:latin typeface="Comic Sans MS" panose="030F0702030302020204" pitchFamily="66" charset="0"/>
+                <a:ea typeface="Comic Sans MS" panose="030F0702030302020204" pitchFamily="66" charset="0"/>
+                <a:cs typeface="Comic Sans MS" panose="030F0702030302020204" pitchFamily="66" charset="0"/>
+              </a:rPr>
+            </a:br>
+            <a:br>
+              <a:rPr lang="en-US" sz="1800" b="1" i="0" dirty="0">
+                <a:solidFill>
+                  <a:srgbClr val="F5F5F5"/>
+                </a:solidFill>
+                <a:effectLst/>
+                <a:latin typeface="Comic Sans MS" panose="030F0702030302020204" pitchFamily="66" charset="0"/>
+                <a:ea typeface="Comic Sans MS" panose="030F0702030302020204" pitchFamily="66" charset="0"/>
+                <a:cs typeface="Comic Sans MS" panose="030F0702030302020204" pitchFamily="66" charset="0"/>
+              </a:rPr>
+            </a:br>
+            <a:r>
+              <a:rPr lang="en-US" sz="2000" b="1" i="0" dirty="0">
+                <a:solidFill>
+                  <a:srgbClr val="F5F5F5"/>
+                </a:solidFill>
+                <a:effectLst/>
+                <a:latin typeface="Comic Sans MS" panose="030F0702030302020204" pitchFamily="66" charset="0"/>
+                <a:ea typeface="Comic Sans MS" panose="030F0702030302020204" pitchFamily="66" charset="0"/>
+                <a:cs typeface="Comic Sans MS" panose="030F0702030302020204" pitchFamily="66" charset="0"/>
+              </a:rPr>
+              <a:t>-&gt;</a:t>
+            </a:r>
+            <a:r>
+              <a:rPr lang="en-US" sz="1800" b="1" i="0" dirty="0">
+                <a:solidFill>
+                  <a:srgbClr val="F5F5F5"/>
+                </a:solidFill>
+                <a:effectLst/>
+                <a:latin typeface="Comic Sans MS" panose="030F0702030302020204" pitchFamily="66" charset="0"/>
+                <a:ea typeface="Comic Sans MS" panose="030F0702030302020204" pitchFamily="66" charset="0"/>
+                <a:cs typeface="Comic Sans MS" panose="030F0702030302020204" pitchFamily="66" charset="0"/>
+              </a:rPr>
+              <a:t> </a:t>
+            </a:r>
+            <a:r>
+              <a:rPr lang="en-US" sz="2000" b="1" i="0" dirty="0">
+                <a:solidFill>
+                  <a:srgbClr val="F5F5F5"/>
+                </a:solidFill>
+                <a:effectLst/>
+                <a:latin typeface="Comic Sans MS" panose="030F0702030302020204" pitchFamily="66" charset="0"/>
+                <a:ea typeface="Comic Sans MS" panose="030F0702030302020204" pitchFamily="66" charset="0"/>
+                <a:cs typeface="Comic Sans MS" panose="030F0702030302020204" pitchFamily="66" charset="0"/>
+              </a:rPr>
+              <a:t>Hospital Management System is a system enabling hospital to manage information and data related to all aspects of healthcare – Doctors, Patients, Tests, Appointments.</a:t>
+            </a:r>
+            <a:br>
+              <a:rPr lang="en-IN" sz="4900" dirty="0">
+                <a:effectLst/>
+              </a:rPr>
+            </a:br>
+            <a:r>
+              <a:rPr lang="en-US" sz="2000" b="1" dirty="0">
+                <a:solidFill>
+                  <a:srgbClr val="F5F5F5"/>
+                </a:solidFill>
+                <a:latin typeface="Comic Sans MS" panose="030F0702030302020204" pitchFamily="66" charset="0"/>
+              </a:rPr>
+              <a:t>-&gt; </a:t>
+            </a:r>
+            <a:r>
+              <a:rPr lang="en-US" sz="2000" b="1" i="0" dirty="0">
+                <a:solidFill>
+                  <a:srgbClr val="F5F5F5"/>
+                </a:solidFill>
+                <a:effectLst/>
+                <a:latin typeface="Comic Sans MS" panose="030F0702030302020204" pitchFamily="66" charset="0"/>
+                <a:ea typeface="Comic Sans MS" panose="030F0702030302020204" pitchFamily="66" charset="0"/>
+                <a:cs typeface="Comic Sans MS" panose="030F0702030302020204" pitchFamily="66" charset="0"/>
+              </a:rPr>
+              <a:t>Hospital Management System translates to being able to track patient history, provide better care, keep track of appointments, save patient data and tests data, enable doctors to check patient history. </a:t>
+            </a:r>
+            <a:br>
+              <a:rPr lang="en-IN" sz="4900" dirty="0">
+                <a:effectLst/>
+              </a:rPr>
+            </a:br>
+            <a:endParaRPr lang="en-IN" dirty="0"/>
+          </a:p>
+        </p:txBody>
+      </p:sp>
+    </p:spTree>
+    <p:extLst>
+      <p:ext uri="{BB962C8B-B14F-4D97-AF65-F5344CB8AC3E}">
+        <p14:creationId xmlns:p14="http://schemas.microsoft.com/office/powerpoint/2010/main" val="851551058"/>
+      </p:ext>
+    </p:extLst>
+  </p:cSld>
+  <p:clrMapOvr>
+    <a:masterClrMapping/>
+  </p:clrMapOvr>
+  <p:transition spd="slow">
+    <p:push dir="u"/>
+  </p:transition>
+</p:sld>
+</file>
+
+<file path=ppt/slides/slide4.xml><?xml version="1.0" encoding="utf-8"?>
+<p:sld xmlns:a="http://schemas.openxmlformats.org/drawingml/2006/main" xmlns:r="http://schemas.openxmlformats.org/officeDocument/2006/relationships" xmlns:p="http://schemas.openxmlformats.org/presentationml/2006/main">
+  <p:cSld>
+    <p:spTree>
+      <p:nvGrpSpPr>
+        <p:cNvPr id="1" name="Shape 72"/>
         <p:cNvGrpSpPr/>
         <p:nvPr/>
       </p:nvGrpSpPr>
@@ -7129,7 +7542,9 @@
       <p:sp>
         <p:nvSpPr>
           <p:cNvPr id="73" name="Google Shape;73;p15"/>
-          <p:cNvSpPr txBox="1"/>
+          <p:cNvSpPr txBox="1">
+            <a:spLocks noGrp="1"/>
+          </p:cNvSpPr>
           <p:nvPr>
             <p:ph type="title"/>
           </p:nvPr>
@@ -7144,12 +7559,12 @@
           </a:prstGeom>
         </p:spPr>
         <p:txBody>
-          <a:bodyPr anchorCtr="0" anchor="t" bIns="91425" lIns="91425" spcFirstLastPara="1" rIns="91425" wrap="square" tIns="91425">
+          <a:bodyPr spcFirstLastPara="1" wrap="square" lIns="91425" tIns="91425" rIns="91425" bIns="91425" anchor="t" anchorCtr="0">
             <a:normAutofit fontScale="90000"/>
           </a:bodyPr>
           <a:lstStyle/>
           <a:p>
-            <a:pPr indent="0" lvl="0" marL="0" rtl="0" algn="l">
+            <a:pPr marL="0" lvl="0" indent="0" algn="l" rtl="0">
               <a:spcBef>
                 <a:spcPts val="0"/>
               </a:spcBef>
@@ -7159,7 +7574,7 @@
               <a:buNone/>
             </a:pPr>
             <a:r>
-              <a:rPr b="1" lang="en">
+              <a:rPr lang="en" b="1">
                 <a:solidFill>
                   <a:srgbClr val="FFF2CC"/>
                 </a:solidFill>
@@ -7171,7 +7586,7 @@
               <a:t>Entities</a:t>
             </a:r>
             <a:r>
-              <a:rPr b="1" lang="en">
+              <a:rPr lang="en" b="1">
                 <a:latin typeface="Comic Sans MS"/>
                 <a:ea typeface="Comic Sans MS"/>
                 <a:cs typeface="Comic Sans MS"/>
@@ -7191,9 +7606,11 @@
       <p:sp>
         <p:nvSpPr>
           <p:cNvPr id="74" name="Google Shape;74;p15"/>
-          <p:cNvSpPr txBox="1"/>
+          <p:cNvSpPr txBox="1">
+            <a:spLocks noGrp="1"/>
+          </p:cNvSpPr>
           <p:nvPr>
-            <p:ph idx="1" type="body"/>
+            <p:ph type="body" idx="1"/>
           </p:nvPr>
         </p:nvSpPr>
         <p:spPr>
@@ -7206,12 +7623,12 @@
           </a:prstGeom>
         </p:spPr>
         <p:txBody>
-          <a:bodyPr anchorCtr="0" anchor="t" bIns="91425" lIns="91425" spcFirstLastPara="1" rIns="91425" wrap="square" tIns="91425">
+          <a:bodyPr spcFirstLastPara="1" wrap="square" lIns="91425" tIns="91425" rIns="91425" bIns="91425" anchor="t" anchorCtr="0">
             <a:normAutofit/>
           </a:bodyPr>
           <a:lstStyle/>
           <a:p>
-            <a:pPr indent="-342900" lvl="0" marL="457200" rtl="0" algn="l">
+            <a:pPr marL="457200" lvl="0" indent="-342900" algn="l" rtl="0">
               <a:spcBef>
                 <a:spcPts val="0"/>
               </a:spcBef>
@@ -7226,7 +7643,7 @@
               <a:buAutoNum type="arabicPeriod"/>
             </a:pPr>
             <a:r>
-              <a:rPr b="1" lang="en">
+              <a:rPr lang="en" b="1" dirty="0">
                 <a:solidFill>
                   <a:schemeClr val="dk1"/>
                 </a:solidFill>
@@ -7237,7 +7654,7 @@
               </a:rPr>
               <a:t>Doctor</a:t>
             </a:r>
-            <a:endParaRPr b="1">
+            <a:endParaRPr b="1" dirty="0">
               <a:solidFill>
                 <a:schemeClr val="dk1"/>
               </a:solidFill>
@@ -7248,7 +7665,7 @@
             </a:endParaRPr>
           </a:p>
           <a:p>
-            <a:pPr indent="-342900" lvl="0" marL="457200" rtl="0" algn="l">
+            <a:pPr marL="457200" lvl="0" indent="-342900" algn="l" rtl="0">
               <a:spcBef>
                 <a:spcPts val="0"/>
               </a:spcBef>
@@ -7263,7 +7680,7 @@
               <a:buAutoNum type="arabicPeriod"/>
             </a:pPr>
             <a:r>
-              <a:rPr b="1" lang="en">
+              <a:rPr lang="en" b="1" dirty="0">
                 <a:solidFill>
                   <a:schemeClr val="dk1"/>
                 </a:solidFill>
@@ -7274,7 +7691,7 @@
               </a:rPr>
               <a:t>Patient</a:t>
             </a:r>
-            <a:endParaRPr b="1">
+            <a:endParaRPr b="1" dirty="0">
               <a:solidFill>
                 <a:schemeClr val="dk1"/>
               </a:solidFill>
@@ -7285,7 +7702,7 @@
             </a:endParaRPr>
           </a:p>
           <a:p>
-            <a:pPr indent="0" lvl="0" marL="457200" rtl="0" algn="l">
+            <a:pPr marL="457200" lvl="0" indent="0" algn="l" rtl="0">
               <a:spcBef>
                 <a:spcPts val="1200"/>
               </a:spcBef>
@@ -7295,7 +7712,7 @@
               <a:buNone/>
             </a:pPr>
             <a:r>
-              <a:rPr b="1" lang="en">
+              <a:rPr lang="en" b="1" dirty="0">
                 <a:solidFill>
                   <a:schemeClr val="dk1"/>
                 </a:solidFill>
@@ -7306,7 +7723,7 @@
               </a:rPr>
               <a:t>1. In patient (IP)</a:t>
             </a:r>
-            <a:endParaRPr b="1">
+            <a:endParaRPr b="1" dirty="0">
               <a:solidFill>
                 <a:schemeClr val="dk1"/>
               </a:solidFill>
@@ -7317,7 +7734,7 @@
             </a:endParaRPr>
           </a:p>
           <a:p>
-            <a:pPr indent="0" lvl="0" marL="457200" rtl="0" algn="l">
+            <a:pPr marL="457200" lvl="0" indent="0" algn="l" rtl="0">
               <a:spcBef>
                 <a:spcPts val="1200"/>
               </a:spcBef>
@@ -7327,7 +7744,7 @@
               <a:buNone/>
             </a:pPr>
             <a:r>
-              <a:rPr b="1" lang="en">
+              <a:rPr lang="en" b="1" dirty="0">
                 <a:solidFill>
                   <a:schemeClr val="dk1"/>
                 </a:solidFill>
@@ -7338,7 +7755,7 @@
               </a:rPr>
               <a:t>2. Outpatient  (OP)</a:t>
             </a:r>
-            <a:endParaRPr b="1">
+            <a:endParaRPr b="1" dirty="0">
               <a:solidFill>
                 <a:schemeClr val="dk1"/>
               </a:solidFill>
@@ -7349,9 +7766,9 @@
             </a:endParaRPr>
           </a:p>
           <a:p>
-            <a:pPr indent="-342900" lvl="0" marL="457200" rtl="0" algn="l">
-              <a:spcBef>
-                <a:spcPts val="1200"/>
+            <a:pPr marL="114300" lvl="0" indent="0" algn="l" rtl="0">
+              <a:spcBef>
+                <a:spcPts val="0"/>
               </a:spcBef>
               <a:spcAft>
                 <a:spcPts val="0"/>
@@ -7360,11 +7777,10 @@
                 <a:schemeClr val="dk1"/>
               </a:buClr>
               <a:buSzPts val="1800"/>
-              <a:buFont typeface="Comic Sans MS"/>
-              <a:buAutoNum type="arabicPeriod"/>
+              <a:buNone/>
             </a:pPr>
             <a:r>
-              <a:rPr b="1" lang="en">
+              <a:rPr lang="en" b="1" dirty="0">
                 <a:solidFill>
                   <a:schemeClr val="dk1"/>
                 </a:solidFill>
@@ -7373,9 +7789,36 @@
                 <a:cs typeface="Comic Sans MS"/>
                 <a:sym typeface="Comic Sans MS"/>
               </a:rPr>
-              <a:t>Appointments</a:t>
+              <a:t>3. Appointment</a:t>
             </a:r>
-            <a:endParaRPr b="1">
+          </a:p>
+          <a:p>
+            <a:pPr marL="114300" lvl="0" indent="0" algn="l" rtl="0">
+              <a:spcBef>
+                <a:spcPts val="0"/>
+              </a:spcBef>
+              <a:spcAft>
+                <a:spcPts val="0"/>
+              </a:spcAft>
+              <a:buClr>
+                <a:schemeClr val="dk1"/>
+              </a:buClr>
+              <a:buSzPts val="1800"/>
+              <a:buNone/>
+            </a:pPr>
+            <a:r>
+              <a:rPr lang="en" b="1" dirty="0">
+                <a:solidFill>
+                  <a:schemeClr val="dk1"/>
+                </a:solidFill>
+                <a:latin typeface="Comic Sans MS"/>
+                <a:ea typeface="Comic Sans MS"/>
+                <a:cs typeface="Comic Sans MS"/>
+                <a:sym typeface="Comic Sans MS"/>
+              </a:rPr>
+              <a:t>4. Tests</a:t>
+            </a:r>
+            <a:endParaRPr b="1" dirty="0">
               <a:solidFill>
                 <a:schemeClr val="dk1"/>
               </a:solidFill>
@@ -7385,43 +7828,6 @@
               <a:sym typeface="Comic Sans MS"/>
             </a:endParaRPr>
           </a:p>
-          <a:p>
-            <a:pPr indent="-342900" lvl="0" marL="457200" rtl="0" algn="l">
-              <a:spcBef>
-                <a:spcPts val="0"/>
-              </a:spcBef>
-              <a:spcAft>
-                <a:spcPts val="0"/>
-              </a:spcAft>
-              <a:buClr>
-                <a:schemeClr val="dk1"/>
-              </a:buClr>
-              <a:buSzPts val="1800"/>
-              <a:buFont typeface="Comic Sans MS"/>
-              <a:buAutoNum type="arabicPeriod"/>
-            </a:pPr>
-            <a:r>
-              <a:rPr b="1" lang="en">
-                <a:solidFill>
-                  <a:schemeClr val="dk1"/>
-                </a:solidFill>
-                <a:latin typeface="Comic Sans MS"/>
-                <a:ea typeface="Comic Sans MS"/>
-                <a:cs typeface="Comic Sans MS"/>
-                <a:sym typeface="Comic Sans MS"/>
-              </a:rPr>
-              <a:t>Tests</a:t>
-            </a:r>
-            <a:endParaRPr b="1">
-              <a:solidFill>
-                <a:schemeClr val="dk1"/>
-              </a:solidFill>
-              <a:latin typeface="Comic Sans MS"/>
-              <a:ea typeface="Comic Sans MS"/>
-              <a:cs typeface="Comic Sans MS"/>
-              <a:sym typeface="Comic Sans MS"/>
-            </a:endParaRPr>
-          </a:p>
         </p:txBody>
       </p:sp>
     </p:spTree>
@@ -7429,18 +7835,115 @@
   <p:clrMapOvr>
     <a:masterClrMapping/>
   </p:clrMapOvr>
-  <p:transition spd="med">
-    <p:push/>
+  <p:transition spd="slow">
+    <p:wipe/>
   </p:transition>
 </p:sld>
 </file>
 
-<file path=ppt/slides/slide4.xml><?xml version="1.0" encoding="utf-8"?>
-<p:sld xmlns:a="http://schemas.openxmlformats.org/drawingml/2006/main" xmlns:r="http://schemas.openxmlformats.org/officeDocument/2006/relationships" xmlns:mc="http://schemas.openxmlformats.org/markup-compatibility/2006" xmlns:mv="urn:schemas-microsoft-com:mac:vml" xmlns:p="http://schemas.openxmlformats.org/presentationml/2006/main" xmlns:c="http://schemas.openxmlformats.org/drawingml/2006/chart" xmlns:dgm="http://schemas.openxmlformats.org/drawingml/2006/diagram" xmlns:o="urn:schemas-microsoft-com:office:office" xmlns:v="urn:schemas-microsoft-com:vml" xmlns:pvml="urn:schemas-microsoft-com:office:powerpoint" xmlns:com="http://schemas.openxmlformats.org/drawingml/2006/compatibility" xmlns:p14="http://schemas.microsoft.com/office/powerpoint/2010/main" xmlns:p15="http://schemas.microsoft.com/office/powerpoint/2012/main" xmlns:ahyp="http://schemas.microsoft.com/office/drawing/2018/hyperlinkcolor">
+<file path=ppt/slides/slide5.xml><?xml version="1.0" encoding="utf-8"?>
+<p:sld xmlns:a="http://schemas.openxmlformats.org/drawingml/2006/main" xmlns:r="http://schemas.openxmlformats.org/officeDocument/2006/relationships" xmlns:p="http://schemas.openxmlformats.org/presentationml/2006/main">
   <p:cSld>
     <p:spTree>
       <p:nvGrpSpPr>
-        <p:cNvPr id="78" name="Shape 78"/>
+        <p:cNvPr id="1" name=""/>
+        <p:cNvGrpSpPr/>
+        <p:nvPr/>
+      </p:nvGrpSpPr>
+      <p:grpSpPr>
+        <a:xfrm>
+          <a:off x="0" y="0"/>
+          <a:ext cx="0" cy="0"/>
+          <a:chOff x="0" y="0"/>
+          <a:chExt cx="0" cy="0"/>
+        </a:xfrm>
+      </p:grpSpPr>
+      <p:sp>
+        <p:nvSpPr>
+          <p:cNvPr id="2" name="Title 1">
+            <a:extLst>
+              <a:ext uri="{FF2B5EF4-FFF2-40B4-BE49-F238E27FC236}">
+                <a16:creationId xmlns:a16="http://schemas.microsoft.com/office/drawing/2014/main" id="{BD6809E5-C86F-BEF5-689F-3C46B2D64366}"/>
+              </a:ext>
+            </a:extLst>
+          </p:cNvPr>
+          <p:cNvSpPr>
+            <a:spLocks noGrp="1"/>
+          </p:cNvSpPr>
+          <p:nvPr>
+            <p:ph type="title"/>
+          </p:nvPr>
+        </p:nvSpPr>
+        <p:spPr/>
+        <p:txBody>
+          <a:bodyPr/>
+          <a:lstStyle/>
+          <a:p>
+            <a:endParaRPr lang="en-IN" dirty="0"/>
+          </a:p>
+        </p:txBody>
+      </p:sp>
+      <p:pic>
+        <p:nvPicPr>
+          <p:cNvPr id="4" name="Picture 3">
+            <a:extLst>
+              <a:ext uri="{FF2B5EF4-FFF2-40B4-BE49-F238E27FC236}">
+                <a16:creationId xmlns:a16="http://schemas.microsoft.com/office/drawing/2014/main" id="{E4FE91EF-FF58-EC72-0001-C3984D99F600}"/>
+              </a:ext>
+            </a:extLst>
+          </p:cNvPr>
+          <p:cNvPicPr>
+            <a:picLocks noChangeAspect="1"/>
+          </p:cNvPicPr>
+          <p:nvPr/>
+        </p:nvPicPr>
+        <p:blipFill>
+          <a:blip r:embed="rId2"/>
+          <a:stretch>
+            <a:fillRect/>
+          </a:stretch>
+        </p:blipFill>
+        <p:spPr>
+          <a:xfrm>
+            <a:off x="477331" y="340822"/>
+            <a:ext cx="8176420" cy="4270989"/>
+          </a:xfrm>
+          <a:prstGeom prst="rect">
+            <a:avLst/>
+          </a:prstGeom>
+        </p:spPr>
+      </p:pic>
+    </p:spTree>
+    <p:extLst>
+      <p:ext uri="{BB962C8B-B14F-4D97-AF65-F5344CB8AC3E}">
+        <p14:creationId xmlns:p14="http://schemas.microsoft.com/office/powerpoint/2010/main" val="272047027"/>
+      </p:ext>
+    </p:extLst>
+  </p:cSld>
+  <p:clrMapOvr>
+    <a:masterClrMapping/>
+  </p:clrMapOvr>
+  <mc:AlternateContent xmlns:mc="http://schemas.openxmlformats.org/markup-compatibility/2006">
+    <mc:Choice xmlns:p14="http://schemas.microsoft.com/office/powerpoint/2010/main" Requires="p14">
+      <p:transition spd="slow" p14:dur="1500">
+        <p:split orient="vert"/>
+      </p:transition>
+    </mc:Choice>
+    <mc:Fallback>
+      <p:transition spd="slow">
+        <p:split orient="vert"/>
+      </p:transition>
+    </mc:Fallback>
+  </mc:AlternateContent>
+</p:sld>
+</file>
+
+<file path=ppt/slides/slide6.xml><?xml version="1.0" encoding="utf-8"?>
+<p:sld xmlns:a="http://schemas.openxmlformats.org/drawingml/2006/main" xmlns:r="http://schemas.openxmlformats.org/officeDocument/2006/relationships" xmlns:p="http://schemas.openxmlformats.org/presentationml/2006/main">
+  <p:cSld>
+    <p:spTree>
+      <p:nvGrpSpPr>
+        <p:cNvPr id="1" name="Shape 78"/>
         <p:cNvGrpSpPr/>
         <p:nvPr/>
       </p:nvGrpSpPr>
@@ -7455,7 +7958,9 @@
       <p:sp>
         <p:nvSpPr>
           <p:cNvPr id="79" name="Google Shape;79;p16"/>
-          <p:cNvSpPr txBox="1"/>
+          <p:cNvSpPr txBox="1">
+            <a:spLocks noGrp="1"/>
+          </p:cNvSpPr>
           <p:nvPr>
             <p:ph type="title"/>
           </p:nvPr>
@@ -7470,12 +7975,12 @@
           </a:prstGeom>
         </p:spPr>
         <p:txBody>
-          <a:bodyPr anchorCtr="0" anchor="t" bIns="91425" lIns="91425" spcFirstLastPara="1" rIns="91425" wrap="square" tIns="91425">
-            <a:normAutofit fontScale="90000"/>
+          <a:bodyPr spcFirstLastPara="1" wrap="square" lIns="91425" tIns="91425" rIns="91425" bIns="91425" anchor="t" anchorCtr="0">
+            <a:normAutofit/>
           </a:bodyPr>
           <a:lstStyle/>
           <a:p>
-            <a:pPr indent="0" lvl="0" marL="0" rtl="0" algn="l">
+            <a:pPr marL="0" lvl="0" indent="0" algn="l" rtl="0">
               <a:spcBef>
                 <a:spcPts val="0"/>
               </a:spcBef>
@@ -7485,15 +7990,15 @@
               <a:buNone/>
             </a:pPr>
             <a:r>
-              <a:rPr b="1" lang="en" sz="2400">
+              <a:rPr lang="en" sz="2400" b="1" dirty="0">
                 <a:latin typeface="Comic Sans MS"/>
                 <a:ea typeface="Comic Sans MS"/>
                 <a:cs typeface="Comic Sans MS"/>
                 <a:sym typeface="Comic Sans MS"/>
               </a:rPr>
-              <a:t>Features of Hospital Management System:</a:t>
+              <a:t>Attributes of Hospital Management System:</a:t>
             </a:r>
-            <a:endParaRPr b="1" sz="2400">
+            <a:endParaRPr sz="2400" b="1" dirty="0">
               <a:latin typeface="Comic Sans MS"/>
               <a:ea typeface="Comic Sans MS"/>
               <a:cs typeface="Comic Sans MS"/>
@@ -7501,7 +8006,7 @@
             </a:endParaRPr>
           </a:p>
           <a:p>
-            <a:pPr indent="0" lvl="0" marL="0" rtl="0" algn="l">
+            <a:pPr marL="0" lvl="0" indent="0" algn="l" rtl="0">
               <a:spcBef>
                 <a:spcPts val="0"/>
               </a:spcBef>
@@ -7510,10 +8015,7 @@
               </a:spcAft>
               <a:buNone/>
             </a:pPr>
-            <a:r>
-              <a:t/>
-            </a:r>
-            <a:endParaRPr b="1" sz="2400">
+            <a:endParaRPr sz="2400" b="1" dirty="0">
               <a:latin typeface="Comic Sans MS"/>
               <a:ea typeface="Comic Sans MS"/>
               <a:cs typeface="Comic Sans MS"/>
@@ -7521,7 +8023,7 @@
             </a:endParaRPr>
           </a:p>
           <a:p>
-            <a:pPr indent="0" lvl="0" marL="0" rtl="0" algn="l">
+            <a:pPr marL="0" lvl="0" indent="0" algn="l" rtl="0">
               <a:spcBef>
                 <a:spcPts val="0"/>
               </a:spcBef>
@@ -7530,19 +8032,18 @@
               </a:spcAft>
               <a:buNone/>
             </a:pPr>
-            <a:r>
-              <a:t/>
-            </a:r>
-            <a:endParaRPr/>
+            <a:endParaRPr dirty="0"/>
           </a:p>
         </p:txBody>
       </p:sp>
       <p:sp>
         <p:nvSpPr>
           <p:cNvPr id="80" name="Google Shape;80;p16"/>
-          <p:cNvSpPr txBox="1"/>
+          <p:cNvSpPr txBox="1">
+            <a:spLocks noGrp="1"/>
+          </p:cNvSpPr>
           <p:nvPr>
-            <p:ph idx="1" type="body"/>
+            <p:ph type="body" idx="1"/>
           </p:nvPr>
         </p:nvSpPr>
         <p:spPr>
@@ -7555,12 +8056,12 @@
           </a:prstGeom>
         </p:spPr>
         <p:txBody>
-          <a:bodyPr anchorCtr="0" anchor="t" bIns="91425" lIns="91425" spcFirstLastPara="1" rIns="91425" wrap="square" tIns="91425">
+          <a:bodyPr spcFirstLastPara="1" wrap="square" lIns="91425" tIns="91425" rIns="91425" bIns="91425" anchor="t" anchorCtr="0">
             <a:noAutofit/>
           </a:bodyPr>
           <a:lstStyle/>
           <a:p>
-            <a:pPr indent="-333375" lvl="0" marL="457200" rtl="0" algn="l">
+            <a:pPr marL="457200" lvl="0" indent="-333375" algn="l" rtl="0">
               <a:spcBef>
                 <a:spcPts val="0"/>
               </a:spcBef>
@@ -7575,7 +8076,7 @@
               <a:buAutoNum type="arabicPeriod"/>
             </a:pPr>
             <a:r>
-              <a:rPr b="1" lang="en" sz="1650">
+              <a:rPr lang="en" sz="1650" b="1" u="sng" dirty="0">
                 <a:solidFill>
                   <a:srgbClr val="FFFFFF"/>
                 </a:solidFill>
@@ -7586,7 +8087,7 @@
               </a:rPr>
               <a:t>Doctor</a:t>
             </a:r>
-            <a:endParaRPr b="1" sz="1650">
+            <a:endParaRPr sz="1650" b="1" u="sng" dirty="0">
               <a:solidFill>
                 <a:srgbClr val="FFFFFF"/>
               </a:solidFill>
@@ -7597,7 +8098,10 @@
             </a:endParaRPr>
           </a:p>
           <a:p>
-            <a:pPr indent="0" lvl="0" marL="457200" rtl="0" algn="l">
+            <a:pPr marL="457200" lvl="0" indent="0" algn="l" rtl="0">
+              <a:lnSpc>
+                <a:spcPct val="138000"/>
+              </a:lnSpc>
               <a:spcBef>
                 <a:spcPts val="0"/>
               </a:spcBef>
@@ -7607,9 +8111,18 @@
               <a:buNone/>
             </a:pPr>
             <a:r>
-              <a:t/>
+              <a:rPr lang="en-US" sz="1650" dirty="0" err="1">
+                <a:solidFill>
+                  <a:srgbClr val="FFFFFF"/>
+                </a:solidFill>
+                <a:latin typeface="Comic Sans MS"/>
+                <a:ea typeface="Comic Sans MS"/>
+                <a:cs typeface="Comic Sans MS"/>
+                <a:sym typeface="Comic Sans MS"/>
+              </a:rPr>
+              <a:t>doctor_id</a:t>
             </a:r>
-            <a:endParaRPr b="1" sz="1650">
+            <a:endParaRPr lang="en-US" sz="1650" dirty="0">
               <a:solidFill>
                 <a:srgbClr val="FFFFFF"/>
               </a:solidFill>
@@ -7620,7 +8133,7 @@
             </a:endParaRPr>
           </a:p>
           <a:p>
-            <a:pPr indent="0" lvl="0" marL="457200" rtl="0" algn="l">
+            <a:pPr marL="457200" lvl="0" indent="0" algn="l" rtl="0">
               <a:lnSpc>
                 <a:spcPct val="138000"/>
               </a:lnSpc>
@@ -7633,7 +8146,7 @@
               <a:buNone/>
             </a:pPr>
             <a:r>
-              <a:rPr lang="en" sz="1650">
+              <a:rPr lang="en-US" sz="1650" dirty="0">
                 <a:solidFill>
                   <a:srgbClr val="FFFFFF"/>
                 </a:solidFill>
@@ -7642,9 +8155,35 @@
                 <a:cs typeface="Comic Sans MS"/>
                 <a:sym typeface="Comic Sans MS"/>
               </a:rPr>
-              <a:t>i.  Create New Doctor</a:t>
+              <a:t>name</a:t>
             </a:r>
-            <a:endParaRPr sz="1650">
+          </a:p>
+          <a:p>
+            <a:pPr marL="457200" lvl="0" indent="0" algn="l" rtl="0">
+              <a:lnSpc>
+                <a:spcPct val="138000"/>
+              </a:lnSpc>
+              <a:spcBef>
+                <a:spcPts val="0"/>
+              </a:spcBef>
+              <a:spcAft>
+                <a:spcPts val="0"/>
+              </a:spcAft>
+              <a:buNone/>
+            </a:pPr>
+            <a:r>
+              <a:rPr lang="en-US" sz="1650" dirty="0" err="1">
+                <a:solidFill>
+                  <a:srgbClr val="FFFFFF"/>
+                </a:solidFill>
+                <a:latin typeface="Comic Sans MS"/>
+                <a:ea typeface="Comic Sans MS"/>
+                <a:cs typeface="Comic Sans MS"/>
+                <a:sym typeface="Comic Sans MS"/>
+              </a:rPr>
+              <a:t>working_hours</a:t>
+            </a:r>
+            <a:endParaRPr lang="en-US" sz="1650" dirty="0">
               <a:solidFill>
                 <a:srgbClr val="FFFFFF"/>
               </a:solidFill>
@@ -7655,12 +8194,12 @@
             </a:endParaRPr>
           </a:p>
           <a:p>
-            <a:pPr indent="0" lvl="0" marL="457200" rtl="0" algn="l">
+            <a:pPr marL="457200" lvl="0" indent="0" algn="l" rtl="0">
               <a:lnSpc>
                 <a:spcPct val="138000"/>
               </a:lnSpc>
               <a:spcBef>
-                <a:spcPts val="1200"/>
+                <a:spcPts val="0"/>
               </a:spcBef>
               <a:spcAft>
                 <a:spcPts val="0"/>
@@ -7668,7 +8207,7 @@
               <a:buNone/>
             </a:pPr>
             <a:r>
-              <a:rPr lang="en" sz="1650">
+              <a:rPr lang="en-US" sz="1650" dirty="0">
                 <a:solidFill>
                   <a:srgbClr val="FFFFFF"/>
                 </a:solidFill>
@@ -7677,9 +8216,35 @@
                 <a:cs typeface="Comic Sans MS"/>
                 <a:sym typeface="Comic Sans MS"/>
               </a:rPr>
-              <a:t>ii.  Get Doctor details using doctor id</a:t>
+              <a:t>specialization</a:t>
             </a:r>
-            <a:endParaRPr sz="1650">
+          </a:p>
+          <a:p>
+            <a:pPr marL="457200" lvl="0" indent="0" algn="l" rtl="0">
+              <a:lnSpc>
+                <a:spcPct val="138000"/>
+              </a:lnSpc>
+              <a:spcBef>
+                <a:spcPts val="0"/>
+              </a:spcBef>
+              <a:spcAft>
+                <a:spcPts val="0"/>
+              </a:spcAft>
+              <a:buNone/>
+            </a:pPr>
+            <a:r>
+              <a:rPr lang="en-US" sz="1650" dirty="0" err="1">
+                <a:solidFill>
+                  <a:srgbClr val="FFFFFF"/>
+                </a:solidFill>
+                <a:latin typeface="Comic Sans MS"/>
+                <a:ea typeface="Comic Sans MS"/>
+                <a:cs typeface="Comic Sans MS"/>
+                <a:sym typeface="Comic Sans MS"/>
+              </a:rPr>
+              <a:t>contact_no</a:t>
+            </a:r>
+            <a:endParaRPr lang="en-US" sz="1650" dirty="0">
               <a:solidFill>
                 <a:srgbClr val="FFFFFF"/>
               </a:solidFill>
@@ -7690,12 +8255,12 @@
             </a:endParaRPr>
           </a:p>
           <a:p>
-            <a:pPr indent="0" lvl="0" marL="457200" rtl="0" algn="l">
+            <a:pPr marL="457200" lvl="0" indent="0" algn="l" rtl="0">
               <a:lnSpc>
                 <a:spcPct val="138000"/>
               </a:lnSpc>
               <a:spcBef>
-                <a:spcPts val="1200"/>
+                <a:spcPts val="0"/>
               </a:spcBef>
               <a:spcAft>
                 <a:spcPts val="0"/>
@@ -7703,7 +8268,7 @@
               <a:buNone/>
             </a:pPr>
             <a:r>
-              <a:rPr lang="en" sz="1650">
+              <a:rPr lang="en-US" sz="1650" dirty="0" err="1">
                 <a:solidFill>
                   <a:srgbClr val="FFFFFF"/>
                 </a:solidFill>
@@ -7712,9 +8277,9 @@
                 <a:cs typeface="Comic Sans MS"/>
                 <a:sym typeface="Comic Sans MS"/>
               </a:rPr>
-              <a:t>iii. Get All Doctors List</a:t>
+              <a:t>experience_yrs</a:t>
             </a:r>
-            <a:endParaRPr sz="1650">
+            <a:endParaRPr lang="en-US" sz="1650" dirty="0">
               <a:solidFill>
                 <a:srgbClr val="FFFFFF"/>
               </a:solidFill>
@@ -7725,12 +8290,12 @@
             </a:endParaRPr>
           </a:p>
           <a:p>
-            <a:pPr indent="0" lvl="0" marL="457200" rtl="0" algn="l">
+            <a:pPr marL="457200" lvl="0" indent="0" algn="l" rtl="0">
               <a:lnSpc>
                 <a:spcPct val="138000"/>
               </a:lnSpc>
               <a:spcBef>
-                <a:spcPts val="1200"/>
+                <a:spcPts val="0"/>
               </a:spcBef>
               <a:spcAft>
                 <a:spcPts val="0"/>
@@ -7738,7 +8303,7 @@
               <a:buNone/>
             </a:pPr>
             <a:r>
-              <a:rPr lang="en" sz="1650">
+              <a:rPr lang="en-US" sz="1650" dirty="0">
                 <a:solidFill>
                   <a:srgbClr val="FFFFFF"/>
                 </a:solidFill>
@@ -7747,9 +8312,9 @@
                 <a:cs typeface="Comic Sans MS"/>
                 <a:sym typeface="Comic Sans MS"/>
               </a:rPr>
-              <a:t>iv. Update Doctor</a:t>
+              <a:t>status</a:t>
             </a:r>
-            <a:endParaRPr sz="1650">
+            <a:endParaRPr lang="en-IN" sz="1650" dirty="0">
               <a:solidFill>
                 <a:srgbClr val="FFFFFF"/>
               </a:solidFill>
@@ -7760,86 +8325,27 @@
             </a:endParaRPr>
           </a:p>
           <a:p>
-            <a:pPr indent="0" lvl="0" marL="457200" rtl="0" algn="l">
-              <a:lnSpc>
-                <a:spcPct val="138000"/>
-              </a:lnSpc>
-              <a:spcBef>
+            <a:pPr marL="0" lvl="0" indent="0" algn="l" rtl="0">
+              <a:spcBef>
+                <a:spcPts val="0"/>
+              </a:spcBef>
+              <a:spcAft>
                 <a:spcPts val="1200"/>
-              </a:spcBef>
-              <a:spcAft>
-                <a:spcPts val="0"/>
               </a:spcAft>
               <a:buNone/>
             </a:pPr>
-            <a:r>
-              <a:rPr lang="en" sz="1650">
-                <a:solidFill>
-                  <a:srgbClr val="FFFFFF"/>
-                </a:solidFill>
-                <a:latin typeface="Comic Sans MS"/>
-                <a:ea typeface="Comic Sans MS"/>
-                <a:cs typeface="Comic Sans MS"/>
-                <a:sym typeface="Comic Sans MS"/>
-              </a:rPr>
-              <a:t>v. Delete Doctor from database</a:t>
-            </a:r>
-            <a:endParaRPr sz="1650">
-              <a:solidFill>
-                <a:srgbClr val="FFFFFF"/>
-              </a:solidFill>
-              <a:latin typeface="Comic Sans MS"/>
-              <a:ea typeface="Comic Sans MS"/>
-              <a:cs typeface="Comic Sans MS"/>
-              <a:sym typeface="Comic Sans MS"/>
-            </a:endParaRPr>
-          </a:p>
-          <a:p>
-            <a:pPr indent="0" lvl="0" marL="0" rtl="0" algn="l">
-              <a:spcBef>
-                <a:spcPts val="1200"/>
-              </a:spcBef>
-              <a:spcAft>
-                <a:spcPts val="0"/>
-              </a:spcAft>
-              <a:buNone/>
-            </a:pPr>
-            <a:r>
-              <a:t/>
-            </a:r>
-            <a:endParaRPr sz="1650">
-              <a:solidFill>
-                <a:srgbClr val="FFFFFF"/>
-              </a:solidFill>
-              <a:latin typeface="Comic Sans MS"/>
-              <a:ea typeface="Comic Sans MS"/>
-              <a:cs typeface="Comic Sans MS"/>
-              <a:sym typeface="Comic Sans MS"/>
-            </a:endParaRPr>
-          </a:p>
-          <a:p>
-            <a:pPr indent="0" lvl="0" marL="0" rtl="0" algn="l">
-              <a:spcBef>
-                <a:spcPts val="0"/>
-              </a:spcBef>
-              <a:spcAft>
-                <a:spcPts val="1200"/>
-              </a:spcAft>
-              <a:buNone/>
-            </a:pPr>
-            <a:r>
-              <a:t/>
-            </a:r>
-            <a:endParaRPr sz="1650"/>
+            <a:endParaRPr sz="1650" dirty="0"/>
           </a:p>
         </p:txBody>
       </p:sp>
       <p:sp>
         <p:nvSpPr>
           <p:cNvPr id="81" name="Google Shape;81;p16"/>
-          <p:cNvSpPr txBox="1"/>
+          <p:cNvSpPr txBox="1">
+            <a:spLocks noGrp="1"/>
+          </p:cNvSpPr>
           <p:nvPr>
-            <p:ph idx="2" type="body"/>
+            <p:ph type="body" idx="2"/>
           </p:nvPr>
         </p:nvSpPr>
         <p:spPr>
@@ -7852,12 +8358,12 @@
           </a:prstGeom>
         </p:spPr>
         <p:txBody>
-          <a:bodyPr anchorCtr="0" anchor="t" bIns="91425" lIns="91425" spcFirstLastPara="1" rIns="91425" wrap="square" tIns="91425">
+          <a:bodyPr spcFirstLastPara="1" wrap="square" lIns="91425" tIns="91425" rIns="91425" bIns="91425" anchor="t" anchorCtr="0">
             <a:noAutofit/>
           </a:bodyPr>
           <a:lstStyle/>
           <a:p>
-            <a:pPr indent="0" lvl="0" marL="0" rtl="0" algn="l">
+            <a:pPr marL="0" lvl="0" indent="0" algn="l" rtl="0">
               <a:lnSpc>
                 <a:spcPct val="105000"/>
               </a:lnSpc>
@@ -7870,19 +8376,7 @@
               <a:buSzPts val="688"/>
               <a:buNone/>
             </a:pPr>
-            <a:r>
-              <a:rPr b="1" lang="en" sz="1650">
-                <a:solidFill>
-                  <a:srgbClr val="FFFFFF"/>
-                </a:solidFill>
-                <a:latin typeface="Comic Sans MS"/>
-                <a:ea typeface="Comic Sans MS"/>
-                <a:cs typeface="Comic Sans MS"/>
-                <a:sym typeface="Comic Sans MS"/>
-              </a:rPr>
-              <a:t>2. Appointment</a:t>
-            </a:r>
-            <a:endParaRPr b="1" sz="1650">
+            <a:endParaRPr lang="en" sz="1650" b="1" dirty="0">
               <a:solidFill>
                 <a:srgbClr val="FFFFFF"/>
               </a:solidFill>
@@ -7893,7 +8387,7 @@
             </a:endParaRPr>
           </a:p>
           <a:p>
-            <a:pPr indent="0" lvl="0" marL="0" rtl="0" algn="l">
+            <a:pPr marL="0" lvl="0" indent="0" algn="l" rtl="0">
               <a:lnSpc>
                 <a:spcPct val="105000"/>
               </a:lnSpc>
@@ -7907,9 +8401,30 @@
               <a:buNone/>
             </a:pPr>
             <a:r>
-              <a:t/>
+              <a:rPr lang="en" sz="1650" b="1" dirty="0">
+                <a:solidFill>
+                  <a:srgbClr val="FFFFFF"/>
+                </a:solidFill>
+                <a:latin typeface="Comic Sans MS"/>
+                <a:ea typeface="Comic Sans MS"/>
+                <a:cs typeface="Comic Sans MS"/>
+                <a:sym typeface="Comic Sans MS"/>
+              </a:rPr>
+              <a:t>2. </a:t>
             </a:r>
-            <a:endParaRPr b="1" sz="1650">
+            <a:r>
+              <a:rPr lang="en" sz="1650" b="1" u="sng" dirty="0">
+                <a:solidFill>
+                  <a:srgbClr val="FFFFFF"/>
+                </a:solidFill>
+                <a:latin typeface="Comic Sans MS"/>
+                <a:ea typeface="Comic Sans MS"/>
+                <a:cs typeface="Comic Sans MS"/>
+                <a:sym typeface="Comic Sans MS"/>
+              </a:rPr>
+              <a:t>Appointment</a:t>
+            </a:r>
+            <a:endParaRPr lang="en-IN" sz="1650" u="sng" dirty="0">
               <a:solidFill>
                 <a:srgbClr val="FFFFFF"/>
               </a:solidFill>
@@ -7920,12 +8435,12 @@
             </a:endParaRPr>
           </a:p>
           <a:p>
-            <a:pPr indent="0" lvl="0" marL="457200" rtl="0" algn="l">
+            <a:pPr marL="0" lvl="0" indent="0" algn="l" rtl="0">
               <a:lnSpc>
-                <a:spcPct val="128000"/>
+                <a:spcPct val="105000"/>
               </a:lnSpc>
               <a:spcBef>
-                <a:spcPts val="0"/>
+                <a:spcPts val="1200"/>
               </a:spcBef>
               <a:spcAft>
                 <a:spcPts val="0"/>
@@ -7934,7 +8449,7 @@
               <a:buNone/>
             </a:pPr>
             <a:r>
-              <a:rPr lang="en" sz="1650">
+              <a:rPr lang="en-US" sz="1650" dirty="0" err="1">
                 <a:solidFill>
                   <a:srgbClr val="FFFFFF"/>
                 </a:solidFill>
@@ -7943,9 +8458,9 @@
                 <a:cs typeface="Comic Sans MS"/>
                 <a:sym typeface="Comic Sans MS"/>
               </a:rPr>
-              <a:t>i.  Create New Appointment</a:t>
+              <a:t>appointment_id</a:t>
             </a:r>
-            <a:endParaRPr sz="1650">
+            <a:endParaRPr lang="en-US" sz="1650" dirty="0">
               <a:solidFill>
                 <a:srgbClr val="FFFFFF"/>
               </a:solidFill>
@@ -7956,9 +8471,9 @@
             </a:endParaRPr>
           </a:p>
           <a:p>
-            <a:pPr indent="0" lvl="0" marL="457200" rtl="0" algn="l">
+            <a:pPr marL="0" lvl="0" indent="0" algn="l" rtl="0">
               <a:lnSpc>
-                <a:spcPct val="128000"/>
+                <a:spcPct val="105000"/>
               </a:lnSpc>
               <a:spcBef>
                 <a:spcPts val="1200"/>
@@ -7970,7 +8485,7 @@
               <a:buNone/>
             </a:pPr>
             <a:r>
-              <a:rPr lang="en" sz="1650">
+              <a:rPr lang="en-US" sz="1650" dirty="0">
                 <a:solidFill>
                   <a:srgbClr val="FFFFFF"/>
                 </a:solidFill>
@@ -7979,9 +8494,21 @@
                 <a:cs typeface="Comic Sans MS"/>
                 <a:sym typeface="Comic Sans MS"/>
               </a:rPr>
-              <a:t>ii.  Get Appointment details using Doctors id</a:t>
+              <a:t> </a:t>
             </a:r>
-            <a:endParaRPr sz="1650">
+            <a:r>
+              <a:rPr lang="en-US" sz="1650" dirty="0" err="1">
+                <a:solidFill>
+                  <a:srgbClr val="FFFFFF"/>
+                </a:solidFill>
+                <a:latin typeface="Comic Sans MS"/>
+                <a:ea typeface="Comic Sans MS"/>
+                <a:cs typeface="Comic Sans MS"/>
+                <a:sym typeface="Comic Sans MS"/>
+              </a:rPr>
+              <a:t>appointmentDate</a:t>
+            </a:r>
+            <a:endParaRPr lang="en-US" sz="1650" dirty="0">
               <a:solidFill>
                 <a:srgbClr val="FFFFFF"/>
               </a:solidFill>
@@ -7992,9 +8519,9 @@
             </a:endParaRPr>
           </a:p>
           <a:p>
-            <a:pPr indent="0" lvl="0" marL="457200" rtl="0" algn="l">
+            <a:pPr marL="0" lvl="0" indent="0" algn="l" rtl="0">
               <a:lnSpc>
-                <a:spcPct val="128000"/>
+                <a:spcPct val="105000"/>
               </a:lnSpc>
               <a:spcBef>
                 <a:spcPts val="1200"/>
@@ -8006,7 +8533,7 @@
               <a:buNone/>
             </a:pPr>
             <a:r>
-              <a:rPr lang="en" sz="1650">
+              <a:rPr lang="en-US" sz="1650" dirty="0">
                 <a:solidFill>
                   <a:srgbClr val="FFFFFF"/>
                 </a:solidFill>
@@ -8015,9 +8542,162 @@
                 <a:cs typeface="Comic Sans MS"/>
                 <a:sym typeface="Comic Sans MS"/>
               </a:rPr>
-              <a:t>iii. Get Appointment details using Patients id</a:t>
+              <a:t>reason</a:t>
             </a:r>
-            <a:endParaRPr sz="1650">
+          </a:p>
+          <a:p>
+            <a:pPr marL="0" lvl="0" indent="0" algn="l" rtl="0">
+              <a:lnSpc>
+                <a:spcPct val="105000"/>
+              </a:lnSpc>
+              <a:spcBef>
+                <a:spcPts val="1200"/>
+              </a:spcBef>
+              <a:spcAft>
+                <a:spcPts val="0"/>
+              </a:spcAft>
+              <a:buSzPts val="688"/>
+              <a:buNone/>
+            </a:pPr>
+            <a:r>
+              <a:rPr lang="en-US" sz="1650" dirty="0">
+                <a:solidFill>
+                  <a:srgbClr val="FFFFFF"/>
+                </a:solidFill>
+                <a:latin typeface="Comic Sans MS"/>
+                <a:ea typeface="Comic Sans MS"/>
+                <a:cs typeface="Comic Sans MS"/>
+                <a:sym typeface="Comic Sans MS"/>
+              </a:rPr>
+              <a:t>status</a:t>
+            </a:r>
+          </a:p>
+          <a:p>
+            <a:pPr marL="0" lvl="0" indent="0" algn="l" rtl="0">
+              <a:lnSpc>
+                <a:spcPct val="105000"/>
+              </a:lnSpc>
+              <a:spcBef>
+                <a:spcPts val="1200"/>
+              </a:spcBef>
+              <a:spcAft>
+                <a:spcPts val="0"/>
+              </a:spcAft>
+              <a:buSzPts val="688"/>
+              <a:buNone/>
+            </a:pPr>
+            <a:r>
+              <a:rPr lang="en-US" sz="1650" dirty="0" err="1">
+                <a:solidFill>
+                  <a:srgbClr val="FFFFFF"/>
+                </a:solidFill>
+                <a:latin typeface="Comic Sans MS"/>
+                <a:ea typeface="Comic Sans MS"/>
+                <a:cs typeface="Comic Sans MS"/>
+                <a:sym typeface="Comic Sans MS"/>
+              </a:rPr>
+              <a:t>doctor_id</a:t>
+            </a:r>
+            <a:r>
+              <a:rPr lang="en-US" sz="1650" dirty="0">
+                <a:solidFill>
+                  <a:srgbClr val="FFFFFF"/>
+                </a:solidFill>
+                <a:latin typeface="Comic Sans MS"/>
+                <a:ea typeface="Comic Sans MS"/>
+                <a:cs typeface="Comic Sans MS"/>
+                <a:sym typeface="Comic Sans MS"/>
+              </a:rPr>
+              <a:t> (</a:t>
+            </a:r>
+            <a:r>
+              <a:rPr lang="en-US" sz="1650" dirty="0" err="1">
+                <a:solidFill>
+                  <a:srgbClr val="FFFFFF"/>
+                </a:solidFill>
+                <a:latin typeface="Comic Sans MS"/>
+                <a:ea typeface="Comic Sans MS"/>
+                <a:cs typeface="Comic Sans MS"/>
+                <a:sym typeface="Comic Sans MS"/>
+              </a:rPr>
+              <a:t>fk</a:t>
+            </a:r>
+            <a:r>
+              <a:rPr lang="en-US" sz="1650" dirty="0">
+                <a:solidFill>
+                  <a:srgbClr val="FFFFFF"/>
+                </a:solidFill>
+                <a:latin typeface="Comic Sans MS"/>
+                <a:ea typeface="Comic Sans MS"/>
+                <a:cs typeface="Comic Sans MS"/>
+                <a:sym typeface="Comic Sans MS"/>
+              </a:rPr>
+              <a:t>)</a:t>
+            </a:r>
+          </a:p>
+          <a:p>
+            <a:pPr marL="0" lvl="0" indent="0" algn="l" rtl="0">
+              <a:lnSpc>
+                <a:spcPct val="105000"/>
+              </a:lnSpc>
+              <a:spcBef>
+                <a:spcPts val="1200"/>
+              </a:spcBef>
+              <a:spcAft>
+                <a:spcPts val="0"/>
+              </a:spcAft>
+              <a:buSzPts val="688"/>
+              <a:buNone/>
+            </a:pPr>
+            <a:r>
+              <a:rPr lang="en-US" sz="1650" dirty="0" err="1">
+                <a:solidFill>
+                  <a:srgbClr val="FFFFFF"/>
+                </a:solidFill>
+                <a:latin typeface="Comic Sans MS"/>
+                <a:ea typeface="Comic Sans MS"/>
+                <a:cs typeface="Comic Sans MS"/>
+                <a:sym typeface="Comic Sans MS"/>
+              </a:rPr>
+              <a:t>patient_id</a:t>
+            </a:r>
+            <a:r>
+              <a:rPr lang="en-US" sz="1650" dirty="0">
+                <a:solidFill>
+                  <a:srgbClr val="FFFFFF"/>
+                </a:solidFill>
+                <a:latin typeface="Comic Sans MS"/>
+                <a:ea typeface="Comic Sans MS"/>
+                <a:cs typeface="Comic Sans MS"/>
+                <a:sym typeface="Comic Sans MS"/>
+              </a:rPr>
+              <a:t> (</a:t>
+            </a:r>
+            <a:r>
+              <a:rPr lang="en-US" sz="1650" dirty="0" err="1">
+                <a:solidFill>
+                  <a:srgbClr val="FFFFFF"/>
+                </a:solidFill>
+                <a:latin typeface="Comic Sans MS"/>
+                <a:ea typeface="Comic Sans MS"/>
+                <a:cs typeface="Comic Sans MS"/>
+                <a:sym typeface="Comic Sans MS"/>
+              </a:rPr>
+              <a:t>fk</a:t>
+            </a:r>
+            <a:r>
+              <a:rPr lang="en-US" sz="1650" dirty="0">
+                <a:solidFill>
+                  <a:srgbClr val="FFFFFF"/>
+                </a:solidFill>
+                <a:latin typeface="Comic Sans MS"/>
+                <a:ea typeface="Comic Sans MS"/>
+                <a:cs typeface="Comic Sans MS"/>
+                <a:sym typeface="Comic Sans MS"/>
+              </a:rPr>
+              <a:t>)</a:t>
+            </a:r>
+            <a:endParaRPr sz="1650" dirty="0">
               <a:solidFill>
                 <a:srgbClr val="FFFFFF"/>
               </a:solidFill>
@@ -8028,120 +8708,12 @@
             </a:endParaRPr>
           </a:p>
           <a:p>
-            <a:pPr indent="0" lvl="0" marL="457200" rtl="0" algn="l">
-              <a:lnSpc>
-                <a:spcPct val="128000"/>
-              </a:lnSpc>
-              <a:spcBef>
-                <a:spcPts val="1200"/>
-              </a:spcBef>
-              <a:spcAft>
-                <a:spcPts val="0"/>
-              </a:spcAft>
-              <a:buSzPts val="688"/>
-              <a:buNone/>
-            </a:pPr>
-            <a:r>
-              <a:rPr lang="en" sz="1650">
-                <a:solidFill>
-                  <a:srgbClr val="FFFFFF"/>
-                </a:solidFill>
-                <a:latin typeface="Comic Sans MS"/>
-                <a:ea typeface="Comic Sans MS"/>
-                <a:cs typeface="Comic Sans MS"/>
-                <a:sym typeface="Comic Sans MS"/>
-              </a:rPr>
-              <a:t>iv.  Get all Appointments List</a:t>
-            </a:r>
-            <a:endParaRPr sz="1650">
-              <a:solidFill>
-                <a:srgbClr val="FFFFFF"/>
-              </a:solidFill>
-              <a:latin typeface="Comic Sans MS"/>
-              <a:ea typeface="Comic Sans MS"/>
-              <a:cs typeface="Comic Sans MS"/>
-              <a:sym typeface="Comic Sans MS"/>
-            </a:endParaRPr>
-          </a:p>
-          <a:p>
-            <a:pPr indent="0" lvl="0" marL="457200" rtl="0" algn="l">
-              <a:lnSpc>
-                <a:spcPct val="128000"/>
-              </a:lnSpc>
-              <a:spcBef>
-                <a:spcPts val="1200"/>
-              </a:spcBef>
-              <a:spcAft>
-                <a:spcPts val="0"/>
-              </a:spcAft>
-              <a:buSzPts val="688"/>
-              <a:buNone/>
-            </a:pPr>
-            <a:r>
-              <a:rPr lang="en" sz="1650">
-                <a:solidFill>
-                  <a:srgbClr val="FFFFFF"/>
-                </a:solidFill>
-                <a:latin typeface="Comic Sans MS"/>
-                <a:ea typeface="Comic Sans MS"/>
-                <a:cs typeface="Comic Sans MS"/>
-                <a:sym typeface="Comic Sans MS"/>
-              </a:rPr>
-              <a:t>v. . Update Doctor</a:t>
-            </a:r>
-            <a:endParaRPr sz="1650">
-              <a:solidFill>
-                <a:srgbClr val="FFFFFF"/>
-              </a:solidFill>
-              <a:latin typeface="Comic Sans MS"/>
-              <a:ea typeface="Comic Sans MS"/>
-              <a:cs typeface="Comic Sans MS"/>
-              <a:sym typeface="Comic Sans MS"/>
-            </a:endParaRPr>
-          </a:p>
-          <a:p>
-            <a:pPr indent="0" lvl="0" marL="457200" rtl="0" algn="l">
-              <a:lnSpc>
-                <a:spcPct val="128000"/>
-              </a:lnSpc>
-              <a:spcBef>
-                <a:spcPts val="1200"/>
-              </a:spcBef>
-              <a:spcAft>
-                <a:spcPts val="0"/>
-              </a:spcAft>
-              <a:buSzPts val="688"/>
-              <a:buNone/>
-            </a:pPr>
-            <a:r>
-              <a:rPr lang="en" sz="1650">
-                <a:solidFill>
-                  <a:srgbClr val="FFFFFF"/>
-                </a:solidFill>
-                <a:latin typeface="Comic Sans MS"/>
-                <a:ea typeface="Comic Sans MS"/>
-                <a:cs typeface="Comic Sans MS"/>
-                <a:sym typeface="Comic Sans MS"/>
-              </a:rPr>
-              <a:t>vi. Delete Doctor from database</a:t>
-            </a:r>
-            <a:endParaRPr sz="1650">
-              <a:solidFill>
-                <a:srgbClr val="FFFFFF"/>
-              </a:solidFill>
-              <a:latin typeface="Comic Sans MS"/>
-              <a:ea typeface="Comic Sans MS"/>
-              <a:cs typeface="Comic Sans MS"/>
-              <a:sym typeface="Comic Sans MS"/>
-            </a:endParaRPr>
-          </a:p>
-          <a:p>
-            <a:pPr indent="0" lvl="0" marL="0" rtl="0" algn="l">
+            <a:pPr marL="0" lvl="0" indent="0" algn="l" rtl="0">
               <a:lnSpc>
                 <a:spcPct val="105000"/>
               </a:lnSpc>
               <a:spcBef>
-                <a:spcPts val="1200"/>
+                <a:spcPts val="0"/>
               </a:spcBef>
               <a:spcAft>
                 <a:spcPts val="0"/>
@@ -8149,56 +8721,23 @@
               <a:buSzPts val="688"/>
               <a:buNone/>
             </a:pPr>
-            <a:r>
-              <a:t/>
-            </a:r>
-            <a:endParaRPr sz="1650">
-              <a:solidFill>
-                <a:srgbClr val="FFFFFF"/>
-              </a:solidFill>
-              <a:latin typeface="Comic Sans MS"/>
-              <a:ea typeface="Comic Sans MS"/>
-              <a:cs typeface="Comic Sans MS"/>
-              <a:sym typeface="Comic Sans MS"/>
-            </a:endParaRPr>
-          </a:p>
-          <a:p>
-            <a:pPr indent="0" lvl="0" marL="0" rtl="0" algn="l">
+            <a:endParaRPr sz="1650" dirty="0"/>
+          </a:p>
+          <a:p>
+            <a:pPr marL="0" lvl="0" indent="0" algn="l" rtl="0">
               <a:lnSpc>
                 <a:spcPct val="105000"/>
               </a:lnSpc>
               <a:spcBef>
-                <a:spcPts val="0"/>
-              </a:spcBef>
-              <a:spcAft>
-                <a:spcPts val="0"/>
+                <a:spcPts val="1200"/>
+              </a:spcBef>
+              <a:spcAft>
+                <a:spcPts val="1200"/>
               </a:spcAft>
               <a:buSzPts val="688"/>
               <a:buNone/>
             </a:pPr>
-            <a:r>
-              <a:t/>
-            </a:r>
-            <a:endParaRPr sz="1650"/>
-          </a:p>
-          <a:p>
-            <a:pPr indent="0" lvl="0" marL="0" rtl="0" algn="l">
-              <a:lnSpc>
-                <a:spcPct val="105000"/>
-              </a:lnSpc>
-              <a:spcBef>
-                <a:spcPts val="1200"/>
-              </a:spcBef>
-              <a:spcAft>
-                <a:spcPts val="1200"/>
-              </a:spcAft>
-              <a:buSzPts val="688"/>
-              <a:buNone/>
-            </a:pPr>
-            <a:r>
-              <a:t/>
-            </a:r>
-            <a:endParaRPr sz="1650"/>
+            <a:endParaRPr sz="1650" dirty="0"/>
           </a:p>
         </p:txBody>
       </p:sp>
@@ -8207,13 +8746,13 @@
   <p:clrMapOvr>
     <a:masterClrMapping/>
   </p:clrMapOvr>
-  <mc:AlternateContent>
+  <mc:AlternateContent xmlns:mc="http://schemas.openxmlformats.org/markup-compatibility/2006" xmlns:p14="http://schemas.microsoft.com/office/powerpoint/2010/main">
     <mc:Choice Requires="p14">
       <p:transition spd="med">
         <p14:flip dir="l"/>
       </p:transition>
     </mc:Choice>
-    <mc:Fallback>
+    <mc:Fallback xmlns:ahyp="http://schemas.microsoft.com/office/drawing/2018/hyperlinkcolor" xmlns:p15="http://schemas.microsoft.com/office/powerpoint/2012/main" xmlns:com="http://schemas.openxmlformats.org/drawingml/2006/compatibility" xmlns:pvml="urn:schemas-microsoft-com:office:powerpoint" xmlns:v="urn:schemas-microsoft-com:vml" xmlns:o="urn:schemas-microsoft-com:office:office" xmlns:dgm="http://schemas.openxmlformats.org/drawingml/2006/diagram" xmlns:c="http://schemas.openxmlformats.org/drawingml/2006/chart" xmlns:mv="urn:schemas-microsoft-com:mac:vml" xmlns="">
       <p:transition spd="med">
         <p:fade/>
       </p:transition>
@@ -8222,12 +8761,12 @@
 </p:sld>
 </file>
 
-<file path=ppt/slides/slide5.xml><?xml version="1.0" encoding="utf-8"?>
-<p:sld xmlns:a="http://schemas.openxmlformats.org/drawingml/2006/main" xmlns:r="http://schemas.openxmlformats.org/officeDocument/2006/relationships" xmlns:mc="http://schemas.openxmlformats.org/markup-compatibility/2006" xmlns:mv="urn:schemas-microsoft-com:mac:vml" xmlns:p="http://schemas.openxmlformats.org/presentationml/2006/main" xmlns:c="http://schemas.openxmlformats.org/drawingml/2006/chart" xmlns:dgm="http://schemas.openxmlformats.org/drawingml/2006/diagram" xmlns:o="urn:schemas-microsoft-com:office:office" xmlns:v="urn:schemas-microsoft-com:vml" xmlns:pvml="urn:schemas-microsoft-com:office:powerpoint" xmlns:com="http://schemas.openxmlformats.org/drawingml/2006/compatibility" xmlns:p14="http://schemas.microsoft.com/office/powerpoint/2010/main" xmlns:p15="http://schemas.microsoft.com/office/powerpoint/2012/main" xmlns:ahyp="http://schemas.microsoft.com/office/drawing/2018/hyperlinkcolor">
+<file path=ppt/slides/slide7.xml><?xml version="1.0" encoding="utf-8"?>
+<p:sld xmlns:a="http://schemas.openxmlformats.org/drawingml/2006/main" xmlns:r="http://schemas.openxmlformats.org/officeDocument/2006/relationships" xmlns:p="http://schemas.openxmlformats.org/presentationml/2006/main">
   <p:cSld>
     <p:spTree>
       <p:nvGrpSpPr>
-        <p:cNvPr id="85" name="Shape 85"/>
+        <p:cNvPr id="1" name="Shape 85"/>
         <p:cNvGrpSpPr/>
         <p:nvPr/>
       </p:nvGrpSpPr>
@@ -8242,9 +8781,11 @@
       <p:sp>
         <p:nvSpPr>
           <p:cNvPr id="86" name="Google Shape;86;p17"/>
-          <p:cNvSpPr txBox="1"/>
+          <p:cNvSpPr txBox="1">
+            <a:spLocks noGrp="1"/>
+          </p:cNvSpPr>
           <p:nvPr>
-            <p:ph idx="1" type="body"/>
+            <p:ph type="body" idx="1"/>
           </p:nvPr>
         </p:nvSpPr>
         <p:spPr>
@@ -8257,12 +8798,12 @@
           </a:prstGeom>
         </p:spPr>
         <p:txBody>
-          <a:bodyPr anchorCtr="0" anchor="t" bIns="91425" lIns="91425" spcFirstLastPara="1" rIns="91425" wrap="square" tIns="91425">
-            <a:normAutofit fontScale="92500" lnSpcReduction="10000"/>
+          <a:bodyPr spcFirstLastPara="1" wrap="square" lIns="91425" tIns="91425" rIns="91425" bIns="91425" anchor="t" anchorCtr="0">
+            <a:normAutofit/>
           </a:bodyPr>
           <a:lstStyle/>
           <a:p>
-            <a:pPr indent="0" lvl="0" marL="0" rtl="0" algn="l">
+            <a:pPr marL="0" lvl="0" indent="0" algn="l" rtl="0">
               <a:spcBef>
                 <a:spcPts val="0"/>
               </a:spcBef>
@@ -8272,7 +8813,7 @@
               <a:buNone/>
             </a:pPr>
             <a:r>
-              <a:rPr b="1" lang="en" sz="1800">
+              <a:rPr lang="en" sz="1800" b="1" dirty="0">
                 <a:solidFill>
                   <a:srgbClr val="FFFFFF"/>
                 </a:solidFill>
@@ -8281,9 +8822,21 @@
                 <a:cs typeface="Comic Sans MS"/>
                 <a:sym typeface="Comic Sans MS"/>
               </a:rPr>
-              <a:t>3. Patient</a:t>
+              <a:t>3. </a:t>
             </a:r>
-            <a:endParaRPr b="1" sz="1800">
+            <a:r>
+              <a:rPr lang="en" sz="1800" b="1" u="sng" dirty="0">
+                <a:solidFill>
+                  <a:srgbClr val="FFFFFF"/>
+                </a:solidFill>
+                <a:latin typeface="Comic Sans MS"/>
+                <a:ea typeface="Comic Sans MS"/>
+                <a:cs typeface="Comic Sans MS"/>
+                <a:sym typeface="Comic Sans MS"/>
+              </a:rPr>
+              <a:t>Out Patient</a:t>
+            </a:r>
+            <a:endParaRPr sz="1800" b="1" dirty="0">
               <a:solidFill>
                 <a:srgbClr val="FFFFFF"/>
               </a:solidFill>
@@ -8294,9 +8847,9 @@
             </a:endParaRPr>
           </a:p>
           <a:p>
-            <a:pPr indent="0" lvl="0" marL="457200" rtl="0" algn="l">
-              <a:spcBef>
-                <a:spcPts val="0"/>
+            <a:pPr marL="0" lvl="0" indent="0" algn="l" rtl="0">
+              <a:spcBef>
+                <a:spcPts val="1200"/>
               </a:spcBef>
               <a:spcAft>
                 <a:spcPts val="0"/>
@@ -8304,9 +8857,30 @@
               <a:buNone/>
             </a:pPr>
             <a:r>
-              <a:t/>
+              <a:rPr lang="en-US" sz="1800" dirty="0">
+                <a:solidFill>
+                  <a:srgbClr val="FFFFFF"/>
+                </a:solidFill>
+                <a:latin typeface="Comic Sans MS"/>
+                <a:ea typeface="Comic Sans MS"/>
+                <a:cs typeface="Comic Sans MS"/>
+                <a:sym typeface="Comic Sans MS"/>
+              </a:rPr>
+              <a:t> </a:t>
             </a:r>
-            <a:endParaRPr b="1" sz="1800">
+            <a:r>
+              <a:rPr lang="en-US" sz="1800" dirty="0" err="1">
+                <a:solidFill>
+                  <a:srgbClr val="FFFFFF"/>
+                </a:solidFill>
+                <a:latin typeface="Comic Sans MS"/>
+                <a:ea typeface="Comic Sans MS"/>
+                <a:cs typeface="Comic Sans MS"/>
+                <a:sym typeface="Comic Sans MS"/>
+              </a:rPr>
+              <a:t>patient_id</a:t>
+            </a:r>
+            <a:endParaRPr lang="en-US" sz="1800" dirty="0">
               <a:solidFill>
                 <a:srgbClr val="FFFFFF"/>
               </a:solidFill>
@@ -8317,12 +8891,9 @@
             </a:endParaRPr>
           </a:p>
           <a:p>
-            <a:pPr indent="0" lvl="0" marL="457200" rtl="0" algn="l">
-              <a:lnSpc>
-                <a:spcPct val="138000"/>
-              </a:lnSpc>
-              <a:spcBef>
-                <a:spcPts val="0"/>
+            <a:pPr marL="0" lvl="0" indent="0" algn="l" rtl="0">
+              <a:spcBef>
+                <a:spcPts val="1200"/>
               </a:spcBef>
               <a:spcAft>
                 <a:spcPts val="0"/>
@@ -8330,7 +8901,7 @@
               <a:buNone/>
             </a:pPr>
             <a:r>
-              <a:rPr lang="en" sz="1800">
+              <a:rPr lang="en-US" sz="1800" dirty="0">
                 <a:solidFill>
                   <a:srgbClr val="FFFFFF"/>
                 </a:solidFill>
@@ -8339,9 +8910,90 @@
                 <a:cs typeface="Comic Sans MS"/>
                 <a:sym typeface="Comic Sans MS"/>
               </a:rPr>
-              <a:t>i.  Create New Patient</a:t>
+              <a:t> name</a:t>
             </a:r>
-            <a:endParaRPr sz="1800">
+          </a:p>
+          <a:p>
+            <a:pPr marL="0" lvl="0" indent="0" algn="l" rtl="0">
+              <a:spcBef>
+                <a:spcPts val="1200"/>
+              </a:spcBef>
+              <a:spcAft>
+                <a:spcPts val="0"/>
+              </a:spcAft>
+              <a:buNone/>
+            </a:pPr>
+            <a:r>
+              <a:rPr lang="en-US" sz="1800" dirty="0">
+                <a:solidFill>
+                  <a:srgbClr val="FFFFFF"/>
+                </a:solidFill>
+                <a:latin typeface="Comic Sans MS"/>
+                <a:ea typeface="Comic Sans MS"/>
+                <a:cs typeface="Comic Sans MS"/>
+                <a:sym typeface="Comic Sans MS"/>
+              </a:rPr>
+              <a:t> gender</a:t>
+            </a:r>
+          </a:p>
+          <a:p>
+            <a:pPr marL="0" lvl="0" indent="0" algn="l" rtl="0">
+              <a:spcBef>
+                <a:spcPts val="1200"/>
+              </a:spcBef>
+              <a:spcAft>
+                <a:spcPts val="0"/>
+              </a:spcAft>
+              <a:buNone/>
+            </a:pPr>
+            <a:r>
+              <a:rPr lang="en-US" sz="1800" dirty="0">
+                <a:solidFill>
+                  <a:srgbClr val="FFFFFF"/>
+                </a:solidFill>
+                <a:latin typeface="Comic Sans MS"/>
+                <a:ea typeface="Comic Sans MS"/>
+                <a:cs typeface="Comic Sans MS"/>
+                <a:sym typeface="Comic Sans MS"/>
+              </a:rPr>
+              <a:t> age</a:t>
+            </a:r>
+          </a:p>
+          <a:p>
+            <a:pPr marL="0" lvl="0" indent="0" algn="l" rtl="0">
+              <a:spcBef>
+                <a:spcPts val="1200"/>
+              </a:spcBef>
+              <a:spcAft>
+                <a:spcPts val="0"/>
+              </a:spcAft>
+              <a:buNone/>
+            </a:pPr>
+            <a:r>
+              <a:rPr lang="en-US" sz="1800" dirty="0">
+                <a:solidFill>
+                  <a:srgbClr val="FFFFFF"/>
+                </a:solidFill>
+                <a:latin typeface="Comic Sans MS"/>
+                <a:ea typeface="Comic Sans MS"/>
+                <a:cs typeface="Comic Sans MS"/>
+                <a:sym typeface="Comic Sans MS"/>
+              </a:rPr>
+              <a:t> </a:t>
+            </a:r>
+            <a:r>
+              <a:rPr lang="en-US" sz="1800" dirty="0" err="1">
+                <a:solidFill>
+                  <a:srgbClr val="FFFFFF"/>
+                </a:solidFill>
+                <a:latin typeface="Comic Sans MS"/>
+                <a:ea typeface="Comic Sans MS"/>
+                <a:cs typeface="Comic Sans MS"/>
+                <a:sym typeface="Comic Sans MS"/>
+              </a:rPr>
+              <a:t>contact_no</a:t>
+            </a:r>
+            <a:endParaRPr lang="en-US" sz="1800" dirty="0">
               <a:solidFill>
                 <a:srgbClr val="FFFFFF"/>
               </a:solidFill>
@@ -8352,10 +9004,7 @@
             </a:endParaRPr>
           </a:p>
           <a:p>
-            <a:pPr indent="0" lvl="0" marL="457200" rtl="0" algn="l">
-              <a:lnSpc>
-                <a:spcPct val="138000"/>
-              </a:lnSpc>
+            <a:pPr marL="0" lvl="0" indent="0" algn="l" rtl="0">
               <a:spcBef>
                 <a:spcPts val="1200"/>
               </a:spcBef>
@@ -8365,7 +9014,7 @@
               <a:buNone/>
             </a:pPr>
             <a:r>
-              <a:rPr lang="en" sz="1800">
+              <a:rPr lang="en-US" sz="1800" dirty="0">
                 <a:solidFill>
                   <a:srgbClr val="FFFFFF"/>
                 </a:solidFill>
@@ -8374,23 +9023,11 @@
                 <a:cs typeface="Comic Sans MS"/>
                 <a:sym typeface="Comic Sans MS"/>
               </a:rPr>
-              <a:t>ii.  Get Patient details using id</a:t>
+              <a:t> status</a:t>
             </a:r>
-            <a:endParaRPr sz="1800">
-              <a:solidFill>
-                <a:srgbClr val="FFFFFF"/>
-              </a:solidFill>
-              <a:latin typeface="Comic Sans MS"/>
-              <a:ea typeface="Comic Sans MS"/>
-              <a:cs typeface="Comic Sans MS"/>
-              <a:sym typeface="Comic Sans MS"/>
-            </a:endParaRPr>
-          </a:p>
-          <a:p>
-            <a:pPr indent="0" lvl="0" marL="457200" rtl="0" algn="l">
-              <a:lnSpc>
-                <a:spcPct val="138000"/>
-              </a:lnSpc>
+          </a:p>
+          <a:p>
+            <a:pPr marL="0" lvl="0" indent="0" algn="l" rtl="0">
               <a:spcBef>
                 <a:spcPts val="1200"/>
               </a:spcBef>
@@ -8400,7 +9037,7 @@
               <a:buNone/>
             </a:pPr>
             <a:r>
-              <a:rPr lang="en" sz="1800">
+              <a:rPr lang="en-US" sz="1800" dirty="0" err="1">
                 <a:solidFill>
                   <a:srgbClr val="FFFFFF"/>
                 </a:solidFill>
@@ -8409,33 +9046,10 @@
                 <a:cs typeface="Comic Sans MS"/>
                 <a:sym typeface="Comic Sans MS"/>
               </a:rPr>
-              <a:t>iii. Get All Patients List</a:t>
+              <a:t>doctor_id</a:t>
             </a:r>
-            <a:endParaRPr sz="1800">
-              <a:solidFill>
-                <a:srgbClr val="FFFFFF"/>
-              </a:solidFill>
-              <a:latin typeface="Comic Sans MS"/>
-              <a:ea typeface="Comic Sans MS"/>
-              <a:cs typeface="Comic Sans MS"/>
-              <a:sym typeface="Comic Sans MS"/>
-            </a:endParaRPr>
-          </a:p>
-          <a:p>
-            <a:pPr indent="0" lvl="0" marL="457200" rtl="0" algn="l">
-              <a:lnSpc>
-                <a:spcPct val="138000"/>
-              </a:lnSpc>
-              <a:spcBef>
-                <a:spcPts val="1200"/>
-              </a:spcBef>
-              <a:spcAft>
-                <a:spcPts val="0"/>
-              </a:spcAft>
-              <a:buNone/>
-            </a:pPr>
             <a:r>
-              <a:rPr lang="en" sz="1800">
+              <a:rPr lang="en-IN" sz="1800" dirty="0">
                 <a:solidFill>
                   <a:srgbClr val="FFFFFF"/>
                 </a:solidFill>
@@ -8444,33 +9058,10 @@
                 <a:cs typeface="Comic Sans MS"/>
                 <a:sym typeface="Comic Sans MS"/>
               </a:rPr>
-              <a:t>iv. Update Patient</a:t>
+              <a:t> (</a:t>
             </a:r>
-            <a:endParaRPr sz="1800">
-              <a:solidFill>
-                <a:srgbClr val="FFFFFF"/>
-              </a:solidFill>
-              <a:latin typeface="Comic Sans MS"/>
-              <a:ea typeface="Comic Sans MS"/>
-              <a:cs typeface="Comic Sans MS"/>
-              <a:sym typeface="Comic Sans MS"/>
-            </a:endParaRPr>
-          </a:p>
-          <a:p>
-            <a:pPr indent="0" lvl="0" marL="457200" rtl="0" algn="l">
-              <a:lnSpc>
-                <a:spcPct val="138000"/>
-              </a:lnSpc>
-              <a:spcBef>
-                <a:spcPts val="1200"/>
-              </a:spcBef>
-              <a:spcAft>
-                <a:spcPts val="0"/>
-              </a:spcAft>
-              <a:buNone/>
-            </a:pPr>
             <a:r>
-              <a:rPr lang="en" sz="1800">
+              <a:rPr lang="en-IN" sz="1800" dirty="0" err="1">
                 <a:solidFill>
                   <a:srgbClr val="FFFFFF"/>
                 </a:solidFill>
@@ -8479,79 +9070,44 @@
                 <a:cs typeface="Comic Sans MS"/>
                 <a:sym typeface="Comic Sans MS"/>
               </a:rPr>
-              <a:t>v. Delete Patient from database</a:t>
+              <a:t>fk</a:t>
             </a:r>
-            <a:endParaRPr sz="1800">
-              <a:solidFill>
-                <a:srgbClr val="FFFFFF"/>
-              </a:solidFill>
-              <a:latin typeface="Comic Sans MS"/>
-              <a:ea typeface="Comic Sans MS"/>
-              <a:cs typeface="Comic Sans MS"/>
-              <a:sym typeface="Comic Sans MS"/>
-            </a:endParaRPr>
-          </a:p>
-          <a:p>
-            <a:pPr indent="0" lvl="0" marL="0" rtl="0" algn="l">
+            <a:r>
+              <a:rPr lang="en-IN" sz="1800" dirty="0">
+                <a:solidFill>
+                  <a:srgbClr val="FFFFFF"/>
+                </a:solidFill>
+                <a:latin typeface="Comic Sans MS"/>
+                <a:ea typeface="Comic Sans MS"/>
+                <a:cs typeface="Comic Sans MS"/>
+                <a:sym typeface="Comic Sans MS"/>
+              </a:rPr>
+              <a:t>)</a:t>
+            </a:r>
+            <a:endParaRPr dirty="0"/>
+          </a:p>
+          <a:p>
+            <a:pPr marL="0" lvl="0" indent="0" algn="l" rtl="0">
               <a:spcBef>
                 <a:spcPts val="1200"/>
               </a:spcBef>
               <a:spcAft>
-                <a:spcPts val="0"/>
+                <a:spcPts val="1200"/>
               </a:spcAft>
               <a:buNone/>
             </a:pPr>
-            <a:r>
-              <a:t/>
-            </a:r>
-            <a:endParaRPr sz="1800">
-              <a:solidFill>
-                <a:srgbClr val="FFFFFF"/>
-              </a:solidFill>
-              <a:latin typeface="Comic Sans MS"/>
-              <a:ea typeface="Comic Sans MS"/>
-              <a:cs typeface="Comic Sans MS"/>
-              <a:sym typeface="Comic Sans MS"/>
-            </a:endParaRPr>
-          </a:p>
-          <a:p>
-            <a:pPr indent="0" lvl="0" marL="0" rtl="0" algn="l">
-              <a:spcBef>
-                <a:spcPts val="0"/>
-              </a:spcBef>
-              <a:spcAft>
-                <a:spcPts val="0"/>
-              </a:spcAft>
-              <a:buNone/>
-            </a:pPr>
-            <a:r>
-              <a:t/>
-            </a:r>
-            <a:endParaRPr/>
-          </a:p>
-          <a:p>
-            <a:pPr indent="0" lvl="0" marL="0" rtl="0" algn="l">
-              <a:spcBef>
-                <a:spcPts val="1200"/>
-              </a:spcBef>
-              <a:spcAft>
-                <a:spcPts val="1200"/>
-              </a:spcAft>
-              <a:buNone/>
-            </a:pPr>
-            <a:r>
-              <a:t/>
-            </a:r>
-            <a:endParaRPr/>
+            <a:endParaRPr dirty="0"/>
           </a:p>
         </p:txBody>
       </p:sp>
       <p:sp>
         <p:nvSpPr>
           <p:cNvPr id="87" name="Google Shape;87;p17"/>
-          <p:cNvSpPr txBox="1"/>
+          <p:cNvSpPr txBox="1">
+            <a:spLocks noGrp="1"/>
+          </p:cNvSpPr>
           <p:nvPr>
-            <p:ph idx="2" type="body"/>
+            <p:ph type="body" idx="2"/>
           </p:nvPr>
         </p:nvSpPr>
         <p:spPr>
@@ -8564,12 +9120,12 @@
           </a:prstGeom>
         </p:spPr>
         <p:txBody>
-          <a:bodyPr anchorCtr="0" anchor="t" bIns="91425" lIns="91425" spcFirstLastPara="1" rIns="91425" wrap="square" tIns="91425">
-            <a:normAutofit fontScale="92500" lnSpcReduction="20000"/>
+          <a:bodyPr spcFirstLastPara="1" wrap="square" lIns="91425" tIns="91425" rIns="91425" bIns="91425" anchor="t" anchorCtr="0">
+            <a:normAutofit/>
           </a:bodyPr>
           <a:lstStyle/>
           <a:p>
-            <a:pPr indent="0" lvl="0" marL="0" rtl="0" algn="l">
+            <a:pPr marL="0" lvl="0" indent="0" algn="l" rtl="0">
               <a:spcBef>
                 <a:spcPts val="0"/>
               </a:spcBef>
@@ -8579,7 +9135,7 @@
               <a:buNone/>
             </a:pPr>
             <a:r>
-              <a:rPr b="1" lang="en" sz="1800">
+              <a:rPr lang="en" sz="1800" b="1" dirty="0">
                 <a:solidFill>
                   <a:srgbClr val="FFFFFF"/>
                 </a:solidFill>
@@ -8588,9 +9144,21 @@
                 <a:cs typeface="Comic Sans MS"/>
                 <a:sym typeface="Comic Sans MS"/>
               </a:rPr>
-              <a:t>4. Tests</a:t>
+              <a:t>4. </a:t>
             </a:r>
-            <a:endParaRPr b="1" sz="1800">
+            <a:r>
+              <a:rPr lang="en" sz="1800" b="1" u="sng" dirty="0">
+                <a:solidFill>
+                  <a:srgbClr val="FFFFFF"/>
+                </a:solidFill>
+                <a:latin typeface="Comic Sans MS"/>
+                <a:ea typeface="Comic Sans MS"/>
+                <a:cs typeface="Comic Sans MS"/>
+                <a:sym typeface="Comic Sans MS"/>
+              </a:rPr>
+              <a:t>In Patient</a:t>
+            </a:r>
+            <a:endParaRPr sz="1800" b="1" dirty="0">
               <a:solidFill>
                 <a:srgbClr val="FFFFFF"/>
               </a:solidFill>
@@ -8601,9 +9169,9 @@
             </a:endParaRPr>
           </a:p>
           <a:p>
-            <a:pPr indent="0" lvl="0" marL="457200" rtl="0" algn="l">
-              <a:spcBef>
-                <a:spcPts val="0"/>
+            <a:pPr marL="0" lvl="0" indent="0" algn="l" rtl="0">
+              <a:spcBef>
+                <a:spcPts val="1200"/>
               </a:spcBef>
               <a:spcAft>
                 <a:spcPts val="0"/>
@@ -8611,9 +9179,18 @@
               <a:buNone/>
             </a:pPr>
             <a:r>
-              <a:t/>
+              <a:rPr lang="en-US" sz="1800" dirty="0" err="1">
+                <a:solidFill>
+                  <a:srgbClr val="FFFFFF"/>
+                </a:solidFill>
+                <a:latin typeface="Comic Sans MS"/>
+                <a:ea typeface="Comic Sans MS"/>
+                <a:cs typeface="Comic Sans MS"/>
+                <a:sym typeface="Comic Sans MS"/>
+              </a:rPr>
+              <a:t>admission_id</a:t>
             </a:r>
-            <a:endParaRPr b="1" sz="1800">
+            <a:endParaRPr lang="en-US" sz="1800" dirty="0">
               <a:solidFill>
                 <a:srgbClr val="FFFFFF"/>
               </a:solidFill>
@@ -8624,12 +9201,9 @@
             </a:endParaRPr>
           </a:p>
           <a:p>
-            <a:pPr indent="0" lvl="0" marL="457200" rtl="0" algn="l">
-              <a:lnSpc>
-                <a:spcPct val="138000"/>
-              </a:lnSpc>
-              <a:spcBef>
-                <a:spcPts val="0"/>
+            <a:pPr marL="0" lvl="0" indent="0" algn="l" rtl="0">
+              <a:spcBef>
+                <a:spcPts val="1200"/>
               </a:spcBef>
               <a:spcAft>
                 <a:spcPts val="0"/>
@@ -8637,7 +9211,7 @@
               <a:buNone/>
             </a:pPr>
             <a:r>
-              <a:rPr lang="en" sz="1800">
+              <a:rPr lang="en-US" sz="1800" dirty="0" err="1">
                 <a:solidFill>
                   <a:srgbClr val="FFFFFF"/>
                 </a:solidFill>
@@ -8646,9 +9220,9 @@
                 <a:cs typeface="Comic Sans MS"/>
                 <a:sym typeface="Comic Sans MS"/>
               </a:rPr>
-              <a:t>i.  Create New Tests</a:t>
+              <a:t>admissionDate</a:t>
             </a:r>
-            <a:endParaRPr sz="1800">
+            <a:endParaRPr lang="en-US" sz="1800" dirty="0">
               <a:solidFill>
                 <a:srgbClr val="FFFFFF"/>
               </a:solidFill>
@@ -8659,10 +9233,7 @@
             </a:endParaRPr>
           </a:p>
           <a:p>
-            <a:pPr indent="0" lvl="0" marL="457200" rtl="0" algn="l">
-              <a:lnSpc>
-                <a:spcPct val="138000"/>
-              </a:lnSpc>
+            <a:pPr marL="0" lvl="0" indent="0" algn="l" rtl="0">
               <a:spcBef>
                 <a:spcPts val="1200"/>
               </a:spcBef>
@@ -8672,7 +9243,7 @@
               <a:buNone/>
             </a:pPr>
             <a:r>
-              <a:rPr lang="en" sz="1800">
+              <a:rPr lang="en-US" sz="1800" dirty="0" err="1">
                 <a:solidFill>
                   <a:srgbClr val="FFFFFF"/>
                 </a:solidFill>
@@ -8681,9 +9252,9 @@
                 <a:cs typeface="Comic Sans MS"/>
                 <a:sym typeface="Comic Sans MS"/>
               </a:rPr>
-              <a:t>ii.  Get Tests details using id</a:t>
+              <a:t>alloted_room</a:t>
             </a:r>
-            <a:endParaRPr sz="1800">
+            <a:endParaRPr lang="en-US" sz="1800" dirty="0">
               <a:solidFill>
                 <a:srgbClr val="FFFFFF"/>
               </a:solidFill>
@@ -8694,10 +9265,7 @@
             </a:endParaRPr>
           </a:p>
           <a:p>
-            <a:pPr indent="0" lvl="0" marL="457200" rtl="0" algn="l">
-              <a:lnSpc>
-                <a:spcPct val="138000"/>
-              </a:lnSpc>
+            <a:pPr marL="0" lvl="0" indent="0" algn="l" rtl="0">
               <a:spcBef>
                 <a:spcPts val="1200"/>
               </a:spcBef>
@@ -8707,7 +9275,7 @@
               <a:buNone/>
             </a:pPr>
             <a:r>
-              <a:rPr lang="en" sz="1800">
+              <a:rPr lang="en-US" sz="1800" dirty="0" err="1">
                 <a:solidFill>
                   <a:srgbClr val="FFFFFF"/>
                 </a:solidFill>
@@ -8716,9 +9284,9 @@
                 <a:cs typeface="Comic Sans MS"/>
                 <a:sym typeface="Comic Sans MS"/>
               </a:rPr>
-              <a:t>iii. Get All Tests List</a:t>
+              <a:t>admission_reason</a:t>
             </a:r>
-            <a:endParaRPr sz="1800">
+            <a:endParaRPr lang="en-US" sz="1800" dirty="0">
               <a:solidFill>
                 <a:srgbClr val="FFFFFF"/>
               </a:solidFill>
@@ -8729,10 +9297,7 @@
             </a:endParaRPr>
           </a:p>
           <a:p>
-            <a:pPr indent="0" lvl="0" marL="457200" rtl="0" algn="l">
-              <a:lnSpc>
-                <a:spcPct val="138000"/>
-              </a:lnSpc>
+            <a:pPr marL="0" lvl="0" indent="0" algn="l" rtl="0">
               <a:spcBef>
                 <a:spcPts val="1200"/>
               </a:spcBef>
@@ -8742,7 +9307,7 @@
               <a:buNone/>
             </a:pPr>
             <a:r>
-              <a:rPr lang="en" sz="1800">
+              <a:rPr lang="en-US" sz="1800" dirty="0" err="1">
                 <a:solidFill>
                   <a:srgbClr val="FFFFFF"/>
                 </a:solidFill>
@@ -8751,9 +9316,9 @@
                 <a:cs typeface="Comic Sans MS"/>
                 <a:sym typeface="Comic Sans MS"/>
               </a:rPr>
-              <a:t>iv. Update Tests</a:t>
+              <a:t>discharge_date</a:t>
             </a:r>
-            <a:endParaRPr sz="1800">
+            <a:endParaRPr lang="en-US" sz="1800" dirty="0">
               <a:solidFill>
                 <a:srgbClr val="FFFFFF"/>
               </a:solidFill>
@@ -8764,10 +9329,7 @@
             </a:endParaRPr>
           </a:p>
           <a:p>
-            <a:pPr indent="0" lvl="0" marL="457200" rtl="0" algn="l">
-              <a:lnSpc>
-                <a:spcPct val="138000"/>
-              </a:lnSpc>
+            <a:pPr marL="0" lvl="0" indent="0" algn="l" rtl="0">
               <a:spcBef>
                 <a:spcPts val="1200"/>
               </a:spcBef>
@@ -8777,7 +9339,7 @@
               <a:buNone/>
             </a:pPr>
             <a:r>
-              <a:rPr lang="en" sz="1800">
+              <a:rPr lang="en-US" sz="1800" dirty="0" err="1">
                 <a:solidFill>
                   <a:srgbClr val="FFFFFF"/>
                 </a:solidFill>
@@ -8786,9 +9348,256 @@
                 <a:cs typeface="Comic Sans MS"/>
                 <a:sym typeface="Comic Sans MS"/>
               </a:rPr>
-              <a:t>v. Delete Tests from database</a:t>
+              <a:t>patient_id</a:t>
             </a:r>
-            <a:endParaRPr sz="1800">
+            <a:r>
+              <a:rPr lang="en-US" sz="1800" dirty="0">
+                <a:solidFill>
+                  <a:srgbClr val="FFFFFF"/>
+                </a:solidFill>
+                <a:latin typeface="Comic Sans MS"/>
+                <a:ea typeface="Comic Sans MS"/>
+                <a:cs typeface="Comic Sans MS"/>
+                <a:sym typeface="Comic Sans MS"/>
+              </a:rPr>
+              <a:t> (</a:t>
+            </a:r>
+            <a:r>
+              <a:rPr lang="en-US" sz="1800" dirty="0" err="1">
+                <a:solidFill>
+                  <a:srgbClr val="FFFFFF"/>
+                </a:solidFill>
+                <a:latin typeface="Comic Sans MS"/>
+                <a:ea typeface="Comic Sans MS"/>
+                <a:cs typeface="Comic Sans MS"/>
+                <a:sym typeface="Comic Sans MS"/>
+              </a:rPr>
+              <a:t>fk</a:t>
+            </a:r>
+            <a:r>
+              <a:rPr lang="en-US" sz="1800" dirty="0">
+                <a:solidFill>
+                  <a:srgbClr val="FFFFFF"/>
+                </a:solidFill>
+                <a:latin typeface="Comic Sans MS"/>
+                <a:ea typeface="Comic Sans MS"/>
+                <a:cs typeface="Comic Sans MS"/>
+                <a:sym typeface="Comic Sans MS"/>
+              </a:rPr>
+              <a:t>)</a:t>
+            </a:r>
+          </a:p>
+          <a:p>
+            <a:pPr marL="0" lvl="0" indent="0" algn="l" rtl="0">
+              <a:spcBef>
+                <a:spcPts val="1200"/>
+              </a:spcBef>
+              <a:spcAft>
+                <a:spcPts val="0"/>
+              </a:spcAft>
+              <a:buNone/>
+            </a:pPr>
+            <a:r>
+              <a:rPr lang="en-US" sz="1800" dirty="0">
+                <a:solidFill>
+                  <a:srgbClr val="FFFFFF"/>
+                </a:solidFill>
+                <a:latin typeface="Comic Sans MS"/>
+                <a:ea typeface="Comic Sans MS"/>
+                <a:cs typeface="Comic Sans MS"/>
+                <a:sym typeface="Comic Sans MS"/>
+              </a:rPr>
+              <a:t>status</a:t>
+            </a:r>
+            <a:endParaRPr dirty="0"/>
+          </a:p>
+          <a:p>
+            <a:pPr marL="0" lvl="0" indent="0" algn="l" rtl="0">
+              <a:spcBef>
+                <a:spcPts val="1200"/>
+              </a:spcBef>
+              <a:spcAft>
+                <a:spcPts val="0"/>
+              </a:spcAft>
+              <a:buNone/>
+            </a:pPr>
+            <a:endParaRPr dirty="0"/>
+          </a:p>
+          <a:p>
+            <a:pPr marL="0" lvl="0" indent="0" algn="l" rtl="0">
+              <a:spcBef>
+                <a:spcPts val="1200"/>
+              </a:spcBef>
+              <a:spcAft>
+                <a:spcPts val="1200"/>
+              </a:spcAft>
+              <a:buNone/>
+            </a:pPr>
+            <a:endParaRPr dirty="0"/>
+          </a:p>
+        </p:txBody>
+      </p:sp>
+    </p:spTree>
+  </p:cSld>
+  <p:clrMapOvr>
+    <a:masterClrMapping/>
+  </p:clrMapOvr>
+  <mc:AlternateContent xmlns:mc="http://schemas.openxmlformats.org/markup-compatibility/2006" xmlns:p14="http://schemas.microsoft.com/office/powerpoint/2010/main">
+    <mc:Choice Requires="p14">
+      <p:transition spd="med">
+        <p14:flip dir="l"/>
+      </p:transition>
+    </mc:Choice>
+    <mc:Fallback xmlns:ahyp="http://schemas.microsoft.com/office/drawing/2018/hyperlinkcolor" xmlns:p15="http://schemas.microsoft.com/office/powerpoint/2012/main" xmlns:com="http://schemas.openxmlformats.org/drawingml/2006/compatibility" xmlns:pvml="urn:schemas-microsoft-com:office:powerpoint" xmlns:v="urn:schemas-microsoft-com:vml" xmlns:o="urn:schemas-microsoft-com:office:office" xmlns:dgm="http://schemas.openxmlformats.org/drawingml/2006/diagram" xmlns:c="http://schemas.openxmlformats.org/drawingml/2006/chart" xmlns:mv="urn:schemas-microsoft-com:mac:vml" xmlns="">
+      <p:transition spd="med">
+        <p:fade/>
+      </p:transition>
+    </mc:Fallback>
+  </mc:AlternateContent>
+</p:sld>
+</file>
+
+<file path=ppt/slides/slide8.xml><?xml version="1.0" encoding="utf-8"?>
+<p:sld xmlns:a="http://schemas.openxmlformats.org/drawingml/2006/main" xmlns:r="http://schemas.openxmlformats.org/officeDocument/2006/relationships" xmlns:p="http://schemas.openxmlformats.org/presentationml/2006/main">
+  <p:cSld>
+    <p:spTree>
+      <p:nvGrpSpPr>
+        <p:cNvPr id="1" name=""/>
+        <p:cNvGrpSpPr/>
+        <p:nvPr/>
+      </p:nvGrpSpPr>
+      <p:grpSpPr>
+        <a:xfrm>
+          <a:off x="0" y="0"/>
+          <a:ext cx="0" cy="0"/>
+          <a:chOff x="0" y="0"/>
+          <a:chExt cx="0" cy="0"/>
+        </a:xfrm>
+      </p:grpSpPr>
+      <p:sp>
+        <p:nvSpPr>
+          <p:cNvPr id="2" name="Title 1">
+            <a:extLst>
+              <a:ext uri="{FF2B5EF4-FFF2-40B4-BE49-F238E27FC236}">
+                <a16:creationId xmlns:a16="http://schemas.microsoft.com/office/drawing/2014/main" id="{8C11ED7E-1504-BD5A-7190-CA18ECFC120D}"/>
+              </a:ext>
+            </a:extLst>
+          </p:cNvPr>
+          <p:cNvSpPr>
+            <a:spLocks noGrp="1"/>
+          </p:cNvSpPr>
+          <p:nvPr>
+            <p:ph type="title"/>
+          </p:nvPr>
+        </p:nvSpPr>
+        <p:spPr/>
+        <p:txBody>
+          <a:bodyPr>
+            <a:normAutofit fontScale="90000"/>
+          </a:bodyPr>
+          <a:lstStyle/>
+          <a:p>
+            <a:r>
+              <a:rPr lang="en-US" b="1" dirty="0">
+                <a:solidFill>
+                  <a:srgbClr val="FFFFFF"/>
+                </a:solidFill>
+                <a:latin typeface="Comic Sans MS"/>
+                <a:ea typeface="Comic Sans MS"/>
+                <a:cs typeface="Comic Sans MS"/>
+                <a:sym typeface="Comic Sans MS"/>
+              </a:rPr>
+              <a:t>5</a:t>
+            </a:r>
+            <a:r>
+              <a:rPr lang="en-US" sz="2400" b="1" dirty="0">
+                <a:solidFill>
+                  <a:srgbClr val="FFFFFF"/>
+                </a:solidFill>
+                <a:latin typeface="Comic Sans MS"/>
+                <a:ea typeface="Comic Sans MS"/>
+                <a:cs typeface="Comic Sans MS"/>
+                <a:sym typeface="Comic Sans MS"/>
+              </a:rPr>
+              <a:t>. </a:t>
+            </a:r>
+            <a:r>
+              <a:rPr lang="en-US" sz="2400" b="1" u="sng" dirty="0">
+                <a:solidFill>
+                  <a:srgbClr val="FFFFFF"/>
+                </a:solidFill>
+                <a:latin typeface="Comic Sans MS"/>
+                <a:ea typeface="Comic Sans MS"/>
+                <a:cs typeface="Comic Sans MS"/>
+                <a:sym typeface="Comic Sans MS"/>
+              </a:rPr>
+              <a:t>Tests</a:t>
+            </a:r>
+            <a:br>
+              <a:rPr lang="en-US" sz="2400" b="1" u="sng" dirty="0">
+                <a:solidFill>
+                  <a:srgbClr val="FFFFFF"/>
+                </a:solidFill>
+                <a:latin typeface="Comic Sans MS"/>
+                <a:ea typeface="Comic Sans MS"/>
+                <a:cs typeface="Comic Sans MS"/>
+                <a:sym typeface="Comic Sans MS"/>
+              </a:rPr>
+            </a:br>
+            <a:endParaRPr lang="en-IN" dirty="0"/>
+          </a:p>
+        </p:txBody>
+      </p:sp>
+      <p:sp>
+        <p:nvSpPr>
+          <p:cNvPr id="3" name="Text Placeholder 2">
+            <a:extLst>
+              <a:ext uri="{FF2B5EF4-FFF2-40B4-BE49-F238E27FC236}">
+                <a16:creationId xmlns:a16="http://schemas.microsoft.com/office/drawing/2014/main" id="{2BB8E8F5-E488-8A5B-9881-1C398DC42B8C}"/>
+              </a:ext>
+            </a:extLst>
+          </p:cNvPr>
+          <p:cNvSpPr>
+            <a:spLocks noGrp="1"/>
+          </p:cNvSpPr>
+          <p:nvPr>
+            <p:ph type="body" idx="1"/>
+          </p:nvPr>
+        </p:nvSpPr>
+        <p:spPr>
+          <a:xfrm>
+            <a:off x="369889" y="1048778"/>
+            <a:ext cx="2808000" cy="3179400"/>
+          </a:xfrm>
+        </p:spPr>
+        <p:txBody>
+          <a:bodyPr>
+            <a:noAutofit/>
+          </a:bodyPr>
+          <a:lstStyle/>
+          <a:p>
+            <a:pPr marL="0" lvl="0" indent="0" algn="l" rtl="0">
+              <a:spcBef>
+                <a:spcPts val="1200"/>
+              </a:spcBef>
+              <a:spcAft>
+                <a:spcPts val="0"/>
+              </a:spcAft>
+              <a:buNone/>
+            </a:pPr>
+            <a:r>
+              <a:rPr lang="en-US" sz="1800" dirty="0" err="1">
+                <a:solidFill>
+                  <a:srgbClr val="FFFFFF"/>
+                </a:solidFill>
+                <a:latin typeface="Comic Sans MS"/>
+                <a:ea typeface="Comic Sans MS"/>
+                <a:cs typeface="Comic Sans MS"/>
+                <a:sym typeface="Comic Sans MS"/>
+              </a:rPr>
+              <a:t>test_id</a:t>
+            </a:r>
+            <a:endParaRPr lang="en-US" sz="1800" dirty="0">
               <a:solidFill>
                 <a:srgbClr val="FFFFFF"/>
               </a:solidFill>
@@ -8799,7 +9608,7 @@
             </a:endParaRPr>
           </a:p>
           <a:p>
-            <a:pPr indent="0" lvl="0" marL="0" rtl="0" algn="l">
+            <a:pPr marL="0" lvl="0" indent="0" algn="l" rtl="0">
               <a:spcBef>
                 <a:spcPts val="1200"/>
               </a:spcBef>
@@ -8809,9 +9618,18 @@
               <a:buNone/>
             </a:pPr>
             <a:r>
-              <a:t/>
+              <a:rPr lang="en-US" sz="1800" dirty="0" err="1">
+                <a:solidFill>
+                  <a:srgbClr val="FFFFFF"/>
+                </a:solidFill>
+                <a:latin typeface="Comic Sans MS"/>
+                <a:ea typeface="Comic Sans MS"/>
+                <a:cs typeface="Comic Sans MS"/>
+                <a:sym typeface="Comic Sans MS"/>
+              </a:rPr>
+              <a:t>testName</a:t>
             </a:r>
-            <a:endParaRPr sz="1800">
+            <a:endParaRPr lang="en-US" sz="1800" dirty="0">
               <a:solidFill>
                 <a:srgbClr val="FFFFFF"/>
               </a:solidFill>
@@ -8822,9 +9640,9 @@
             </a:endParaRPr>
           </a:p>
           <a:p>
-            <a:pPr indent="0" lvl="0" marL="0" rtl="0" algn="l">
-              <a:spcBef>
-                <a:spcPts val="0"/>
+            <a:pPr marL="0" lvl="0" indent="0" algn="l" rtl="0">
+              <a:spcBef>
+                <a:spcPts val="1200"/>
               </a:spcBef>
               <a:spcAft>
                 <a:spcPts val="0"/>
@@ -8832,12 +9650,20 @@
               <a:buNone/>
             </a:pPr>
             <a:r>
-              <a:t/>
+              <a:rPr lang="en-US" sz="1800" dirty="0">
+                <a:solidFill>
+                  <a:srgbClr val="FFFFFF"/>
+                </a:solidFill>
+                <a:latin typeface="Comic Sans MS"/>
+                <a:ea typeface="Comic Sans MS"/>
+                <a:cs typeface="Comic Sans MS"/>
+                <a:sym typeface="Comic Sans MS"/>
+              </a:rPr>
+              <a:t>results</a:t>
             </a:r>
-            <a:endParaRPr/>
-          </a:p>
-          <a:p>
-            <a:pPr indent="0" lvl="0" marL="0" rtl="0" algn="l">
+          </a:p>
+          <a:p>
+            <a:pPr marL="0" lvl="0" indent="0" algn="l" rtl="0">
               <a:spcBef>
                 <a:spcPts val="1200"/>
               </a:spcBef>
@@ -8847,40 +9673,195 @@
               <a:buNone/>
             </a:pPr>
             <a:r>
-              <a:t/>
+              <a:rPr lang="en-US" sz="1800" dirty="0">
+                <a:solidFill>
+                  <a:srgbClr val="FFFFFF"/>
+                </a:solidFill>
+                <a:latin typeface="Comic Sans MS"/>
+                <a:ea typeface="Comic Sans MS"/>
+                <a:cs typeface="Comic Sans MS"/>
+                <a:sym typeface="Comic Sans MS"/>
+              </a:rPr>
+              <a:t>status;</a:t>
             </a:r>
-            <a:endParaRPr/>
-          </a:p>
-          <a:p>
-            <a:pPr indent="0" lvl="0" marL="0" rtl="0" algn="l">
+          </a:p>
+          <a:p>
+            <a:pPr marL="0" lvl="0" indent="0" algn="l" rtl="0">
               <a:spcBef>
                 <a:spcPts val="1200"/>
               </a:spcBef>
               <a:spcAft>
-                <a:spcPts val="1200"/>
+                <a:spcPts val="0"/>
               </a:spcAft>
               <a:buNone/>
             </a:pPr>
             <a:r>
-              <a:t/>
+              <a:rPr lang="en-US" sz="1800" dirty="0" err="1">
+                <a:solidFill>
+                  <a:srgbClr val="FFFFFF"/>
+                </a:solidFill>
+                <a:latin typeface="Comic Sans MS"/>
+                <a:ea typeface="Comic Sans MS"/>
+                <a:cs typeface="Comic Sans MS"/>
+                <a:sym typeface="Comic Sans MS"/>
+              </a:rPr>
+              <a:t>patient_id</a:t>
             </a:r>
-            <a:endParaRPr/>
+            <a:r>
+              <a:rPr lang="en-US" sz="1800" dirty="0">
+                <a:solidFill>
+                  <a:srgbClr val="FFFFFF"/>
+                </a:solidFill>
+                <a:latin typeface="Comic Sans MS"/>
+                <a:ea typeface="Comic Sans MS"/>
+                <a:cs typeface="Comic Sans MS"/>
+                <a:sym typeface="Comic Sans MS"/>
+              </a:rPr>
+              <a:t> (</a:t>
+            </a:r>
+            <a:r>
+              <a:rPr lang="en-US" sz="1800" dirty="0" err="1">
+                <a:solidFill>
+                  <a:srgbClr val="FFFFFF"/>
+                </a:solidFill>
+                <a:latin typeface="Comic Sans MS"/>
+                <a:ea typeface="Comic Sans MS"/>
+                <a:cs typeface="Comic Sans MS"/>
+                <a:sym typeface="Comic Sans MS"/>
+              </a:rPr>
+              <a:t>fk</a:t>
+            </a:r>
+            <a:r>
+              <a:rPr lang="en-US" sz="1800" dirty="0">
+                <a:solidFill>
+                  <a:srgbClr val="FFFFFF"/>
+                </a:solidFill>
+                <a:latin typeface="Comic Sans MS"/>
+                <a:ea typeface="Comic Sans MS"/>
+                <a:cs typeface="Comic Sans MS"/>
+                <a:sym typeface="Comic Sans MS"/>
+              </a:rPr>
+              <a:t>)</a:t>
+            </a:r>
+          </a:p>
+          <a:p>
+            <a:pPr marL="0" lvl="0" indent="0" algn="l" rtl="0">
+              <a:spcBef>
+                <a:spcPts val="1200"/>
+              </a:spcBef>
+              <a:spcAft>
+                <a:spcPts val="0"/>
+              </a:spcAft>
+              <a:buNone/>
+            </a:pPr>
+            <a:r>
+              <a:rPr lang="en-US" sz="1800" dirty="0" err="1">
+                <a:solidFill>
+                  <a:srgbClr val="FFFFFF"/>
+                </a:solidFill>
+                <a:latin typeface="Comic Sans MS"/>
+                <a:ea typeface="Comic Sans MS"/>
+                <a:cs typeface="Comic Sans MS"/>
+                <a:sym typeface="Comic Sans MS"/>
+              </a:rPr>
+              <a:t>doctorId</a:t>
+            </a:r>
+            <a:r>
+              <a:rPr lang="en-US" sz="1800" dirty="0">
+                <a:solidFill>
+                  <a:srgbClr val="FFFFFF"/>
+                </a:solidFill>
+                <a:latin typeface="Comic Sans MS"/>
+                <a:ea typeface="Comic Sans MS"/>
+                <a:cs typeface="Comic Sans MS"/>
+                <a:sym typeface="Comic Sans MS"/>
+              </a:rPr>
+              <a:t> (</a:t>
+            </a:r>
+            <a:r>
+              <a:rPr lang="en-US" sz="1800" dirty="0" err="1">
+                <a:solidFill>
+                  <a:srgbClr val="FFFFFF"/>
+                </a:solidFill>
+                <a:latin typeface="Comic Sans MS"/>
+                <a:ea typeface="Comic Sans MS"/>
+                <a:cs typeface="Comic Sans MS"/>
+                <a:sym typeface="Comic Sans MS"/>
+              </a:rPr>
+              <a:t>fk</a:t>
+            </a:r>
+            <a:r>
+              <a:rPr lang="en-US" sz="1800" dirty="0">
+                <a:solidFill>
+                  <a:srgbClr val="FFFFFF"/>
+                </a:solidFill>
+                <a:latin typeface="Comic Sans MS"/>
+                <a:ea typeface="Comic Sans MS"/>
+                <a:cs typeface="Comic Sans MS"/>
+                <a:sym typeface="Comic Sans MS"/>
+              </a:rPr>
+              <a:t>)</a:t>
+            </a:r>
+          </a:p>
+          <a:p>
+            <a:pPr marL="0" lvl="0" indent="0" algn="l" rtl="0">
+              <a:spcBef>
+                <a:spcPts val="0"/>
+              </a:spcBef>
+              <a:spcAft>
+                <a:spcPts val="0"/>
+              </a:spcAft>
+              <a:buNone/>
+            </a:pPr>
+            <a:endParaRPr lang="en-US" sz="1800" dirty="0"/>
+          </a:p>
+          <a:p>
+            <a:pPr marL="0" lvl="0" indent="0" algn="l" rtl="0">
+              <a:spcBef>
+                <a:spcPts val="1200"/>
+              </a:spcBef>
+              <a:spcAft>
+                <a:spcPts val="0"/>
+              </a:spcAft>
+              <a:buNone/>
+            </a:pPr>
+            <a:endParaRPr lang="en-US" sz="1800" dirty="0"/>
+          </a:p>
+          <a:p>
+            <a:pPr marL="0" lvl="0" indent="0" algn="l" rtl="0">
+              <a:spcBef>
+                <a:spcPts val="1200"/>
+              </a:spcBef>
+              <a:spcAft>
+                <a:spcPts val="1200"/>
+              </a:spcAft>
+              <a:buNone/>
+            </a:pPr>
+            <a:endParaRPr lang="en-US" sz="1800" dirty="0"/>
+          </a:p>
+          <a:p>
+            <a:endParaRPr lang="en-IN" sz="1800" dirty="0"/>
           </a:p>
         </p:txBody>
       </p:sp>
     </p:spTree>
+    <p:extLst>
+      <p:ext uri="{BB962C8B-B14F-4D97-AF65-F5344CB8AC3E}">
+        <p14:creationId xmlns:p14="http://schemas.microsoft.com/office/powerpoint/2010/main" val="2570795390"/>
+      </p:ext>
+    </p:extLst>
   </p:cSld>
   <p:clrMapOvr>
     <a:masterClrMapping/>
   </p:clrMapOvr>
-  <mc:AlternateContent>
-    <mc:Choice Requires="p14">
-      <p:transition spd="med">
-        <p14:flip dir="l"/>
+  <mc:AlternateContent xmlns:mc="http://schemas.openxmlformats.org/markup-compatibility/2006">
+    <mc:Choice xmlns:p14="http://schemas.microsoft.com/office/powerpoint/2010/main" Requires="p14">
+      <p:transition spd="slow" p14:dur="1250">
+        <p14:flip dir="r"/>
       </p:transition>
     </mc:Choice>
     <mc:Fallback>
-      <p:transition spd="med">
+      <p:transition spd="slow">
         <p:fade/>
       </p:transition>
     </mc:Fallback>
@@ -8888,12 +9869,12 @@
 </p:sld>
 </file>
 
-<file path=ppt/slides/slide6.xml><?xml version="1.0" encoding="utf-8"?>
-<p:sld xmlns:a="http://schemas.openxmlformats.org/drawingml/2006/main" xmlns:r="http://schemas.openxmlformats.org/officeDocument/2006/relationships" xmlns:mc="http://schemas.openxmlformats.org/markup-compatibility/2006" xmlns:mv="urn:schemas-microsoft-com:mac:vml" xmlns:p="http://schemas.openxmlformats.org/presentationml/2006/main" xmlns:c="http://schemas.openxmlformats.org/drawingml/2006/chart" xmlns:dgm="http://schemas.openxmlformats.org/drawingml/2006/diagram" xmlns:o="urn:schemas-microsoft-com:office:office" xmlns:v="urn:schemas-microsoft-com:vml" xmlns:pvml="urn:schemas-microsoft-com:office:powerpoint" xmlns:com="http://schemas.openxmlformats.org/drawingml/2006/compatibility" xmlns:p14="http://schemas.microsoft.com/office/powerpoint/2010/main" xmlns:p15="http://schemas.microsoft.com/office/powerpoint/2012/main" xmlns:ahyp="http://schemas.microsoft.com/office/drawing/2018/hyperlinkcolor">
+<file path=ppt/slides/slide9.xml><?xml version="1.0" encoding="utf-8"?>
+<p:sld xmlns:a="http://schemas.openxmlformats.org/drawingml/2006/main" xmlns:r="http://schemas.openxmlformats.org/officeDocument/2006/relationships" xmlns:p="http://schemas.openxmlformats.org/presentationml/2006/main">
   <p:cSld>
     <p:spTree>
       <p:nvGrpSpPr>
-        <p:cNvPr id="91" name="Shape 91"/>
+        <p:cNvPr id="1" name="Shape 91"/>
         <p:cNvGrpSpPr/>
         <p:nvPr/>
       </p:nvGrpSpPr>
@@ -8908,7 +9889,9 @@
       <p:sp>
         <p:nvSpPr>
           <p:cNvPr id="92" name="Google Shape;92;p18"/>
-          <p:cNvSpPr txBox="1"/>
+          <p:cNvSpPr txBox="1">
+            <a:spLocks noGrp="1"/>
+          </p:cNvSpPr>
           <p:nvPr>
             <p:ph type="title"/>
           </p:nvPr>
@@ -8923,12 +9906,12 @@
           </a:prstGeom>
         </p:spPr>
         <p:txBody>
-          <a:bodyPr anchorCtr="0" anchor="t" bIns="91425" lIns="91425" spcFirstLastPara="1" rIns="91425" wrap="square" tIns="91425">
+          <a:bodyPr spcFirstLastPara="1" wrap="square" lIns="91425" tIns="91425" rIns="91425" bIns="91425" anchor="t" anchorCtr="0">
             <a:normAutofit fontScale="90000"/>
           </a:bodyPr>
           <a:lstStyle/>
           <a:p>
-            <a:pPr indent="0" lvl="0" marL="0" rtl="0" algn="l">
+            <a:pPr marL="0" lvl="0" indent="0" algn="l" rtl="0">
               <a:spcBef>
                 <a:spcPts val="0"/>
               </a:spcBef>
@@ -8938,7 +9921,7 @@
               <a:buNone/>
             </a:pPr>
             <a:r>
-              <a:rPr b="1" lang="en">
+              <a:rPr lang="en" b="1">
                 <a:latin typeface="Comic Sans MS"/>
                 <a:ea typeface="Comic Sans MS"/>
                 <a:cs typeface="Comic Sans MS"/>
@@ -8958,9 +9941,11 @@
       <p:sp>
         <p:nvSpPr>
           <p:cNvPr id="93" name="Google Shape;93;p18"/>
-          <p:cNvSpPr txBox="1"/>
+          <p:cNvSpPr txBox="1">
+            <a:spLocks noGrp="1"/>
+          </p:cNvSpPr>
           <p:nvPr>
-            <p:ph idx="1" type="body"/>
+            <p:ph type="body" idx="1"/>
           </p:nvPr>
         </p:nvSpPr>
         <p:spPr>
@@ -8973,12 +9958,12 @@
           </a:prstGeom>
         </p:spPr>
         <p:txBody>
-          <a:bodyPr anchorCtr="0" anchor="t" bIns="91425" lIns="91425" spcFirstLastPara="1" rIns="91425" wrap="square" tIns="91425">
+          <a:bodyPr spcFirstLastPara="1" wrap="square" lIns="91425" tIns="91425" rIns="91425" bIns="91425" anchor="t" anchorCtr="0">
             <a:normAutofit/>
           </a:bodyPr>
           <a:lstStyle/>
           <a:p>
-            <a:pPr indent="0" lvl="0" marL="0" rtl="0" algn="l">
+            <a:pPr marL="0" lvl="0" indent="0" algn="l" rtl="0">
               <a:lnSpc>
                 <a:spcPct val="100000"/>
               </a:lnSpc>
@@ -8991,7 +9976,7 @@
               <a:buNone/>
             </a:pPr>
             <a:r>
-              <a:rPr b="1" lang="en" sz="1650">
+              <a:rPr lang="en" sz="1650" b="1" dirty="0">
                 <a:solidFill>
                   <a:schemeClr val="dk1"/>
                 </a:solidFill>
@@ -9000,9 +9985,9 @@
                 <a:cs typeface="Comic Sans MS"/>
                 <a:sym typeface="Comic Sans MS"/>
               </a:rPr>
-              <a:t>Language used	: Java</a:t>
+              <a:t>Language used		: Java</a:t>
             </a:r>
-            <a:endParaRPr b="1" sz="1650">
+            <a:endParaRPr sz="1650" b="1" dirty="0">
               <a:solidFill>
                 <a:schemeClr val="dk1"/>
               </a:solidFill>
@@ -9013,7 +9998,7 @@
             </a:endParaRPr>
           </a:p>
           <a:p>
-            <a:pPr indent="0" lvl="0" marL="0" rtl="0" algn="l">
+            <a:pPr marL="0" lvl="0" indent="0" algn="l" rtl="0">
               <a:lnSpc>
                 <a:spcPct val="100000"/>
               </a:lnSpc>
@@ -9025,10 +10010,7 @@
               </a:spcAft>
               <a:buNone/>
             </a:pPr>
-            <a:r>
-              <a:t/>
-            </a:r>
-            <a:endParaRPr b="1" sz="1650">
+            <a:endParaRPr sz="1650" b="1" dirty="0">
               <a:solidFill>
                 <a:schemeClr val="dk1"/>
               </a:solidFill>
@@ -9039,7 +10021,7 @@
             </a:endParaRPr>
           </a:p>
           <a:p>
-            <a:pPr indent="0" lvl="0" marL="0" rtl="0" algn="l">
+            <a:pPr marL="0" lvl="0" indent="0" algn="l" rtl="0">
               <a:lnSpc>
                 <a:spcPct val="100000"/>
               </a:lnSpc>
@@ -9052,7 +10034,7 @@
               <a:buNone/>
             </a:pPr>
             <a:r>
-              <a:rPr b="1" lang="en" sz="1650">
+              <a:rPr lang="en" sz="1650" b="1" dirty="0">
                 <a:solidFill>
                   <a:schemeClr val="dk1"/>
                 </a:solidFill>
@@ -9061,21 +10043,9 @@
                 <a:cs typeface="Comic Sans MS"/>
                 <a:sym typeface="Comic Sans MS"/>
               </a:rPr>
-              <a:t>Back end 		</a:t>
+              <a:t>Framework		: Hibernate</a:t>
             </a:r>
-            <a:r>
-              <a:rPr b="1" lang="en" sz="1650">
-                <a:solidFill>
-                  <a:schemeClr val="dk1"/>
-                </a:solidFill>
-                <a:latin typeface="Comic Sans MS"/>
-                <a:ea typeface="Comic Sans MS"/>
-                <a:cs typeface="Comic Sans MS"/>
-                <a:sym typeface="Comic Sans MS"/>
-              </a:rPr>
-              <a:t>: Hibernate</a:t>
-            </a:r>
-            <a:endParaRPr b="1" sz="1650">
+            <a:endParaRPr sz="1650" b="1" dirty="0">
               <a:solidFill>
                 <a:schemeClr val="dk1"/>
               </a:solidFill>
@@ -9086,7 +10056,7 @@
             </a:endParaRPr>
           </a:p>
           <a:p>
-            <a:pPr indent="0" lvl="0" marL="0" rtl="0" algn="l">
+            <a:pPr marL="0" lvl="0" indent="0" algn="l" rtl="0">
               <a:lnSpc>
                 <a:spcPct val="100000"/>
               </a:lnSpc>
@@ -9098,10 +10068,7 @@
               </a:spcAft>
               <a:buNone/>
             </a:pPr>
-            <a:r>
-              <a:t/>
-            </a:r>
-            <a:endParaRPr b="1" sz="1650">
+            <a:endParaRPr sz="1650" b="1" dirty="0">
               <a:solidFill>
                 <a:schemeClr val="dk1"/>
               </a:solidFill>
@@ -9112,7 +10079,7 @@
             </a:endParaRPr>
           </a:p>
           <a:p>
-            <a:pPr indent="0" lvl="0" marL="0" rtl="0" algn="l">
+            <a:pPr marL="0" lvl="0" indent="0" algn="l" rtl="0">
               <a:lnSpc>
                 <a:spcPct val="100000"/>
               </a:lnSpc>
@@ -9125,7 +10092,7 @@
               <a:buNone/>
             </a:pPr>
             <a:r>
-              <a:rPr b="1" lang="en" sz="1650">
+              <a:rPr lang="en" sz="1650" b="1" dirty="0">
                 <a:solidFill>
                   <a:schemeClr val="dk1"/>
                 </a:solidFill>
@@ -9136,7 +10103,7 @@
               </a:rPr>
               <a:t>Database 		: SQL (MySQL)</a:t>
             </a:r>
-            <a:endParaRPr b="1" sz="1650">
+            <a:endParaRPr sz="1650" b="1" dirty="0">
               <a:solidFill>
                 <a:schemeClr val="dk1"/>
               </a:solidFill>
@@ -9147,7 +10114,7 @@
             </a:endParaRPr>
           </a:p>
           <a:p>
-            <a:pPr indent="0" lvl="0" marL="0" rtl="0" algn="l">
+            <a:pPr marL="0" lvl="0" indent="0" algn="l" rtl="0">
               <a:spcBef>
                 <a:spcPts val="0"/>
               </a:spcBef>
@@ -9156,10 +10123,7 @@
               </a:spcAft>
               <a:buNone/>
             </a:pPr>
-            <a:r>
-              <a:t/>
-            </a:r>
-            <a:endParaRPr sz="1650"/>
+            <a:endParaRPr sz="1650" dirty="0"/>
           </a:p>
         </p:txBody>
       </p:sp>
@@ -9168,158 +10132,14 @@
   <p:clrMapOvr>
     <a:masterClrMapping/>
   </p:clrMapOvr>
-  <mc:AlternateContent>
-    <mc:Choice Requires="p14">
-      <p:transition spd="med">
-        <p14:prism dir="l"/>
+  <mc:AlternateContent xmlns:mc="http://schemas.openxmlformats.org/markup-compatibility/2006">
+    <mc:Choice xmlns:p14="http://schemas.microsoft.com/office/powerpoint/2010/main" Requires="p14">
+      <p:transition spd="slow" p14:dur="900">
+        <p14:warp dir="in"/>
       </p:transition>
     </mc:Choice>
     <mc:Fallback>
-      <p:transition spd="med">
-        <p:fade/>
-      </p:transition>
-    </mc:Fallback>
-  </mc:AlternateContent>
-</p:sld>
-</file>
-
-<file path=ppt/slides/slide7.xml><?xml version="1.0" encoding="utf-8"?>
-<p:sld xmlns:a="http://schemas.openxmlformats.org/drawingml/2006/main" xmlns:r="http://schemas.openxmlformats.org/officeDocument/2006/relationships" xmlns:mc="http://schemas.openxmlformats.org/markup-compatibility/2006" xmlns:mv="urn:schemas-microsoft-com:mac:vml" xmlns:p="http://schemas.openxmlformats.org/presentationml/2006/main" xmlns:c="http://schemas.openxmlformats.org/drawingml/2006/chart" xmlns:dgm="http://schemas.openxmlformats.org/drawingml/2006/diagram" xmlns:o="urn:schemas-microsoft-com:office:office" xmlns:v="urn:schemas-microsoft-com:vml" xmlns:pvml="urn:schemas-microsoft-com:office:powerpoint" xmlns:com="http://schemas.openxmlformats.org/drawingml/2006/compatibility" xmlns:p14="http://schemas.microsoft.com/office/powerpoint/2010/main" xmlns:p15="http://schemas.microsoft.com/office/powerpoint/2012/main" xmlns:ahyp="http://schemas.microsoft.com/office/drawing/2018/hyperlinkcolor">
-  <p:cSld>
-    <p:spTree>
-      <p:nvGrpSpPr>
-        <p:cNvPr id="97" name="Shape 97"/>
-        <p:cNvGrpSpPr/>
-        <p:nvPr/>
-      </p:nvGrpSpPr>
-      <p:grpSpPr>
-        <a:xfrm>
-          <a:off x="0" y="0"/>
-          <a:ext cx="0" cy="0"/>
-          <a:chOff x="0" y="0"/>
-          <a:chExt cx="0" cy="0"/>
-        </a:xfrm>
-      </p:grpSpPr>
-      <p:sp>
-        <p:nvSpPr>
-          <p:cNvPr id="98" name="Google Shape;98;p19"/>
-          <p:cNvSpPr txBox="1"/>
-          <p:nvPr>
-            <p:ph type="title"/>
-          </p:nvPr>
-        </p:nvSpPr>
-        <p:spPr>
-          <a:xfrm>
-            <a:off x="311700" y="1255275"/>
-            <a:ext cx="8520600" cy="1890600"/>
-          </a:xfrm>
-          <a:prstGeom prst="rect">
-            <a:avLst/>
-          </a:prstGeom>
-        </p:spPr>
-        <p:txBody>
-          <a:bodyPr anchorCtr="0" anchor="b" bIns="91425" lIns="91425" spcFirstLastPara="1" rIns="91425" wrap="square" tIns="91425">
-            <a:normAutofit/>
-          </a:bodyPr>
-          <a:lstStyle/>
-          <a:p>
-            <a:pPr indent="0" lvl="0" marL="0" rtl="0" algn="ctr">
-              <a:spcBef>
-                <a:spcPts val="0"/>
-              </a:spcBef>
-              <a:spcAft>
-                <a:spcPts val="0"/>
-              </a:spcAft>
-              <a:buSzPts val="990"/>
-              <a:buNone/>
-            </a:pPr>
-            <a:r>
-              <a:rPr lang="en" sz="9500">
-                <a:latin typeface="Comic Sans MS"/>
-                <a:ea typeface="Comic Sans MS"/>
-                <a:cs typeface="Comic Sans MS"/>
-                <a:sym typeface="Comic Sans MS"/>
-              </a:rPr>
-              <a:t>Thank You</a:t>
-            </a:r>
-            <a:endParaRPr sz="9500">
-              <a:latin typeface="Comic Sans MS"/>
-              <a:ea typeface="Comic Sans MS"/>
-              <a:cs typeface="Comic Sans MS"/>
-              <a:sym typeface="Comic Sans MS"/>
-            </a:endParaRPr>
-          </a:p>
-        </p:txBody>
-      </p:sp>
-      <p:sp>
-        <p:nvSpPr>
-          <p:cNvPr id="99" name="Google Shape;99;p19"/>
-          <p:cNvSpPr/>
-          <p:nvPr/>
-        </p:nvSpPr>
-        <p:spPr>
-          <a:xfrm>
-            <a:off x="1482625" y="2926100"/>
-            <a:ext cx="6452400" cy="497400"/>
-          </a:xfrm>
-          <a:prstGeom prst="mathMinus">
-            <a:avLst>
-              <a:gd fmla="val 23520" name="adj1"/>
-            </a:avLst>
-          </a:prstGeom>
-          <a:solidFill>
-            <a:schemeClr val="lt2"/>
-          </a:solidFill>
-          <a:ln cap="flat" cmpd="sng" w="9525">
-            <a:solidFill>
-              <a:schemeClr val="dk2"/>
-            </a:solidFill>
-            <a:prstDash val="solid"/>
-            <a:round/>
-            <a:headEnd len="sm" w="sm" type="none"/>
-            <a:tailEnd len="sm" w="sm" type="none"/>
-          </a:ln>
-        </p:spPr>
-        <p:txBody>
-          <a:bodyPr anchorCtr="0" anchor="ctr" bIns="91425" lIns="91425" spcFirstLastPara="1" rIns="91425" wrap="square" tIns="91425">
-            <a:noAutofit/>
-          </a:bodyPr>
-          <a:lstStyle/>
-          <a:p>
-            <a:pPr indent="0" lvl="0" marL="0" rtl="0" algn="ctr">
-              <a:spcBef>
-                <a:spcPts val="0"/>
-              </a:spcBef>
-              <a:spcAft>
-                <a:spcPts val="0"/>
-              </a:spcAft>
-              <a:buNone/>
-            </a:pPr>
-            <a:r>
-              <a:t/>
-            </a:r>
-            <a:endParaRPr>
-              <a:latin typeface="Average"/>
-              <a:ea typeface="Average"/>
-              <a:cs typeface="Average"/>
-              <a:sym typeface="Average"/>
-            </a:endParaRPr>
-          </a:p>
-        </p:txBody>
-      </p:sp>
-    </p:spTree>
-  </p:cSld>
-  <p:clrMapOvr>
-    <a:masterClrMapping/>
-  </p:clrMapOvr>
-  <mc:AlternateContent>
-    <mc:Choice Requires="p14">
-      <p:transition spd="med">
-        <p14:gallery dir="l"/>
-      </p:transition>
-    </mc:Choice>
-    <mc:Fallback>
-      <p:transition spd="med">
+      <p:transition spd="slow">
         <p:fade/>
       </p:transition>
     </mc:Fallback>
@@ -9328,7 +10148,7 @@
 </file>
 
 <file path=ppt/theme/theme1.xml><?xml version="1.0" encoding="utf-8"?>
-<a:theme xmlns:a="http://schemas.openxmlformats.org/drawingml/2006/main" xmlns:r="http://schemas.openxmlformats.org/officeDocument/2006/relationships" name="Slate">
+<a:theme xmlns:a="http://schemas.openxmlformats.org/drawingml/2006/main" name="Slate">
   <a:themeElements>
     <a:clrScheme name="Slate">
       <a:dk1>
@@ -9603,11 +10423,13 @@
       </a:bgFillStyleLst>
     </a:fmtScheme>
   </a:themeElements>
+  <a:objectDefaults/>
+  <a:extraClrSchemeLst/>
 </a:theme>
 </file>
 
 <file path=ppt/theme/theme2.xml><?xml version="1.0" encoding="utf-8"?>
-<a:theme xmlns:a="http://schemas.openxmlformats.org/drawingml/2006/main" xmlns:r="http://schemas.openxmlformats.org/officeDocument/2006/relationships">
+<a:theme xmlns:a="http://schemas.openxmlformats.org/drawingml/2006/main">
   <a:themeElements>
     <a:clrScheme name="Default">
       <a:dk1>
@@ -9882,5 +10704,7 @@
       </a:bgFillStyleLst>
     </a:fmtScheme>
   </a:themeElements>
+  <a:objectDefaults/>
+  <a:extraClrSchemeLst/>
 </a:theme>
 </file>